--- a/PPT/Unit 3/Unit 3.pptx
+++ b/PPT/Unit 3/Unit 3.pptx
@@ -283,7 +283,7 @@
           <a:p>
             <a:fld id="{F4E0FBAC-73CE-44CE-8F81-DD345E67C6A7}" type="datetimeFigureOut">
               <a:rPr lang="en-US" smtClean="0"/>
-              <a:t>8/29/2024</a:t>
+              <a:t>10/7/2024</a:t>
             </a:fld>
             <a:endParaRPr lang="en-US"/>
           </a:p>
@@ -347,38 +347,37 @@
           <a:p>
             <a:pPr lvl="0"/>
             <a:r>
-              <a:rPr lang="en-US" smtClean="0"/>
+              <a:rPr lang="en-US"/>
               <a:t>Edit Master text styles</a:t>
             </a:r>
           </a:p>
           <a:p>
             <a:pPr lvl="1"/>
             <a:r>
-              <a:rPr lang="en-US" smtClean="0"/>
+              <a:rPr lang="en-US"/>
               <a:t>Second level</a:t>
             </a:r>
           </a:p>
           <a:p>
             <a:pPr lvl="2"/>
             <a:r>
-              <a:rPr lang="en-US" smtClean="0"/>
+              <a:rPr lang="en-US"/>
               <a:t>Third level</a:t>
             </a:r>
           </a:p>
           <a:p>
             <a:pPr lvl="3"/>
             <a:r>
-              <a:rPr lang="en-US" smtClean="0"/>
+              <a:rPr lang="en-US"/>
               <a:t>Fourth level</a:t>
             </a:r>
           </a:p>
           <a:p>
             <a:pPr lvl="4"/>
             <a:r>
-              <a:rPr lang="en-US" smtClean="0"/>
+              <a:rPr lang="en-US"/>
               <a:t>Fifth level</a:t>
             </a:r>
-            <a:endParaRPr lang="en-US"/>
           </a:p>
         </p:txBody>
       </p:sp>
@@ -596,10 +595,9 @@
           <a:lstStyle/>
           <a:p>
             <a:r>
-              <a:rPr lang="en-US" dirty="0" smtClean="0"/>
+              <a:rPr lang="en-US" dirty="0"/>
               <a:t>https://www.influxdata.com/blog/exponential-smoothing-beginners-guide/#:~:text=Exponential%20smoothing%20is%20a%20time,changing%20trends%20in%20the%20data.</a:t>
             </a:r>
-            <a:endParaRPr lang="en-US" dirty="0"/>
           </a:p>
         </p:txBody>
       </p:sp>
@@ -684,10 +682,9 @@
           <a:lstStyle/>
           <a:p>
             <a:r>
-              <a:rPr lang="en-US" dirty="0" smtClean="0"/>
+              <a:rPr lang="en-US" dirty="0"/>
               <a:t>https://www.influxdata.com/blog/exponential-smoothing-beginners-guide/#:~:text=Exponential%20smoothing%20is%20a%20time,changing%20trends%20in%20the%20data.</a:t>
             </a:r>
-            <a:endParaRPr lang="en-US" dirty="0"/>
           </a:p>
         </p:txBody>
       </p:sp>
@@ -1108,10 +1105,9 @@
           <a:lstStyle/>
           <a:p>
             <a:r>
-              <a:rPr lang="en-US" dirty="0" smtClean="0"/>
+              <a:rPr lang="en-US" dirty="0"/>
               <a:t>https://www.encora.com/insights/exponential-smoothing-methods-for-time-series-forecasting</a:t>
             </a:r>
-            <a:endParaRPr lang="en-US" dirty="0"/>
           </a:p>
         </p:txBody>
       </p:sp>
@@ -1277,10 +1273,9 @@
           </a:lstStyle>
           <a:p>
             <a:r>
-              <a:rPr lang="en-US" smtClean="0"/>
+              <a:rPr lang="en-US"/>
               <a:t>Click to edit Master title style</a:t>
             </a:r>
-            <a:endParaRPr lang="en-US"/>
           </a:p>
         </p:txBody>
       </p:sp>
@@ -1342,10 +1337,9 @@
           </a:lstStyle>
           <a:p>
             <a:r>
-              <a:rPr lang="en-US" smtClean="0"/>
+              <a:rPr lang="en-US"/>
               <a:t>Click to edit Master subtitle style</a:t>
             </a:r>
-            <a:endParaRPr lang="en-US"/>
           </a:p>
         </p:txBody>
       </p:sp>
@@ -1366,7 +1360,7 @@
           <a:p>
             <a:fld id="{E2EBB68C-3430-4C54-9437-0EE408101B6E}" type="datetimeFigureOut">
               <a:rPr lang="en-US" smtClean="0"/>
-              <a:t>8/29/2024</a:t>
+              <a:t>10/7/2024</a:t>
             </a:fld>
             <a:endParaRPr lang="en-US"/>
           </a:p>
@@ -1460,10 +1454,9 @@
           <a:lstStyle/>
           <a:p>
             <a:r>
-              <a:rPr lang="en-US" smtClean="0"/>
+              <a:rPr lang="en-US"/>
               <a:t>Click to edit Master title style</a:t>
             </a:r>
-            <a:endParaRPr lang="en-US"/>
           </a:p>
         </p:txBody>
       </p:sp>
@@ -1484,38 +1477,37 @@
           <a:p>
             <a:pPr lvl="0"/>
             <a:r>
-              <a:rPr lang="en-US" smtClean="0"/>
+              <a:rPr lang="en-US"/>
               <a:t>Edit Master text styles</a:t>
             </a:r>
           </a:p>
           <a:p>
             <a:pPr lvl="1"/>
             <a:r>
-              <a:rPr lang="en-US" smtClean="0"/>
+              <a:rPr lang="en-US"/>
               <a:t>Second level</a:t>
             </a:r>
           </a:p>
           <a:p>
             <a:pPr lvl="2"/>
             <a:r>
-              <a:rPr lang="en-US" smtClean="0"/>
+              <a:rPr lang="en-US"/>
               <a:t>Third level</a:t>
             </a:r>
           </a:p>
           <a:p>
             <a:pPr lvl="3"/>
             <a:r>
-              <a:rPr lang="en-US" smtClean="0"/>
+              <a:rPr lang="en-US"/>
               <a:t>Fourth level</a:t>
             </a:r>
           </a:p>
           <a:p>
             <a:pPr lvl="4"/>
             <a:r>
-              <a:rPr lang="en-US" smtClean="0"/>
+              <a:rPr lang="en-US"/>
               <a:t>Fifth level</a:t>
             </a:r>
-            <a:endParaRPr lang="en-US"/>
           </a:p>
         </p:txBody>
       </p:sp>
@@ -1536,7 +1528,7 @@
           <a:p>
             <a:fld id="{E2EBB68C-3430-4C54-9437-0EE408101B6E}" type="datetimeFigureOut">
               <a:rPr lang="en-US" smtClean="0"/>
-              <a:t>8/29/2024</a:t>
+              <a:t>10/7/2024</a:t>
             </a:fld>
             <a:endParaRPr lang="en-US"/>
           </a:p>
@@ -1635,10 +1627,9 @@
           <a:lstStyle/>
           <a:p>
             <a:r>
-              <a:rPr lang="en-US" smtClean="0"/>
+              <a:rPr lang="en-US"/>
               <a:t>Click to edit Master title style</a:t>
             </a:r>
-            <a:endParaRPr lang="en-US"/>
           </a:p>
         </p:txBody>
       </p:sp>
@@ -1664,38 +1655,37 @@
           <a:p>
             <a:pPr lvl="0"/>
             <a:r>
-              <a:rPr lang="en-US" smtClean="0"/>
+              <a:rPr lang="en-US"/>
               <a:t>Edit Master text styles</a:t>
             </a:r>
           </a:p>
           <a:p>
             <a:pPr lvl="1"/>
             <a:r>
-              <a:rPr lang="en-US" smtClean="0"/>
+              <a:rPr lang="en-US"/>
               <a:t>Second level</a:t>
             </a:r>
           </a:p>
           <a:p>
             <a:pPr lvl="2"/>
             <a:r>
-              <a:rPr lang="en-US" smtClean="0"/>
+              <a:rPr lang="en-US"/>
               <a:t>Third level</a:t>
             </a:r>
           </a:p>
           <a:p>
             <a:pPr lvl="3"/>
             <a:r>
-              <a:rPr lang="en-US" smtClean="0"/>
+              <a:rPr lang="en-US"/>
               <a:t>Fourth level</a:t>
             </a:r>
           </a:p>
           <a:p>
             <a:pPr lvl="4"/>
             <a:r>
-              <a:rPr lang="en-US" smtClean="0"/>
+              <a:rPr lang="en-US"/>
               <a:t>Fifth level</a:t>
             </a:r>
-            <a:endParaRPr lang="en-US"/>
           </a:p>
         </p:txBody>
       </p:sp>
@@ -1716,7 +1706,7 @@
           <a:p>
             <a:fld id="{E2EBB68C-3430-4C54-9437-0EE408101B6E}" type="datetimeFigureOut">
               <a:rPr lang="en-US" smtClean="0"/>
-              <a:t>8/29/2024</a:t>
+              <a:t>10/7/2024</a:t>
             </a:fld>
             <a:endParaRPr lang="en-US"/>
           </a:p>
@@ -1810,10 +1800,9 @@
           <a:lstStyle/>
           <a:p>
             <a:r>
-              <a:rPr lang="en-US" smtClean="0"/>
+              <a:rPr lang="en-US"/>
               <a:t>Click to edit Master title style</a:t>
             </a:r>
-            <a:endParaRPr lang="en-US"/>
           </a:p>
         </p:txBody>
       </p:sp>
@@ -1834,38 +1823,37 @@
           <a:p>
             <a:pPr lvl="0"/>
             <a:r>
-              <a:rPr lang="en-US" smtClean="0"/>
+              <a:rPr lang="en-US"/>
               <a:t>Edit Master text styles</a:t>
             </a:r>
           </a:p>
           <a:p>
             <a:pPr lvl="1"/>
             <a:r>
-              <a:rPr lang="en-US" smtClean="0"/>
+              <a:rPr lang="en-US"/>
               <a:t>Second level</a:t>
             </a:r>
           </a:p>
           <a:p>
             <a:pPr lvl="2"/>
             <a:r>
-              <a:rPr lang="en-US" smtClean="0"/>
+              <a:rPr lang="en-US"/>
               <a:t>Third level</a:t>
             </a:r>
           </a:p>
           <a:p>
             <a:pPr lvl="3"/>
             <a:r>
-              <a:rPr lang="en-US" smtClean="0"/>
+              <a:rPr lang="en-US"/>
               <a:t>Fourth level</a:t>
             </a:r>
           </a:p>
           <a:p>
             <a:pPr lvl="4"/>
             <a:r>
-              <a:rPr lang="en-US" smtClean="0"/>
+              <a:rPr lang="en-US"/>
               <a:t>Fifth level</a:t>
             </a:r>
-            <a:endParaRPr lang="en-US"/>
           </a:p>
         </p:txBody>
       </p:sp>
@@ -1886,7 +1874,7 @@
           <a:p>
             <a:fld id="{E2EBB68C-3430-4C54-9437-0EE408101B6E}" type="datetimeFigureOut">
               <a:rPr lang="en-US" smtClean="0"/>
-              <a:t>8/29/2024</a:t>
+              <a:t>10/7/2024</a:t>
             </a:fld>
             <a:endParaRPr lang="en-US"/>
           </a:p>
@@ -1989,10 +1977,9 @@
           </a:lstStyle>
           <a:p>
             <a:r>
-              <a:rPr lang="en-US" smtClean="0"/>
+              <a:rPr lang="en-US"/>
               <a:t>Click to edit Master title style</a:t>
             </a:r>
-            <a:endParaRPr lang="en-US"/>
           </a:p>
         </p:txBody>
       </p:sp>
@@ -2109,7 +2096,7 @@
           <a:p>
             <a:pPr lvl="0"/>
             <a:r>
-              <a:rPr lang="en-US" smtClean="0"/>
+              <a:rPr lang="en-US"/>
               <a:t>Edit Master text styles</a:t>
             </a:r>
           </a:p>
@@ -2132,7 +2119,7 @@
           <a:p>
             <a:fld id="{E2EBB68C-3430-4C54-9437-0EE408101B6E}" type="datetimeFigureOut">
               <a:rPr lang="en-US" smtClean="0"/>
-              <a:t>8/29/2024</a:t>
+              <a:t>10/7/2024</a:t>
             </a:fld>
             <a:endParaRPr lang="en-US"/>
           </a:p>
@@ -2226,10 +2213,9 @@
           <a:lstStyle/>
           <a:p>
             <a:r>
-              <a:rPr lang="en-US" smtClean="0"/>
+              <a:rPr lang="en-US"/>
               <a:t>Click to edit Master title style</a:t>
             </a:r>
-            <a:endParaRPr lang="en-US"/>
           </a:p>
         </p:txBody>
       </p:sp>
@@ -2255,38 +2241,37 @@
           <a:p>
             <a:pPr lvl="0"/>
             <a:r>
-              <a:rPr lang="en-US" smtClean="0"/>
+              <a:rPr lang="en-US"/>
               <a:t>Edit Master text styles</a:t>
             </a:r>
           </a:p>
           <a:p>
             <a:pPr lvl="1"/>
             <a:r>
-              <a:rPr lang="en-US" smtClean="0"/>
+              <a:rPr lang="en-US"/>
               <a:t>Second level</a:t>
             </a:r>
           </a:p>
           <a:p>
             <a:pPr lvl="2"/>
             <a:r>
-              <a:rPr lang="en-US" smtClean="0"/>
+              <a:rPr lang="en-US"/>
               <a:t>Third level</a:t>
             </a:r>
           </a:p>
           <a:p>
             <a:pPr lvl="3"/>
             <a:r>
-              <a:rPr lang="en-US" smtClean="0"/>
+              <a:rPr lang="en-US"/>
               <a:t>Fourth level</a:t>
             </a:r>
           </a:p>
           <a:p>
             <a:pPr lvl="4"/>
             <a:r>
-              <a:rPr lang="en-US" smtClean="0"/>
+              <a:rPr lang="en-US"/>
               <a:t>Fifth level</a:t>
             </a:r>
-            <a:endParaRPr lang="en-US"/>
           </a:p>
         </p:txBody>
       </p:sp>
@@ -2312,38 +2297,37 @@
           <a:p>
             <a:pPr lvl="0"/>
             <a:r>
-              <a:rPr lang="en-US" smtClean="0"/>
+              <a:rPr lang="en-US"/>
               <a:t>Edit Master text styles</a:t>
             </a:r>
           </a:p>
           <a:p>
             <a:pPr lvl="1"/>
             <a:r>
-              <a:rPr lang="en-US" smtClean="0"/>
+              <a:rPr lang="en-US"/>
               <a:t>Second level</a:t>
             </a:r>
           </a:p>
           <a:p>
             <a:pPr lvl="2"/>
             <a:r>
-              <a:rPr lang="en-US" smtClean="0"/>
+              <a:rPr lang="en-US"/>
               <a:t>Third level</a:t>
             </a:r>
           </a:p>
           <a:p>
             <a:pPr lvl="3"/>
             <a:r>
-              <a:rPr lang="en-US" smtClean="0"/>
+              <a:rPr lang="en-US"/>
               <a:t>Fourth level</a:t>
             </a:r>
           </a:p>
           <a:p>
             <a:pPr lvl="4"/>
             <a:r>
-              <a:rPr lang="en-US" smtClean="0"/>
+              <a:rPr lang="en-US"/>
               <a:t>Fifth level</a:t>
             </a:r>
-            <a:endParaRPr lang="en-US"/>
           </a:p>
         </p:txBody>
       </p:sp>
@@ -2364,7 +2348,7 @@
           <a:p>
             <a:fld id="{E2EBB68C-3430-4C54-9437-0EE408101B6E}" type="datetimeFigureOut">
               <a:rPr lang="en-US" smtClean="0"/>
-              <a:t>8/29/2024</a:t>
+              <a:t>10/7/2024</a:t>
             </a:fld>
             <a:endParaRPr lang="en-US"/>
           </a:p>
@@ -2463,10 +2447,9 @@
           <a:lstStyle/>
           <a:p>
             <a:r>
-              <a:rPr lang="en-US" smtClean="0"/>
+              <a:rPr lang="en-US"/>
               <a:t>Click to edit Master title style</a:t>
             </a:r>
-            <a:endParaRPr lang="en-US"/>
           </a:p>
         </p:txBody>
       </p:sp>
@@ -2529,7 +2512,7 @@
           <a:p>
             <a:pPr lvl="0"/>
             <a:r>
-              <a:rPr lang="en-US" smtClean="0"/>
+              <a:rPr lang="en-US"/>
               <a:t>Edit Master text styles</a:t>
             </a:r>
           </a:p>
@@ -2557,38 +2540,37 @@
           <a:p>
             <a:pPr lvl="0"/>
             <a:r>
-              <a:rPr lang="en-US" smtClean="0"/>
+              <a:rPr lang="en-US"/>
               <a:t>Edit Master text styles</a:t>
             </a:r>
           </a:p>
           <a:p>
             <a:pPr lvl="1"/>
             <a:r>
-              <a:rPr lang="en-US" smtClean="0"/>
+              <a:rPr lang="en-US"/>
               <a:t>Second level</a:t>
             </a:r>
           </a:p>
           <a:p>
             <a:pPr lvl="2"/>
             <a:r>
-              <a:rPr lang="en-US" smtClean="0"/>
+              <a:rPr lang="en-US"/>
               <a:t>Third level</a:t>
             </a:r>
           </a:p>
           <a:p>
             <a:pPr lvl="3"/>
             <a:r>
-              <a:rPr lang="en-US" smtClean="0"/>
+              <a:rPr lang="en-US"/>
               <a:t>Fourth level</a:t>
             </a:r>
           </a:p>
           <a:p>
             <a:pPr lvl="4"/>
             <a:r>
-              <a:rPr lang="en-US" smtClean="0"/>
+              <a:rPr lang="en-US"/>
               <a:t>Fifth level</a:t>
             </a:r>
-            <a:endParaRPr lang="en-US"/>
           </a:p>
         </p:txBody>
       </p:sp>
@@ -2651,7 +2633,7 @@
           <a:p>
             <a:pPr lvl="0"/>
             <a:r>
-              <a:rPr lang="en-US" smtClean="0"/>
+              <a:rPr lang="en-US"/>
               <a:t>Edit Master text styles</a:t>
             </a:r>
           </a:p>
@@ -2679,38 +2661,37 @@
           <a:p>
             <a:pPr lvl="0"/>
             <a:r>
-              <a:rPr lang="en-US" smtClean="0"/>
+              <a:rPr lang="en-US"/>
               <a:t>Edit Master text styles</a:t>
             </a:r>
           </a:p>
           <a:p>
             <a:pPr lvl="1"/>
             <a:r>
-              <a:rPr lang="en-US" smtClean="0"/>
+              <a:rPr lang="en-US"/>
               <a:t>Second level</a:t>
             </a:r>
           </a:p>
           <a:p>
             <a:pPr lvl="2"/>
             <a:r>
-              <a:rPr lang="en-US" smtClean="0"/>
+              <a:rPr lang="en-US"/>
               <a:t>Third level</a:t>
             </a:r>
           </a:p>
           <a:p>
             <a:pPr lvl="3"/>
             <a:r>
-              <a:rPr lang="en-US" smtClean="0"/>
+              <a:rPr lang="en-US"/>
               <a:t>Fourth level</a:t>
             </a:r>
           </a:p>
           <a:p>
             <a:pPr lvl="4"/>
             <a:r>
-              <a:rPr lang="en-US" smtClean="0"/>
+              <a:rPr lang="en-US"/>
               <a:t>Fifth level</a:t>
             </a:r>
-            <a:endParaRPr lang="en-US"/>
           </a:p>
         </p:txBody>
       </p:sp>
@@ -2731,7 +2712,7 @@
           <a:p>
             <a:fld id="{E2EBB68C-3430-4C54-9437-0EE408101B6E}" type="datetimeFigureOut">
               <a:rPr lang="en-US" smtClean="0"/>
-              <a:t>8/29/2024</a:t>
+              <a:t>10/7/2024</a:t>
             </a:fld>
             <a:endParaRPr lang="en-US"/>
           </a:p>
@@ -2825,10 +2806,9 @@
           <a:lstStyle/>
           <a:p>
             <a:r>
-              <a:rPr lang="en-US" smtClean="0"/>
+              <a:rPr lang="en-US"/>
               <a:t>Click to edit Master title style</a:t>
             </a:r>
-            <a:endParaRPr lang="en-US"/>
           </a:p>
         </p:txBody>
       </p:sp>
@@ -2849,7 +2829,7 @@
           <a:p>
             <a:fld id="{E2EBB68C-3430-4C54-9437-0EE408101B6E}" type="datetimeFigureOut">
               <a:rPr lang="en-US" smtClean="0"/>
-              <a:t>8/29/2024</a:t>
+              <a:t>10/7/2024</a:t>
             </a:fld>
             <a:endParaRPr lang="en-US"/>
           </a:p>
@@ -2944,7 +2924,7 @@
           <a:p>
             <a:fld id="{E2EBB68C-3430-4C54-9437-0EE408101B6E}" type="datetimeFigureOut">
               <a:rPr lang="en-US" smtClean="0"/>
-              <a:t>8/29/2024</a:t>
+              <a:t>10/7/2024</a:t>
             </a:fld>
             <a:endParaRPr lang="en-US"/>
           </a:p>
@@ -3047,10 +3027,9 @@
           </a:lstStyle>
           <a:p>
             <a:r>
-              <a:rPr lang="en-US" smtClean="0"/>
+              <a:rPr lang="en-US"/>
               <a:t>Click to edit Master title style</a:t>
             </a:r>
-            <a:endParaRPr lang="en-US"/>
           </a:p>
         </p:txBody>
       </p:sp>
@@ -3104,38 +3083,37 @@
           <a:p>
             <a:pPr lvl="0"/>
             <a:r>
-              <a:rPr lang="en-US" smtClean="0"/>
+              <a:rPr lang="en-US"/>
               <a:t>Edit Master text styles</a:t>
             </a:r>
           </a:p>
           <a:p>
             <a:pPr lvl="1"/>
             <a:r>
-              <a:rPr lang="en-US" smtClean="0"/>
+              <a:rPr lang="en-US"/>
               <a:t>Second level</a:t>
             </a:r>
           </a:p>
           <a:p>
             <a:pPr lvl="2"/>
             <a:r>
-              <a:rPr lang="en-US" smtClean="0"/>
+              <a:rPr lang="en-US"/>
               <a:t>Third level</a:t>
             </a:r>
           </a:p>
           <a:p>
             <a:pPr lvl="3"/>
             <a:r>
-              <a:rPr lang="en-US" smtClean="0"/>
+              <a:rPr lang="en-US"/>
               <a:t>Fourth level</a:t>
             </a:r>
           </a:p>
           <a:p>
             <a:pPr lvl="4"/>
             <a:r>
-              <a:rPr lang="en-US" smtClean="0"/>
+              <a:rPr lang="en-US"/>
               <a:t>Fifth level</a:t>
             </a:r>
-            <a:endParaRPr lang="en-US"/>
           </a:p>
         </p:txBody>
       </p:sp>
@@ -3198,7 +3176,7 @@
           <a:p>
             <a:pPr lvl="0"/>
             <a:r>
-              <a:rPr lang="en-US" smtClean="0"/>
+              <a:rPr lang="en-US"/>
               <a:t>Edit Master text styles</a:t>
             </a:r>
           </a:p>
@@ -3221,7 +3199,7 @@
           <a:p>
             <a:fld id="{E2EBB68C-3430-4C54-9437-0EE408101B6E}" type="datetimeFigureOut">
               <a:rPr lang="en-US" smtClean="0"/>
-              <a:t>8/29/2024</a:t>
+              <a:t>10/7/2024</a:t>
             </a:fld>
             <a:endParaRPr lang="en-US"/>
           </a:p>
@@ -3324,10 +3302,9 @@
           </a:lstStyle>
           <a:p>
             <a:r>
-              <a:rPr lang="en-US" smtClean="0"/>
+              <a:rPr lang="en-US"/>
               <a:t>Click to edit Master title style</a:t>
             </a:r>
-            <a:endParaRPr lang="en-US"/>
           </a:p>
         </p:txBody>
       </p:sp>
@@ -3451,7 +3428,7 @@
           <a:p>
             <a:pPr lvl="0"/>
             <a:r>
-              <a:rPr lang="en-US" smtClean="0"/>
+              <a:rPr lang="en-US"/>
               <a:t>Edit Master text styles</a:t>
             </a:r>
           </a:p>
@@ -3474,7 +3451,7 @@
           <a:p>
             <a:fld id="{E2EBB68C-3430-4C54-9437-0EE408101B6E}" type="datetimeFigureOut">
               <a:rPr lang="en-US" smtClean="0"/>
-              <a:t>8/29/2024</a:t>
+              <a:t>10/7/2024</a:t>
             </a:fld>
             <a:endParaRPr lang="en-US"/>
           </a:p>
@@ -3583,10 +3560,9 @@
           <a:lstStyle/>
           <a:p>
             <a:r>
-              <a:rPr lang="en-US" smtClean="0"/>
+              <a:rPr lang="en-US"/>
               <a:t>Click to edit Master title style</a:t>
             </a:r>
-            <a:endParaRPr lang="en-US"/>
           </a:p>
         </p:txBody>
       </p:sp>
@@ -3617,38 +3593,37 @@
           <a:p>
             <a:pPr lvl="0"/>
             <a:r>
-              <a:rPr lang="en-US" smtClean="0"/>
+              <a:rPr lang="en-US"/>
               <a:t>Edit Master text styles</a:t>
             </a:r>
           </a:p>
           <a:p>
             <a:pPr lvl="1"/>
             <a:r>
-              <a:rPr lang="en-US" smtClean="0"/>
+              <a:rPr lang="en-US"/>
               <a:t>Second level</a:t>
             </a:r>
           </a:p>
           <a:p>
             <a:pPr lvl="2"/>
             <a:r>
-              <a:rPr lang="en-US" smtClean="0"/>
+              <a:rPr lang="en-US"/>
               <a:t>Third level</a:t>
             </a:r>
           </a:p>
           <a:p>
             <a:pPr lvl="3"/>
             <a:r>
-              <a:rPr lang="en-US" smtClean="0"/>
+              <a:rPr lang="en-US"/>
               <a:t>Fourth level</a:t>
             </a:r>
           </a:p>
           <a:p>
             <a:pPr lvl="4"/>
             <a:r>
-              <a:rPr lang="en-US" smtClean="0"/>
+              <a:rPr lang="en-US"/>
               <a:t>Fifth level</a:t>
             </a:r>
-            <a:endParaRPr lang="en-US"/>
           </a:p>
         </p:txBody>
       </p:sp>
@@ -3687,7 +3662,7 @@
           <a:p>
             <a:fld id="{E2EBB68C-3430-4C54-9437-0EE408101B6E}" type="datetimeFigureOut">
               <a:rPr lang="en-US" smtClean="0"/>
-              <a:t>8/29/2024</a:t>
+              <a:t>10/7/2024</a:t>
             </a:fld>
             <a:endParaRPr lang="en-US"/>
           </a:p>
@@ -4108,10 +4083,9 @@
           <a:lstStyle/>
           <a:p>
             <a:r>
-              <a:rPr lang="en-US" dirty="0" smtClean="0"/>
+              <a:rPr lang="en-US" dirty="0"/>
               <a:t>Unit 3</a:t>
             </a:r>
-            <a:endParaRPr lang="en-US" dirty="0"/>
           </a:p>
         </p:txBody>
       </p:sp>
@@ -4133,18 +4107,13 @@
           <a:lstStyle/>
           <a:p>
             <a:r>
-              <a:rPr lang="en-US" sz="4000" b="1" dirty="0" smtClean="0">
+              <a:rPr lang="en-US" sz="4000" b="1" dirty="0">
                 <a:solidFill>
                   <a:schemeClr val="accent1"/>
                 </a:solidFill>
               </a:rPr>
               <a:t>EXPONENTIAL SMOOTHING METHODS </a:t>
             </a:r>
-            <a:endParaRPr lang="en-US" sz="4000" b="1" dirty="0">
-              <a:solidFill>
-                <a:schemeClr val="accent1"/>
-              </a:solidFill>
-            </a:endParaRPr>
           </a:p>
         </p:txBody>
       </p:sp>
@@ -4232,7 +4201,6 @@
               <a:rPr lang="en-US" dirty="0"/>
               <a:t>Holt-Winters’ exponential smoothing, also referred to as triple exponential smoothing, is used to forecast time series data that has both a trend and a seasonal component. </a:t>
             </a:r>
-            <a:endParaRPr lang="en-US" dirty="0" smtClean="0"/>
           </a:p>
           <a:p>
             <a:pPr>
@@ -4241,12 +4209,8 @@
               </a:lnSpc>
             </a:pPr>
             <a:r>
-              <a:rPr lang="en-US" dirty="0" smtClean="0"/>
-              <a:t>It </a:t>
-            </a:r>
-            <a:r>
-              <a:rPr lang="en-US" dirty="0"/>
-              <a:t>uses three smoothing parameters: α for the level (the intercept), β for the trend, and γ for the seasonal component.</a:t>
+              <a:rPr lang="en-US" dirty="0"/>
+              <a:t>It uses three smoothing parameters: α for the level (the intercept), β for the trend, and γ for the seasonal component.</a:t>
             </a:r>
           </a:p>
           <a:p>
@@ -4305,11 +4269,11 @@
           <a:lstStyle/>
           <a:p>
             <a:r>
-              <a:rPr lang="en-US" b="1" dirty="0" smtClean="0"/>
+              <a:rPr lang="en-US" b="1" dirty="0"/>
               <a:t>When to use exponential smoothing</a:t>
             </a:r>
             <a:br>
-              <a:rPr lang="en-US" b="1" dirty="0" smtClean="0"/>
+              <a:rPr lang="en-US" b="1" dirty="0"/>
             </a:br>
             <a:endParaRPr lang="en-US" dirty="0"/>
           </a:p>
@@ -4343,7 +4307,7 @@
               </a:lnSpc>
             </a:pPr>
             <a:r>
-              <a:rPr lang="en-US" sz="2400" dirty="0" smtClean="0"/>
+              <a:rPr lang="en-US" sz="2400" dirty="0"/>
               <a:t>Here are some other common situations where exponential smoothing can be useful:</a:t>
             </a:r>
           </a:p>
@@ -4354,11 +4318,11 @@
               </a:lnSpc>
             </a:pPr>
             <a:r>
-              <a:rPr lang="en-US" sz="2400" b="1" dirty="0" smtClean="0"/>
+              <a:rPr lang="en-US" sz="2400" b="1" dirty="0"/>
               <a:t>Time series forecasting</a:t>
             </a:r>
             <a:r>
-              <a:rPr lang="en-US" sz="2400" dirty="0" smtClean="0"/>
+              <a:rPr lang="en-US" sz="2400" dirty="0"/>
               <a:t> — One of the most common applications of exponential smoothing is in time series forecasting. If you have historical data for a particular variable over time, such as sales or website traffic, you can use exponential smoothing to forecast the future values of that variable.</a:t>
             </a:r>
           </a:p>
@@ -4369,11 +4333,11 @@
               </a:lnSpc>
             </a:pPr>
             <a:r>
-              <a:rPr lang="en-US" sz="2400" b="1" dirty="0" smtClean="0"/>
+              <a:rPr lang="en-US" sz="2400" b="1" dirty="0"/>
               <a:t>Inventory management</a:t>
             </a:r>
             <a:r>
-              <a:rPr lang="en-US" sz="2400" dirty="0" smtClean="0"/>
+              <a:rPr lang="en-US" sz="2400" dirty="0"/>
               <a:t> — Exponential smoothing can be used to forecast demand for products or services, which can be helpful in inventory management. By forecasting demand, businesses can make sure they have enough inventory on hand to meet customer needs without overstocking, which can be expensive.</a:t>
             </a:r>
           </a:p>
@@ -4433,11 +4397,11 @@
           <a:lstStyle/>
           <a:p>
             <a:r>
-              <a:rPr lang="en-US" b="1" dirty="0" smtClean="0"/>
+              <a:rPr lang="en-US" b="1" dirty="0"/>
               <a:t>When to use exponential smoothing</a:t>
             </a:r>
             <a:br>
-              <a:rPr lang="en-US" b="1" dirty="0" smtClean="0"/>
+              <a:rPr lang="en-US" b="1" dirty="0"/>
             </a:br>
             <a:endParaRPr lang="en-US" dirty="0"/>
           </a:p>
@@ -4471,7 +4435,7 @@
               </a:lnSpc>
             </a:pPr>
             <a:r>
-              <a:rPr lang="en-US" sz="2400" dirty="0" smtClean="0"/>
+              <a:rPr lang="en-US" sz="2400" dirty="0"/>
               <a:t>Here are some other common situations where exponential smoothing can be useful:</a:t>
             </a:r>
           </a:p>
@@ -4482,11 +4446,11 @@
               </a:lnSpc>
             </a:pPr>
             <a:r>
-              <a:rPr lang="en-US" sz="2400" b="1" dirty="0" smtClean="0"/>
+              <a:rPr lang="en-US" sz="2400" b="1" dirty="0"/>
               <a:t>Finance</a:t>
             </a:r>
             <a:r>
-              <a:rPr lang="en-US" sz="2400" dirty="0" smtClean="0"/>
+              <a:rPr lang="en-US" sz="2400" dirty="0"/>
               <a:t> — It can be used in finance to forecast stock prices, interest rates, and other financial variables. This can be helpful for investors who are trying to make informed decisions about buying and selling stocks or other financial instruments.</a:t>
             </a:r>
           </a:p>
@@ -4497,11 +4461,11 @@
               </a:lnSpc>
             </a:pPr>
             <a:r>
-              <a:rPr lang="en-US" sz="2400" b="1" dirty="0" smtClean="0"/>
+              <a:rPr lang="en-US" sz="2400" b="1" dirty="0"/>
               <a:t>Marketing</a:t>
             </a:r>
             <a:r>
-              <a:rPr lang="en-US" sz="2400" dirty="0" smtClean="0"/>
+              <a:rPr lang="en-US" sz="2400" dirty="0"/>
               <a:t> — It’s also used to forecast the effectiveness of marketing campaigns. By tracking the results of past campaigns and using exponential smoothing to forecast future performance, marketers can optimize their campaigns to achieve the best possible results.</a:t>
             </a:r>
           </a:p>
@@ -4561,10 +4525,9 @@
           <a:lstStyle/>
           <a:p>
             <a:r>
-              <a:rPr lang="en-US" dirty="0" smtClean="0"/>
+              <a:rPr lang="en-US" dirty="0"/>
               <a:t>First-Order Exponential Smoothing</a:t>
             </a:r>
-            <a:endParaRPr lang="en-US" dirty="0"/>
           </a:p>
         </p:txBody>
       </p:sp>
@@ -4586,11 +4549,11 @@
           <a:lstStyle/>
           <a:p>
             <a:r>
-              <a:rPr lang="en-US" dirty="0" smtClean="0"/>
+              <a:rPr lang="en-US" dirty="0"/>
               <a:t>First-Order Exponential Smoothing, often just referred to as Exponential Smoothing, is a technique </a:t>
             </a:r>
             <a:r>
-              <a:rPr lang="en-US" b="1" dirty="0" smtClean="0">
+              <a:rPr lang="en-US" b="1" dirty="0">
                 <a:solidFill>
                   <a:srgbClr val="00B050"/>
                 </a:solidFill>
@@ -4600,15 +4563,15 @@
           </a:p>
           <a:p>
             <a:r>
-              <a:rPr lang="en-US" dirty="0" smtClean="0"/>
+              <a:rPr lang="en-US" dirty="0"/>
               <a:t>It is called "first-order" because it </a:t>
             </a:r>
             <a:r>
-              <a:rPr lang="en-US" b="1" dirty="0" smtClean="0"/>
+              <a:rPr lang="en-US" b="1" dirty="0"/>
               <a:t>involves smoothing with a single smoothing parameter</a:t>
             </a:r>
             <a:r>
-              <a:rPr lang="en-US" dirty="0" smtClean="0"/>
+              <a:rPr lang="en-US" dirty="0"/>
               <a:t>, making it a relatively simple yet effective method for forecasting.</a:t>
             </a:r>
           </a:p>
@@ -4660,10 +4623,9 @@
           <a:lstStyle/>
           <a:p>
             <a:r>
-              <a:rPr lang="en-US" dirty="0" smtClean="0"/>
+              <a:rPr lang="en-US" dirty="0"/>
               <a:t>First-Order Exponential Smoothing</a:t>
             </a:r>
-            <a:endParaRPr lang="en-US" dirty="0"/>
           </a:p>
         </p:txBody>
       </p:sp>
@@ -4690,27 +4652,27 @@
           <a:lstStyle/>
           <a:p>
             <a:r>
-              <a:rPr lang="en-US" b="1" dirty="0" smtClean="0"/>
+              <a:rPr lang="en-US" b="1" dirty="0"/>
               <a:t>Key Concepts</a:t>
             </a:r>
           </a:p>
           <a:p>
             <a:r>
-              <a:rPr lang="en-US" b="1" dirty="0" smtClean="0"/>
+              <a:rPr lang="en-US" b="1" dirty="0"/>
               <a:t>Smoothing Constant (α)</a:t>
             </a:r>
             <a:r>
-              <a:rPr lang="en-US" dirty="0" smtClean="0"/>
+              <a:rPr lang="en-US" dirty="0"/>
               <a:t>: This parameter controls the weighting of the most recent observation. The value of α ranges between 0 and 1. A higher α gives more weight to recent observations, making the model more responsive to changes in the data.</a:t>
             </a:r>
           </a:p>
           <a:p>
             <a:r>
-              <a:rPr lang="en-US" b="1" dirty="0" smtClean="0"/>
+              <a:rPr lang="en-US" b="1" dirty="0"/>
               <a:t>Forecast Equation</a:t>
             </a:r>
             <a:r>
-              <a:rPr lang="en-US" dirty="0" smtClean="0"/>
+              <a:rPr lang="en-US" dirty="0"/>
               <a:t>: The forecast for the next period is a weighted average of the most recent observation and the previous forecast.</a:t>
             </a:r>
           </a:p>
@@ -4759,7 +4721,7 @@
             </a:r>
           </a:p>
           <a:p>
-            <a:endParaRPr lang="en-US" dirty="0" smtClean="0"/>
+            <a:endParaRPr lang="en-US" dirty="0"/>
           </a:p>
           <a:p>
             <a:endParaRPr lang="en-US" dirty="0"/>
@@ -4831,13 +4793,13 @@
           <a:lstStyle/>
           <a:p>
             <a:r>
-              <a:rPr lang="en-US" b="1" dirty="0" smtClean="0"/>
+              <a:rPr lang="en-US" b="1" dirty="0"/>
               <a:t>Formula</a:t>
             </a:r>
           </a:p>
           <a:p>
             <a:r>
-              <a:rPr lang="en-US" dirty="0" smtClean="0"/>
+              <a:rPr lang="en-US" dirty="0"/>
               <a:t>The forecasting formula for first-order exponential smoothing is:</a:t>
             </a:r>
           </a:p>
@@ -4973,15 +4935,7 @@
             </a:r>
             <a:r>
               <a:rPr lang="en-US" dirty="0"/>
-              <a:t>: It reacts quickly to changes in the data if </a:t>
-            </a:r>
-            <a:r>
-              <a:rPr lang="en-US" dirty="0" smtClean="0"/>
-              <a:t>α\alpha </a:t>
-            </a:r>
-            <a:r>
-              <a:rPr lang="en-US" dirty="0"/>
-              <a:t>is set high.</a:t>
+              <a:t>: It reacts quickly to changes in the data if α\alpha is set high.</a:t>
             </a:r>
           </a:p>
           <a:p>
@@ -5063,26 +5017,26 @@
               <a:buNone/>
             </a:pPr>
             <a:r>
-              <a:rPr lang="en-US" b="1" dirty="0" smtClean="0"/>
+              <a:rPr lang="en-US" b="1" dirty="0"/>
               <a:t>Implementation in R</a:t>
             </a:r>
           </a:p>
           <a:p>
             <a:r>
-              <a:rPr lang="en-US" dirty="0" smtClean="0"/>
+              <a:rPr lang="en-US" dirty="0"/>
               <a:t>Here’s how you can implement First-Order Exponential Smoothing in R using a </a:t>
             </a:r>
             <a:r>
-              <a:rPr lang="en-US" b="1" dirty="0" err="1" smtClean="0"/>
+              <a:rPr lang="en-US" b="1" dirty="0" err="1"/>
               <a:t>ses</a:t>
             </a:r>
             <a:r>
-              <a:rPr lang="en-US" dirty="0" smtClean="0"/>
+              <a:rPr lang="en-US" dirty="0"/>
               <a:t> function and the forecast package:</a:t>
             </a:r>
           </a:p>
           <a:p>
-            <a:endParaRPr lang="en-US" dirty="0" smtClean="0"/>
+            <a:endParaRPr lang="en-US" dirty="0"/>
           </a:p>
         </p:txBody>
       </p:sp>
@@ -5108,143 +5062,142 @@
           <a:lstStyle/>
           <a:p>
             <a:r>
-              <a:rPr lang="en-US" dirty="0" smtClean="0"/>
+              <a:rPr lang="en-US" dirty="0"/>
               <a:t># Load the forecast package</a:t>
             </a:r>
           </a:p>
           <a:p>
             <a:r>
-              <a:rPr lang="en-US" dirty="0" smtClean="0"/>
+              <a:rPr lang="en-US" dirty="0"/>
               <a:t>library(forecast)</a:t>
             </a:r>
           </a:p>
           <a:p>
-            <a:endParaRPr lang="en-US" dirty="0" smtClean="0"/>
-          </a:p>
-          <a:p>
-            <a:r>
-              <a:rPr lang="en-US" dirty="0" smtClean="0"/>
+            <a:endParaRPr lang="en-US" dirty="0"/>
+          </a:p>
+          <a:p>
+            <a:r>
+              <a:rPr lang="en-US" dirty="0"/>
               <a:t># Load the </a:t>
             </a:r>
             <a:r>
-              <a:rPr lang="en-US" dirty="0" err="1" smtClean="0"/>
+              <a:rPr lang="en-US" dirty="0" err="1"/>
               <a:t>AirPassengers</a:t>
             </a:r>
             <a:r>
-              <a:rPr lang="en-US" dirty="0" smtClean="0"/>
+              <a:rPr lang="en-US" dirty="0"/>
               <a:t> dataset</a:t>
             </a:r>
           </a:p>
           <a:p>
             <a:r>
-              <a:rPr lang="en-US" dirty="0" smtClean="0"/>
+              <a:rPr lang="en-US" dirty="0"/>
               <a:t>data("</a:t>
             </a:r>
             <a:r>
-              <a:rPr lang="en-US" dirty="0" err="1" smtClean="0"/>
+              <a:rPr lang="en-US" dirty="0" err="1"/>
               <a:t>AirPassengers</a:t>
             </a:r>
             <a:r>
-              <a:rPr lang="en-US" dirty="0" smtClean="0"/>
+              <a:rPr lang="en-US" dirty="0"/>
               <a:t>")</a:t>
             </a:r>
           </a:p>
           <a:p>
             <a:r>
-              <a:rPr lang="en-US" dirty="0" err="1" smtClean="0"/>
+              <a:rPr lang="en-US" dirty="0" err="1"/>
               <a:t>ap_data</a:t>
             </a:r>
             <a:r>
-              <a:rPr lang="en-US" dirty="0" smtClean="0"/>
+              <a:rPr lang="en-US" dirty="0"/>
               <a:t> &lt;- </a:t>
             </a:r>
             <a:r>
-              <a:rPr lang="en-US" dirty="0" err="1" smtClean="0"/>
+              <a:rPr lang="en-US" dirty="0" err="1"/>
               <a:t>AirPassengers</a:t>
             </a:r>
-            <a:endParaRPr lang="en-US" dirty="0" smtClean="0"/>
-          </a:p>
-          <a:p>
-            <a:endParaRPr lang="en-US" dirty="0" smtClean="0"/>
-          </a:p>
-          <a:p>
-            <a:r>
-              <a:rPr lang="en-US" dirty="0" smtClean="0"/>
+            <a:endParaRPr lang="en-US" dirty="0"/>
+          </a:p>
+          <a:p>
+            <a:endParaRPr lang="en-US" dirty="0"/>
+          </a:p>
+          <a:p>
+            <a:r>
+              <a:rPr lang="en-US" dirty="0"/>
               <a:t># Apply Simple Exponential Smoothing</a:t>
             </a:r>
           </a:p>
           <a:p>
             <a:r>
-              <a:rPr lang="en-US" dirty="0" err="1" smtClean="0"/>
+              <a:rPr lang="en-US" dirty="0" err="1"/>
               <a:t>ses_model</a:t>
             </a:r>
             <a:r>
-              <a:rPr lang="en-US" dirty="0" smtClean="0"/>
+              <a:rPr lang="en-US" dirty="0"/>
               <a:t> &lt;- </a:t>
             </a:r>
             <a:r>
-              <a:rPr lang="en-US" dirty="0" err="1" smtClean="0"/>
+              <a:rPr lang="en-US" dirty="0" err="1"/>
               <a:t>ses</a:t>
             </a:r>
             <a:r>
-              <a:rPr lang="en-US" dirty="0" smtClean="0"/>
+              <a:rPr lang="en-US" dirty="0"/>
               <a:t>(</a:t>
             </a:r>
             <a:r>
-              <a:rPr lang="en-US" dirty="0" err="1" smtClean="0"/>
+              <a:rPr lang="en-US" dirty="0" err="1"/>
               <a:t>ap_data</a:t>
             </a:r>
             <a:r>
-              <a:rPr lang="en-US" dirty="0" smtClean="0"/>
+              <a:rPr lang="en-US" dirty="0"/>
               <a:t>, alpha = 0.2, h = 12)  # Example smoothing constant and forecast horizon</a:t>
             </a:r>
           </a:p>
           <a:p>
-            <a:endParaRPr lang="en-US" dirty="0" smtClean="0"/>
-          </a:p>
-          <a:p>
-            <a:r>
-              <a:rPr lang="en-US" dirty="0" smtClean="0"/>
+            <a:endParaRPr lang="en-US" dirty="0"/>
+          </a:p>
+          <a:p>
+            <a:r>
+              <a:rPr lang="en-US" dirty="0"/>
               <a:t># Print the model summary</a:t>
             </a:r>
           </a:p>
           <a:p>
             <a:r>
-              <a:rPr lang="en-US" dirty="0" smtClean="0"/>
+              <a:rPr lang="en-US" dirty="0"/>
               <a:t>print(</a:t>
             </a:r>
             <a:r>
-              <a:rPr lang="en-US" dirty="0" err="1" smtClean="0"/>
+              <a:rPr lang="en-US" dirty="0" err="1"/>
               <a:t>ses_model</a:t>
             </a:r>
             <a:r>
-              <a:rPr lang="en-US" dirty="0" smtClean="0"/>
+              <a:rPr lang="en-US" dirty="0"/>
               <a:t>)</a:t>
             </a:r>
           </a:p>
           <a:p>
-            <a:endParaRPr lang="en-US" dirty="0" smtClean="0"/>
-          </a:p>
-          <a:p>
-            <a:r>
-              <a:rPr lang="en-US" dirty="0" smtClean="0"/>
+            <a:endParaRPr lang="en-US" dirty="0"/>
+          </a:p>
+          <a:p>
+            <a:r>
+              <a:rPr lang="en-US" dirty="0"/>
               <a:t># Plot the forecast</a:t>
             </a:r>
           </a:p>
           <a:p>
             <a:r>
-              <a:rPr lang="en-US" dirty="0" smtClean="0"/>
+              <a:rPr lang="en-US" dirty="0"/>
               <a:t>plot(</a:t>
             </a:r>
             <a:r>
-              <a:rPr lang="en-US" dirty="0" err="1" smtClean="0"/>
+              <a:rPr lang="en-US" dirty="0" err="1"/>
               <a:t>ses_model</a:t>
             </a:r>
             <a:r>
-              <a:rPr lang="en-US" dirty="0" smtClean="0"/>
+              <a:rPr lang="en-US" dirty="0"/>
               <a:t>)</a:t>
             </a:r>
-            <a:endParaRPr lang="en-US" dirty="0"/>
           </a:p>
         </p:txBody>
       </p:sp>
@@ -5324,7 +5277,7 @@
               <a:tabLst/>
             </a:pPr>
             <a:r>
-              <a:rPr kumimoji="0" lang="en-US" altLang="en-US" sz="2400" b="1" i="0" u="none" strike="noStrike" cap="none" normalizeH="0" baseline="0" dirty="0" smtClean="0">
+              <a:rPr kumimoji="0" lang="en-US" altLang="en-US" sz="2400" b="1" i="0" u="none" strike="noStrike" cap="none" normalizeH="0" baseline="0" dirty="0">
                 <a:ln>
                   <a:noFill/>
                 </a:ln>
@@ -5353,7 +5306,7 @@
               <a:tabLst/>
             </a:pPr>
             <a:r>
-              <a:rPr kumimoji="0" lang="en-US" altLang="en-US" sz="2400" b="1" i="0" u="none" strike="noStrike" cap="none" normalizeH="0" baseline="0" dirty="0" smtClean="0">
+              <a:rPr kumimoji="0" lang="en-US" altLang="en-US" sz="2400" b="1" i="0" u="none" strike="noStrike" cap="none" normalizeH="0" baseline="0" dirty="0">
                 <a:ln>
                   <a:noFill/>
                 </a:ln>
@@ -5366,7 +5319,7 @@
               <a:t>forecast</a:t>
             </a:r>
             <a:r>
-              <a:rPr kumimoji="0" lang="en-US" altLang="en-US" sz="2400" b="1" i="0" u="none" strike="noStrike" cap="none" normalizeH="0" baseline="0" dirty="0" smtClean="0">
+              <a:rPr kumimoji="0" lang="en-US" altLang="en-US" sz="2400" b="1" i="0" u="none" strike="noStrike" cap="none" normalizeH="0" baseline="0" dirty="0">
                 <a:ln>
                   <a:noFill/>
                 </a:ln>
@@ -5378,7 +5331,7 @@
               <a:t> Package</a:t>
             </a:r>
             <a:r>
-              <a:rPr kumimoji="0" lang="en-US" altLang="en-US" sz="2400" b="0" i="0" u="none" strike="noStrike" cap="none" normalizeH="0" baseline="0" dirty="0" smtClean="0">
+              <a:rPr kumimoji="0" lang="en-US" altLang="en-US" sz="2400" b="0" i="0" u="none" strike="noStrike" cap="none" normalizeH="0" baseline="0" dirty="0">
                 <a:ln>
                   <a:noFill/>
                 </a:ln>
@@ -5391,7 +5344,7 @@
               <a:t>: The </a:t>
             </a:r>
             <a:r>
-              <a:rPr kumimoji="0" lang="en-US" altLang="en-US" sz="2400" b="0" i="0" u="none" strike="noStrike" cap="none" normalizeH="0" baseline="0" dirty="0" err="1" smtClean="0">
+              <a:rPr kumimoji="0" lang="en-US" altLang="en-US" sz="2400" b="0" i="0" u="none" strike="noStrike" cap="none" normalizeH="0" baseline="0" dirty="0" err="1">
                 <a:ln>
                   <a:noFill/>
                 </a:ln>
@@ -5404,7 +5357,7 @@
               <a:t>ses</a:t>
             </a:r>
             <a:r>
-              <a:rPr kumimoji="0" lang="en-US" altLang="en-US" sz="2400" b="0" i="0" u="none" strike="noStrike" cap="none" normalizeH="0" baseline="0" dirty="0" smtClean="0">
+              <a:rPr kumimoji="0" lang="en-US" altLang="en-US" sz="2400" b="0" i="0" u="none" strike="noStrike" cap="none" normalizeH="0" baseline="0" dirty="0">
                 <a:ln>
                   <a:noFill/>
                 </a:ln>
@@ -5416,7 +5369,7 @@
               <a:t> function from the </a:t>
             </a:r>
             <a:r>
-              <a:rPr kumimoji="0" lang="en-US" altLang="en-US" sz="2400" b="0" i="0" u="none" strike="noStrike" cap="none" normalizeH="0" baseline="0" dirty="0" smtClean="0">
+              <a:rPr kumimoji="0" lang="en-US" altLang="en-US" sz="2400" b="0" i="0" u="none" strike="noStrike" cap="none" normalizeH="0" baseline="0" dirty="0">
                 <a:ln>
                   <a:noFill/>
                 </a:ln>
@@ -5429,7 +5382,7 @@
               <a:t>forecast</a:t>
             </a:r>
             <a:r>
-              <a:rPr kumimoji="0" lang="en-US" altLang="en-US" sz="2400" b="0" i="0" u="none" strike="noStrike" cap="none" normalizeH="0" baseline="0" dirty="0" smtClean="0">
+              <a:rPr kumimoji="0" lang="en-US" altLang="en-US" sz="2400" b="0" i="0" u="none" strike="noStrike" cap="none" normalizeH="0" baseline="0" dirty="0">
                 <a:ln>
                   <a:noFill/>
                 </a:ln>
@@ -5440,7 +5393,7 @@
               </a:rPr>
               <a:t> package simplifies the process, automatically handling the smoothing and forecasting.</a:t>
             </a:r>
-            <a:endParaRPr kumimoji="0" lang="en-US" altLang="en-US" sz="2400" b="0" i="0" u="none" strike="noStrike" cap="none" normalizeH="0" baseline="0" dirty="0" smtClean="0">
+            <a:endParaRPr kumimoji="0" lang="en-US" altLang="en-US" sz="2400" b="0" i="0" u="none" strike="noStrike" cap="none" normalizeH="0" baseline="0" dirty="0">
               <a:ln>
                 <a:noFill/>
               </a:ln>
@@ -5468,7 +5421,7 @@
               <a:buNone/>
               <a:tabLst/>
             </a:pPr>
-            <a:endParaRPr kumimoji="0" lang="en-US" altLang="en-US" sz="2400" b="0" i="0" u="none" strike="noStrike" cap="none" normalizeH="0" baseline="0" dirty="0" smtClean="0">
+            <a:endParaRPr kumimoji="0" lang="en-US" altLang="en-US" sz="2400" b="0" i="0" u="none" strike="noStrike" cap="none" normalizeH="0" baseline="0" dirty="0">
               <a:ln>
                 <a:noFill/>
               </a:ln>
@@ -5564,7 +5517,6 @@
               <a:rPr lang="en-US" dirty="0"/>
               <a:t>Modeling time series data involves techniques and methods to understand and forecast data points collected or recorded at specific time intervals. </a:t>
             </a:r>
-            <a:endParaRPr lang="en-US" dirty="0" smtClean="0"/>
           </a:p>
           <a:p>
             <a:pPr>
@@ -5682,12 +5634,8 @@
               </a:lnSpc>
             </a:pPr>
             <a:r>
-              <a:rPr lang="en-US" b="1" dirty="0" smtClean="0"/>
-              <a:t>Components </a:t>
-            </a:r>
-            <a:r>
-              <a:rPr lang="en-US" b="1" dirty="0"/>
-              <a:t>of Time Series Data</a:t>
+              <a:rPr lang="en-US" b="1" dirty="0"/>
+              <a:t>Components of Time Series Data</a:t>
             </a:r>
             <a:r>
               <a:rPr lang="en-US" dirty="0"/>
@@ -5810,10 +5758,9 @@
           <a:lstStyle/>
           <a:p>
             <a:r>
-              <a:rPr lang="en-US" dirty="0" smtClean="0"/>
+              <a:rPr lang="en-US" dirty="0"/>
               <a:t>Introduction</a:t>
             </a:r>
-            <a:endParaRPr lang="en-US" dirty="0"/>
           </a:p>
         </p:txBody>
       </p:sp>
@@ -5840,21 +5787,13 @@
           <a:lstStyle/>
           <a:p>
             <a:r>
-              <a:rPr lang="en-US" b="1" dirty="0" smtClean="0"/>
-              <a:t>What </a:t>
-            </a:r>
-            <a:r>
-              <a:rPr lang="en-US" b="1" dirty="0"/>
-              <a:t>is Exponential </a:t>
-            </a:r>
-            <a:r>
-              <a:rPr lang="en-US" b="1" dirty="0" smtClean="0"/>
-              <a:t>smoothing?</a:t>
-            </a:r>
-          </a:p>
-          <a:p>
-            <a:r>
-              <a:rPr lang="en-US" dirty="0" smtClean="0">
+              <a:rPr lang="en-US" b="1" dirty="0"/>
+              <a:t>What is Exponential smoothing?</a:t>
+            </a:r>
+          </a:p>
+          <a:p>
+            <a:r>
+              <a:rPr lang="en-US" dirty="0">
                 <a:solidFill>
                   <a:schemeClr val="accent5"/>
                 </a:solidFill>
@@ -5864,7 +5803,7 @@
           </a:p>
           <a:p>
             <a:r>
-              <a:rPr lang="en-US" dirty="0" smtClean="0">
+              <a:rPr lang="en-US" dirty="0">
                 <a:solidFill>
                   <a:srgbClr val="00B050"/>
                 </a:solidFill>
@@ -5874,11 +5813,11 @@
           </a:p>
           <a:p>
             <a:r>
-              <a:rPr lang="en-US" dirty="0" smtClean="0"/>
+              <a:rPr lang="en-US" dirty="0"/>
               <a:t>The key idea behind exponential smoothing is </a:t>
             </a:r>
             <a:r>
-              <a:rPr lang="en-US" dirty="0" smtClean="0">
+              <a:rPr lang="en-US" dirty="0">
                 <a:solidFill>
                   <a:srgbClr val="00B050"/>
                 </a:solidFill>
@@ -5888,10 +5827,9 @@
           </a:p>
           <a:p>
             <a:r>
-              <a:rPr lang="en-US" dirty="0" smtClean="0"/>
+              <a:rPr lang="en-US" dirty="0"/>
               <a:t>This makes these methods responsive to changes in the data over time future values based on past data. </a:t>
             </a:r>
-            <a:endParaRPr lang="en-US" dirty="0"/>
           </a:p>
         </p:txBody>
       </p:sp>
@@ -5942,11 +5880,7 @@
           <a:p>
             <a:r>
               <a:rPr lang="en-US" b="1" dirty="0"/>
-              <a:t>2. Preprocessing Time Series </a:t>
-            </a:r>
-            <a:r>
-              <a:rPr lang="en-US" b="1" dirty="0" smtClean="0"/>
-              <a:t>Data</a:t>
+              <a:t>2. Preprocessing Time Series Data</a:t>
             </a:r>
             <a:endParaRPr lang="en-US" dirty="0"/>
           </a:p>
@@ -5975,12 +5909,8 @@
               </a:lnSpc>
             </a:pPr>
             <a:r>
-              <a:rPr lang="en-US" b="1" dirty="0" smtClean="0"/>
-              <a:t>Preprocessing </a:t>
-            </a:r>
-            <a:r>
-              <a:rPr lang="en-US" b="1" dirty="0"/>
-              <a:t>Time Series Data</a:t>
+              <a:rPr lang="en-US" b="1" dirty="0"/>
+              <a:t>Preprocessing Time Series Data</a:t>
             </a:r>
           </a:p>
           <a:p>
@@ -6112,11 +6042,7 @@
           <a:p>
             <a:r>
               <a:rPr lang="en-US" b="1" dirty="0"/>
-              <a:t>3. Modeling </a:t>
-            </a:r>
-            <a:r>
-              <a:rPr lang="en-US" b="1" dirty="0" smtClean="0"/>
-              <a:t>Techniques</a:t>
+              <a:t>3. Modeling Techniques</a:t>
             </a:r>
             <a:endParaRPr lang="en-US" dirty="0"/>
           </a:p>
@@ -6930,11 +6856,7 @@
           <a:p>
             <a:r>
               <a:rPr lang="en-US" b="1" dirty="0"/>
-              <a:t>4. Model </a:t>
-            </a:r>
-            <a:r>
-              <a:rPr lang="en-US" b="1" dirty="0" smtClean="0"/>
-              <a:t>Evaluation</a:t>
+              <a:t>4. Model Evaluation</a:t>
             </a:r>
             <a:endParaRPr lang="en-US" dirty="0"/>
           </a:p>
@@ -7117,12 +7039,8 @@
               <a:buNone/>
             </a:pPr>
             <a:r>
-              <a:rPr lang="en-US" b="1" dirty="0" smtClean="0"/>
-              <a:t># </a:t>
-            </a:r>
-            <a:r>
-              <a:rPr lang="en-US" b="1" dirty="0"/>
-              <a:t>Fit ARIMA model</a:t>
+              <a:rPr lang="en-US" b="1" dirty="0"/>
+              <a:t># Fit ARIMA model</a:t>
             </a:r>
           </a:p>
           <a:p>
@@ -7177,12 +7095,8 @@
               <a:buNone/>
             </a:pPr>
             <a:r>
-              <a:rPr lang="en-US" b="1" dirty="0" smtClean="0"/>
-              <a:t># </a:t>
-            </a:r>
-            <a:r>
-              <a:rPr lang="en-US" b="1" dirty="0"/>
-              <a:t>Fit Exponential Smoothing model</a:t>
+              <a:rPr lang="en-US" b="1" dirty="0"/>
+              <a:t># Fit Exponential Smoothing model</a:t>
             </a:r>
           </a:p>
           <a:p>
@@ -7261,12 +7175,8 @@
               <a:buNone/>
             </a:pPr>
             <a:r>
-              <a:rPr lang="en-US" b="1" dirty="0" smtClean="0"/>
-              <a:t># </a:t>
-            </a:r>
-            <a:r>
-              <a:rPr lang="en-US" b="1" dirty="0"/>
-              <a:t>Fit Prophet model</a:t>
+              <a:rPr lang="en-US" b="1" dirty="0"/>
+              <a:t># Fit Prophet model</a:t>
             </a:r>
           </a:p>
           <a:p>
@@ -7442,12 +7352,8 @@
           </a:p>
           <a:p>
             <a:r>
-              <a:rPr lang="en-US" sz="2000" b="1" dirty="0" smtClean="0"/>
-              <a:t># </a:t>
-            </a:r>
-            <a:r>
               <a:rPr lang="en-US" sz="2000" b="1" dirty="0"/>
-              <a:t>Load and prepare data</a:t>
+              <a:t># Load and prepare data</a:t>
             </a:r>
           </a:p>
           <a:p>
@@ -7492,12 +7398,8 @@
           </a:p>
           <a:p>
             <a:r>
-              <a:rPr lang="en-US" sz="2000" b="1" dirty="0" smtClean="0"/>
-              <a:t># </a:t>
-            </a:r>
-            <a:r>
               <a:rPr lang="en-US" sz="2000" b="1" dirty="0"/>
-              <a:t>Plot the data</a:t>
+              <a:t># Plot the data</a:t>
             </a:r>
           </a:p>
           <a:p>
@@ -7528,12 +7430,8 @@
           </a:p>
           <a:p>
             <a:r>
-              <a:rPr lang="en-US" sz="2000" b="1" dirty="0" smtClean="0"/>
-              <a:t># </a:t>
-            </a:r>
-            <a:r>
               <a:rPr lang="en-US" sz="2000" b="1" dirty="0"/>
-              <a:t>Decompose the series</a:t>
+              <a:t># Decompose the series</a:t>
             </a:r>
           </a:p>
           <a:p>
@@ -7590,12 +7488,8 @@
           </a:p>
           <a:p>
             <a:r>
-              <a:rPr lang="en-US" sz="2000" dirty="0" smtClean="0"/>
-              <a:t># </a:t>
-            </a:r>
-            <a:r>
               <a:rPr lang="en-US" sz="2000" dirty="0"/>
-              <a:t>Check </a:t>
+              <a:t># Check </a:t>
             </a:r>
             <a:r>
               <a:rPr lang="en-US" sz="2000" dirty="0" err="1"/>
@@ -7617,10 +7511,9 @@
               <a:t>ts_data</a:t>
             </a:r>
             <a:r>
-              <a:rPr lang="en-US" sz="2000" dirty="0" smtClean="0"/>
+              <a:rPr lang="en-US" sz="2000" dirty="0"/>
               <a:t>)</a:t>
             </a:r>
-            <a:endParaRPr lang="en-US" sz="2000" dirty="0"/>
           </a:p>
         </p:txBody>
       </p:sp>
@@ -7703,15 +7596,7 @@
                   <a:srgbClr val="00B050"/>
                 </a:solidFill>
               </a:rPr>
-              <a:t>Holt’s linear trend model, extends simple exponential smoothing to account for data with a </a:t>
-            </a:r>
-            <a:r>
-              <a:rPr lang="en-US" dirty="0" smtClean="0">
-                <a:solidFill>
-                  <a:srgbClr val="00B050"/>
-                </a:solidFill>
-              </a:rPr>
-              <a:t>trend component.</a:t>
+              <a:t>Holt’s linear trend model, extends simple exponential smoothing to account for data with a trend component.</a:t>
             </a:r>
           </a:p>
           <a:p>
@@ -7742,10 +7627,9 @@
           </a:p>
           <a:p>
             <a:r>
-              <a:rPr lang="en-US" b="1" dirty="0" smtClean="0"/>
+              <a:rPr lang="en-US" b="1" dirty="0"/>
               <a:t>Formula</a:t>
             </a:r>
-            <a:endParaRPr lang="en-US" b="1" dirty="0"/>
           </a:p>
           <a:p>
             <a:r>
@@ -7921,11 +7805,7 @@
           <a:p>
             <a:r>
               <a:rPr lang="en-US" b="1" dirty="0"/>
-              <a:t>Types of exponential </a:t>
-            </a:r>
-            <a:r>
-              <a:rPr lang="en-US" b="1" dirty="0" smtClean="0"/>
-              <a:t>smoothing</a:t>
+              <a:t>Types of exponential smoothing</a:t>
             </a:r>
             <a:endParaRPr lang="en-US" dirty="0"/>
           </a:p>
@@ -8175,21 +8055,8 @@
           <a:p>
             <a:r>
               <a:rPr lang="en-US" dirty="0"/>
-              <a:t>To forecast future values, the model uses the updated level and trend estimates. For a forecast </a:t>
-            </a:r>
-            <a:r>
-              <a:rPr lang="en-US" dirty="0" smtClean="0"/>
-              <a:t>k </a:t>
-            </a:r>
-            <a:r>
-              <a:rPr lang="en-US" dirty="0"/>
-              <a:t>periods ahead, the formula is</a:t>
-            </a:r>
-            <a:r>
-              <a:rPr lang="en-US" dirty="0" smtClean="0"/>
-              <a:t>:</a:t>
-            </a:r>
-            <a:endParaRPr lang="en-US" dirty="0"/>
+              <a:t>To forecast future values, the model uses the updated level and trend estimates. For a forecast k periods ahead, the formula is:</a:t>
+            </a:r>
           </a:p>
         </p:txBody>
       </p:sp>
@@ -8317,13 +8184,8 @@
           <a:p>
             <a:r>
               <a:rPr lang="en-US" dirty="0"/>
-              <a:t>Second-order exponential smoothing is particularly useful when your data shows a trend that changes over time. For example, it can handle situations where the rate of increase or decrease is not constant</a:t>
-            </a:r>
-            <a:r>
-              <a:rPr lang="en-US" dirty="0" smtClean="0"/>
-              <a:t>.</a:t>
-            </a:r>
-            <a:endParaRPr lang="en-US" dirty="0"/>
+              <a:t>Second-order exponential smoothing is particularly useful when your data shows a trend that changes over time. For example, it can handle situations where the rate of increase or decrease is not constant.</a:t>
+            </a:r>
           </a:p>
         </p:txBody>
       </p:sp>
@@ -8607,10 +8469,9 @@
               <a:t>fit_holt</a:t>
             </a:r>
             <a:r>
-              <a:rPr lang="en-US" dirty="0" smtClean="0"/>
+              <a:rPr lang="en-US" dirty="0"/>
               <a:t>)</a:t>
             </a:r>
-            <a:endParaRPr lang="en-US" dirty="0"/>
           </a:p>
         </p:txBody>
       </p:sp>
@@ -8790,7 +8651,6 @@
               <a:rPr lang="en-US" dirty="0"/>
               <a:t>Higher-order exponential smoothing extends the concepts of simple and second-order exponential smoothing to accommodate more complex time series patterns, such as those with changing trends or cycles. </a:t>
             </a:r>
-            <a:endParaRPr lang="en-US" dirty="0" smtClean="0"/>
           </a:p>
           <a:p>
             <a:pPr>
@@ -8799,12 +8659,8 @@
               </a:lnSpc>
             </a:pPr>
             <a:r>
-              <a:rPr lang="en-US" dirty="0" smtClean="0"/>
-              <a:t>These </a:t>
-            </a:r>
-            <a:r>
-              <a:rPr lang="en-US" dirty="0"/>
-              <a:t>methods are designed to better capture intricate behaviors in the data, including nonlinear trends or seasonality.</a:t>
+              <a:rPr lang="en-US" dirty="0"/>
+              <a:t>These methods are designed to better capture intricate behaviors in the data, including nonlinear trends or seasonality.</a:t>
             </a:r>
           </a:p>
         </p:txBody>
@@ -9154,11 +9010,7 @@
           <a:p>
             <a:r>
               <a:rPr lang="en-US" b="1" dirty="0"/>
-              <a:t>Higher-Order </a:t>
-            </a:r>
-            <a:r>
-              <a:rPr lang="en-US" b="1" dirty="0" smtClean="0"/>
-              <a:t>Extensions</a:t>
+              <a:t>Higher-Order Extensions</a:t>
             </a:r>
             <a:endParaRPr lang="en-US" dirty="0"/>
           </a:p>
@@ -9180,12 +9032,8 @@
           <a:lstStyle/>
           <a:p>
             <a:r>
-              <a:rPr lang="en-US" b="1" dirty="0" smtClean="0"/>
-              <a:t>Fourth-Order </a:t>
-            </a:r>
-            <a:r>
-              <a:rPr lang="en-US" b="1" dirty="0"/>
-              <a:t>Exponential Smoothing</a:t>
+              <a:rPr lang="en-US" b="1" dirty="0"/>
+              <a:t>Fourth-Order Exponential Smoothing</a:t>
             </a:r>
             <a:r>
               <a:rPr lang="en-US" dirty="0"/>
@@ -9254,11 +9102,7 @@
           <a:p>
             <a:r>
               <a:rPr lang="en-US" b="1" dirty="0"/>
-              <a:t>Types of exponential </a:t>
-            </a:r>
-            <a:r>
-              <a:rPr lang="en-US" b="1" dirty="0" smtClean="0"/>
-              <a:t>smoothing</a:t>
+              <a:t>Types of exponential smoothing</a:t>
             </a:r>
             <a:endParaRPr lang="en-US" dirty="0"/>
           </a:p>
@@ -9293,12 +9137,8 @@
           </a:p>
           <a:p>
             <a:r>
-              <a:rPr lang="en-US" dirty="0" smtClean="0"/>
-              <a:t>The </a:t>
-            </a:r>
-            <a:r>
-              <a:rPr lang="en-US" dirty="0"/>
-              <a:t>formula for simple exponential smoothing is:</a:t>
+              <a:rPr lang="en-US" dirty="0"/>
+              <a:t>The formula for simple exponential smoothing is:</a:t>
             </a:r>
           </a:p>
           <a:p>
@@ -9409,16 +9249,15 @@
           <a:lstStyle/>
           <a:p>
             <a:r>
-              <a:rPr lang="en-US" sz="2800" dirty="0" smtClean="0"/>
+              <a:rPr lang="en-US" sz="2800" dirty="0"/>
               <a:t>The smoothing parameter α controls the weight given to the current observation and the previous forecast.</a:t>
             </a:r>
           </a:p>
           <a:p>
             <a:r>
-              <a:rPr lang="en-US" sz="2800" dirty="0" smtClean="0"/>
+              <a:rPr lang="en-US" sz="2800" dirty="0"/>
               <a:t>A high value of α gives more weight to the current observation, while a low value of α gives more weight to the previous forecast.</a:t>
             </a:r>
-            <a:endParaRPr lang="en-US" sz="2800" dirty="0"/>
           </a:p>
         </p:txBody>
       </p:sp>
@@ -9805,10 +9644,9 @@
               <a:t>fit_holt</a:t>
             </a:r>
             <a:r>
-              <a:rPr lang="en-US" dirty="0" smtClean="0"/>
+              <a:rPr lang="en-US" dirty="0"/>
               <a:t>)</a:t>
             </a:r>
-            <a:endParaRPr lang="en-US" dirty="0"/>
           </a:p>
         </p:txBody>
       </p:sp>
@@ -10220,13 +10058,8 @@
           <a:p>
             <a:r>
               <a:rPr lang="en-US" dirty="0"/>
-              <a:t>Exponential Smoothing Methods for Time Series </a:t>
-            </a:r>
-            <a:r>
-              <a:rPr lang="en-US" dirty="0" smtClean="0"/>
-              <a:t>Forecasting</a:t>
-            </a:r>
-            <a:endParaRPr lang="en-US" dirty="0"/>
+              <a:t>Exponential Smoothing Methods for Time Series Forecasting</a:t>
+            </a:r>
           </a:p>
         </p:txBody>
       </p:sp>
@@ -10718,11 +10551,7 @@
           <a:p>
             <a:r>
               <a:rPr lang="en-US" b="1" dirty="0"/>
-              <a:t>Time Series Decomposition </a:t>
-            </a:r>
-            <a:r>
-              <a:rPr lang="en-US" b="1" dirty="0" smtClean="0"/>
-              <a:t>Plot</a:t>
+              <a:t>Time Series Decomposition Plot</a:t>
             </a:r>
             <a:endParaRPr lang="en-US" dirty="0"/>
           </a:p>
@@ -10752,7 +10581,6 @@
               <a:rPr lang="en-US" dirty="0"/>
               <a:t>Analyzing whether time series components exhibit additive or multiplicative behavior rests in the ability to identify patterns like trend, season, and error. </a:t>
             </a:r>
-            <a:endParaRPr lang="en-US" dirty="0" smtClean="0"/>
           </a:p>
           <a:p>
             <a:r>
@@ -10968,11 +10796,11 @@
               </a:lnSpc>
             </a:pPr>
             <a:r>
-              <a:rPr lang="en-US" dirty="0" smtClean="0"/>
+              <a:rPr lang="en-US" dirty="0"/>
               <a:t>To apply Simple Exponential Smoothing in R, you can use the </a:t>
             </a:r>
             <a:r>
-              <a:rPr lang="en-US" dirty="0" err="1" smtClean="0">
+              <a:rPr lang="en-US" dirty="0" err="1">
                 <a:solidFill>
                   <a:srgbClr val="00B050"/>
                 </a:solidFill>
@@ -10980,7 +10808,7 @@
               <a:t>HoltWinters</a:t>
             </a:r>
             <a:r>
-              <a:rPr lang="en-US" dirty="0" smtClean="0">
+              <a:rPr lang="en-US" dirty="0">
                 <a:solidFill>
                   <a:srgbClr val="00B050"/>
                 </a:solidFill>
@@ -10988,7 +10816,7 @@
               <a:t> </a:t>
             </a:r>
             <a:r>
-              <a:rPr lang="en-US" dirty="0" smtClean="0"/>
+              <a:rPr lang="en-US" dirty="0"/>
               <a:t>function, which is part of the base stats package, or you can use the forecast package.</a:t>
             </a:r>
           </a:p>
@@ -10999,26 +10827,25 @@
               </a:lnSpc>
             </a:pPr>
             <a:r>
-              <a:rPr lang="en-US" dirty="0" smtClean="0"/>
+              <a:rPr lang="en-US" dirty="0"/>
               <a:t>Using the </a:t>
             </a:r>
             <a:r>
-              <a:rPr lang="en-US" b="1" dirty="0" err="1" smtClean="0"/>
+              <a:rPr lang="en-US" b="1" dirty="0" err="1"/>
               <a:t>HoltWinters</a:t>
             </a:r>
             <a:r>
-              <a:rPr lang="en-US" dirty="0" smtClean="0"/>
+              <a:rPr lang="en-US" dirty="0"/>
               <a:t> Function The </a:t>
             </a:r>
             <a:r>
-              <a:rPr lang="en-US" b="1" dirty="0" err="1" smtClean="0"/>
+              <a:rPr lang="en-US" b="1" dirty="0" err="1"/>
               <a:t>HoltWinters</a:t>
             </a:r>
             <a:r>
-              <a:rPr lang="en-US" dirty="0" smtClean="0"/>
+              <a:rPr lang="en-US" dirty="0"/>
               <a:t> function can be used for simple exponential smoothing by setting the beta and gamma parameters to FALSE, effectively turning off trend and seasonal components.</a:t>
             </a:r>
-            <a:endParaRPr lang="en-US" dirty="0"/>
           </a:p>
         </p:txBody>
       </p:sp>
@@ -11069,11 +10896,7 @@
           <a:p>
             <a:r>
               <a:rPr lang="en-US" b="1" dirty="0"/>
-              <a:t>Time Series Decomposition </a:t>
-            </a:r>
-            <a:r>
-              <a:rPr lang="en-US" b="1" dirty="0" smtClean="0"/>
-              <a:t>Analysis</a:t>
+              <a:t>Time Series Decomposition Analysis</a:t>
             </a:r>
             <a:endParaRPr lang="en-US" dirty="0"/>
           </a:p>
@@ -11494,10 +11317,9 @@
           <a:lstStyle/>
           <a:p>
             <a:r>
-              <a:rPr lang="en-US" dirty="0" smtClean="0"/>
+              <a:rPr lang="en-US" dirty="0"/>
               <a:t>Linear trend Process</a:t>
             </a:r>
-            <a:endParaRPr lang="en-US" dirty="0"/>
           </a:p>
         </p:txBody>
       </p:sp>
@@ -11640,11 +11462,7 @@
             </a:r>
             <a:r>
               <a:rPr lang="en-US" dirty="0"/>
-              <a:t> is a concept that involves adjusting the discount factor dynamically based on certain criteria or performance metrics</a:t>
-            </a:r>
-            <a:r>
-              <a:rPr lang="en-US" dirty="0" smtClean="0"/>
-              <a:t>.</a:t>
+              <a:t> is a concept that involves adjusting the discount factor dynamically based on certain criteria or performance metrics.</a:t>
             </a:r>
           </a:p>
           <a:p>
@@ -11799,11 +11617,7 @@
           <a:p>
             <a:r>
               <a:rPr lang="en-US" b="1" dirty="0"/>
-              <a:t>Methods for Adaptive </a:t>
-            </a:r>
-            <a:r>
-              <a:rPr lang="en-US" b="1" dirty="0" smtClean="0"/>
-              <a:t>Updating</a:t>
+              <a:t>Methods for Adaptive Updating</a:t>
             </a:r>
             <a:endParaRPr lang="en-US" dirty="0"/>
           </a:p>
@@ -11830,12 +11644,8 @@
               <a:buNone/>
             </a:pPr>
             <a:r>
-              <a:rPr lang="en-US" b="1" dirty="0" smtClean="0"/>
-              <a:t>1. Performance-Based </a:t>
-            </a:r>
-            <a:r>
-              <a:rPr lang="en-US" b="1" dirty="0"/>
-              <a:t>Adjustment</a:t>
+              <a:rPr lang="en-US" b="1" dirty="0"/>
+              <a:t>1. Performance-Based Adjustment</a:t>
             </a:r>
             <a:endParaRPr lang="en-US" dirty="0"/>
           </a:p>
@@ -11940,11 +11750,7 @@
           <a:p>
             <a:r>
               <a:rPr lang="en-US" b="1" dirty="0"/>
-              <a:t>Methods for Adaptive </a:t>
-            </a:r>
-            <a:r>
-              <a:rPr lang="en-US" b="1" dirty="0" smtClean="0"/>
-              <a:t>Updating</a:t>
+              <a:t>Methods for Adaptive Updating</a:t>
             </a:r>
             <a:endParaRPr lang="en-US" dirty="0"/>
           </a:p>
@@ -11971,12 +11777,8 @@
               <a:buNone/>
             </a:pPr>
             <a:r>
-              <a:rPr lang="en-US" b="1" dirty="0" smtClean="0"/>
-              <a:t>2. Data-Driven </a:t>
-            </a:r>
-            <a:r>
-              <a:rPr lang="en-US" b="1" dirty="0"/>
-              <a:t>Adjustment</a:t>
+              <a:rPr lang="en-US" b="1" dirty="0"/>
+              <a:t>2. Data-Driven Adjustment</a:t>
             </a:r>
             <a:endParaRPr lang="en-US" dirty="0"/>
           </a:p>
@@ -12099,12 +11901,8 @@
               <a:buNone/>
             </a:pPr>
             <a:r>
-              <a:rPr lang="en-US" b="1" dirty="0" smtClean="0"/>
-              <a:t>3. Model-Based </a:t>
-            </a:r>
-            <a:r>
-              <a:rPr lang="en-US" b="1" dirty="0"/>
-              <a:t>Adjustment</a:t>
+              <a:rPr lang="en-US" b="1" dirty="0"/>
+              <a:t>3. Model-Based Adjustment</a:t>
             </a:r>
             <a:endParaRPr lang="en-US" dirty="0"/>
           </a:p>
@@ -12267,7 +12065,7 @@
               <a:tabLst/>
             </a:pPr>
             <a:r>
-              <a:rPr kumimoji="0" lang="en-US" altLang="en-US" sz="2400" b="0" i="0" u="none" strike="noStrike" cap="none" normalizeH="0" baseline="0" dirty="0" smtClean="0">
+              <a:rPr kumimoji="0" lang="en-US" altLang="en-US" sz="2400" b="0" i="0" u="none" strike="noStrike" cap="none" normalizeH="0" baseline="0" dirty="0">
                 <a:ln>
                   <a:noFill/>
                 </a:ln>
@@ -12281,7 +12079,7 @@
               <a:t>Here’s how you can apply Simple Exponential Smoothing using </a:t>
             </a:r>
             <a:r>
-              <a:rPr kumimoji="0" lang="en-US" altLang="en-US" sz="2400" b="0" i="0" u="none" strike="noStrike" cap="none" normalizeH="0" baseline="0" dirty="0" err="1" smtClean="0">
+              <a:rPr kumimoji="0" lang="en-US" altLang="en-US" sz="2400" b="0" i="0" u="none" strike="noStrike" cap="none" normalizeH="0" baseline="0" dirty="0" err="1">
                 <a:ln>
                   <a:noFill/>
                 </a:ln>
@@ -12295,7 +12093,7 @@
               <a:t>HoltWinters</a:t>
             </a:r>
             <a:r>
-              <a:rPr kumimoji="0" lang="en-US" altLang="en-US" sz="2400" b="0" i="0" u="none" strike="noStrike" cap="none" normalizeH="0" baseline="0" dirty="0" smtClean="0">
+              <a:rPr kumimoji="0" lang="en-US" altLang="en-US" sz="2400" b="0" i="0" u="none" strike="noStrike" cap="none" normalizeH="0" baseline="0" dirty="0">
                 <a:ln>
                   <a:noFill/>
                 </a:ln>
@@ -12327,7 +12125,7 @@
               <a:tabLst/>
             </a:pPr>
             <a:r>
-              <a:rPr kumimoji="0" lang="en-US" altLang="en-US" sz="2400" b="1" i="0" u="none" strike="noStrike" cap="none" normalizeH="0" baseline="0" dirty="0" smtClean="0">
+              <a:rPr kumimoji="0" lang="en-US" altLang="en-US" sz="2400" b="1" i="0" u="none" strike="noStrike" cap="none" normalizeH="0" baseline="0" dirty="0">
                 <a:ln>
                   <a:noFill/>
                 </a:ln>
@@ -12340,7 +12138,7 @@
               </a:rPr>
               <a:t>Install and Load the Required Packages</a:t>
             </a:r>
-            <a:endParaRPr kumimoji="0" lang="en-US" altLang="en-US" sz="2400" b="0" i="0" u="none" strike="noStrike" cap="none" normalizeH="0" baseline="0" dirty="0" smtClean="0">
+            <a:endParaRPr kumimoji="0" lang="en-US" altLang="en-US" sz="2400" b="0" i="0" u="none" strike="noStrike" cap="none" normalizeH="0" baseline="0" dirty="0">
               <a:ln>
                 <a:noFill/>
               </a:ln>
@@ -12370,7 +12168,7 @@
               <a:tabLst/>
             </a:pPr>
             <a:r>
-              <a:rPr kumimoji="0" lang="en-US" altLang="en-US" sz="2400" b="0" i="0" u="none" strike="noStrike" cap="none" normalizeH="0" baseline="0" dirty="0" smtClean="0">
+              <a:rPr kumimoji="0" lang="en-US" altLang="en-US" sz="2400" b="0" i="0" u="none" strike="noStrike" cap="none" normalizeH="0" baseline="0" dirty="0">
                 <a:ln>
                   <a:noFill/>
                 </a:ln>
@@ -12402,7 +12200,7 @@
               <a:tabLst/>
             </a:pPr>
             <a:r>
-              <a:rPr kumimoji="0" lang="en-US" altLang="en-US" sz="2400" b="0" i="0" u="none" strike="noStrike" cap="none" normalizeH="0" baseline="0" dirty="0" err="1" smtClean="0">
+              <a:rPr kumimoji="0" lang="en-US" altLang="en-US" sz="2400" b="0" i="0" u="none" strike="noStrike" cap="none" normalizeH="0" baseline="0" dirty="0" err="1">
                 <a:ln>
                   <a:noFill/>
                 </a:ln>
@@ -12416,7 +12214,7 @@
               <a:t>install.packages</a:t>
             </a:r>
             <a:r>
-              <a:rPr kumimoji="0" lang="en-US" altLang="en-US" sz="2400" b="0" i="0" u="none" strike="noStrike" cap="none" normalizeH="0" baseline="0" dirty="0" smtClean="0">
+              <a:rPr kumimoji="0" lang="en-US" altLang="en-US" sz="2400" b="0" i="0" u="none" strike="noStrike" cap="none" normalizeH="0" baseline="0" dirty="0">
                 <a:ln>
                   <a:noFill/>
                 </a:ln>
@@ -12448,7 +12246,7 @@
               <a:tabLst/>
             </a:pPr>
             <a:r>
-              <a:rPr kumimoji="0" lang="en-US" altLang="en-US" sz="2400" b="0" i="0" u="none" strike="noStrike" cap="none" normalizeH="0" baseline="0" dirty="0" smtClean="0">
+              <a:rPr kumimoji="0" lang="en-US" altLang="en-US" sz="2400" b="0" i="0" u="none" strike="noStrike" cap="none" normalizeH="0" baseline="0" dirty="0">
                 <a:ln>
                   <a:noFill/>
                 </a:ln>
@@ -12480,7 +12278,7 @@
               <a:tabLst/>
             </a:pPr>
             <a:r>
-              <a:rPr kumimoji="0" lang="en-US" altLang="en-US" sz="2400" b="0" i="0" u="none" strike="noStrike" cap="none" normalizeH="0" baseline="0" dirty="0" smtClean="0">
+              <a:rPr kumimoji="0" lang="en-US" altLang="en-US" sz="2400" b="0" i="0" u="none" strike="noStrike" cap="none" normalizeH="0" baseline="0" dirty="0">
                 <a:ln>
                   <a:noFill/>
                 </a:ln>
@@ -12512,7 +12310,7 @@
               <a:tabLst/>
             </a:pPr>
             <a:r>
-              <a:rPr kumimoji="0" lang="en-US" altLang="en-US" sz="2400" b="1" i="0" u="none" strike="noStrike" cap="none" normalizeH="0" baseline="0" dirty="0" smtClean="0">
+              <a:rPr kumimoji="0" lang="en-US" altLang="en-US" sz="2400" b="1" i="0" u="none" strike="noStrike" cap="none" normalizeH="0" baseline="0" dirty="0">
                 <a:ln>
                   <a:noFill/>
                 </a:ln>
@@ -12525,7 +12323,7 @@
               </a:rPr>
               <a:t>Load Your Data</a:t>
             </a:r>
-            <a:endParaRPr kumimoji="0" lang="en-US" altLang="en-US" sz="2400" b="0" i="0" u="none" strike="noStrike" cap="none" normalizeH="0" baseline="0" dirty="0" smtClean="0">
+            <a:endParaRPr kumimoji="0" lang="en-US" altLang="en-US" sz="2400" b="0" i="0" u="none" strike="noStrike" cap="none" normalizeH="0" baseline="0" dirty="0">
               <a:ln>
                 <a:noFill/>
               </a:ln>
@@ -12555,7 +12353,7 @@
               <a:tabLst/>
             </a:pPr>
             <a:r>
-              <a:rPr kumimoji="0" lang="en-US" altLang="en-US" sz="2400" b="0" i="0" u="none" strike="noStrike" cap="none" normalizeH="0" baseline="0" dirty="0" smtClean="0">
+              <a:rPr kumimoji="0" lang="en-US" altLang="en-US" sz="2400" b="0" i="0" u="none" strike="noStrike" cap="none" normalizeH="0" baseline="0" dirty="0">
                 <a:ln>
                   <a:noFill/>
                 </a:ln>
@@ -12569,7 +12367,7 @@
               <a:t>For demonstration purposes, let’s use the built-in </a:t>
             </a:r>
             <a:r>
-              <a:rPr kumimoji="0" lang="en-US" altLang="en-US" sz="2400" b="0" i="0" u="none" strike="noStrike" cap="none" normalizeH="0" baseline="0" dirty="0" err="1" smtClean="0">
+              <a:rPr kumimoji="0" lang="en-US" altLang="en-US" sz="2400" b="0" i="0" u="none" strike="noStrike" cap="none" normalizeH="0" baseline="0" dirty="0" err="1">
                 <a:ln>
                   <a:noFill/>
                 </a:ln>
@@ -12583,7 +12381,7 @@
               <a:t>AirPassengers</a:t>
             </a:r>
             <a:r>
-              <a:rPr kumimoji="0" lang="en-US" altLang="en-US" sz="2400" b="0" i="0" u="none" strike="noStrike" cap="none" normalizeH="0" baseline="0" dirty="0" smtClean="0">
+              <a:rPr kumimoji="0" lang="en-US" altLang="en-US" sz="2400" b="0" i="0" u="none" strike="noStrike" cap="none" normalizeH="0" baseline="0" dirty="0">
                 <a:ln>
                   <a:noFill/>
                 </a:ln>
@@ -12615,7 +12413,7 @@
               <a:tabLst/>
             </a:pPr>
             <a:r>
-              <a:rPr kumimoji="0" lang="en-US" altLang="en-US" sz="2400" b="0" i="0" u="none" strike="noStrike" cap="none" normalizeH="0" baseline="0" dirty="0" smtClean="0">
+              <a:rPr kumimoji="0" lang="en-US" altLang="en-US" sz="2400" b="0" i="0" u="none" strike="noStrike" cap="none" normalizeH="0" baseline="0" dirty="0">
                 <a:ln>
                   <a:noFill/>
                 </a:ln>
@@ -12629,7 +12427,7 @@
               <a:t>data("</a:t>
             </a:r>
             <a:r>
-              <a:rPr kumimoji="0" lang="en-US" altLang="en-US" sz="2400" b="0" i="0" u="none" strike="noStrike" cap="none" normalizeH="0" baseline="0" dirty="0" err="1" smtClean="0">
+              <a:rPr kumimoji="0" lang="en-US" altLang="en-US" sz="2400" b="0" i="0" u="none" strike="noStrike" cap="none" normalizeH="0" baseline="0" dirty="0" err="1">
                 <a:ln>
                   <a:noFill/>
                 </a:ln>
@@ -12643,7 +12441,7 @@
               <a:t>AirPassengers</a:t>
             </a:r>
             <a:r>
-              <a:rPr kumimoji="0" lang="en-US" altLang="en-US" sz="2400" b="0" i="0" u="none" strike="noStrike" cap="none" normalizeH="0" baseline="0" dirty="0" smtClean="0">
+              <a:rPr kumimoji="0" lang="en-US" altLang="en-US" sz="2400" b="0" i="0" u="none" strike="noStrike" cap="none" normalizeH="0" baseline="0" dirty="0">
                 <a:ln>
                   <a:noFill/>
                 </a:ln>
@@ -12657,7 +12455,7 @@
               <a:t>") </a:t>
             </a:r>
             <a:r>
-              <a:rPr kumimoji="0" lang="en-US" altLang="en-US" sz="2400" b="0" i="0" u="none" strike="noStrike" cap="none" normalizeH="0" baseline="0" dirty="0" err="1" smtClean="0">
+              <a:rPr kumimoji="0" lang="en-US" altLang="en-US" sz="2400" b="0" i="0" u="none" strike="noStrike" cap="none" normalizeH="0" baseline="0" dirty="0" err="1">
                 <a:ln>
                   <a:noFill/>
                 </a:ln>
@@ -12671,7 +12469,7 @@
               <a:t>ap_data</a:t>
             </a:r>
             <a:r>
-              <a:rPr kumimoji="0" lang="en-US" altLang="en-US" sz="2400" b="0" i="0" u="none" strike="noStrike" cap="none" normalizeH="0" baseline="0" dirty="0" smtClean="0">
+              <a:rPr kumimoji="0" lang="en-US" altLang="en-US" sz="2400" b="0" i="0" u="none" strike="noStrike" cap="none" normalizeH="0" baseline="0" dirty="0">
                 <a:ln>
                   <a:noFill/>
                 </a:ln>
@@ -12685,7 +12483,7 @@
               <a:t> &lt;- </a:t>
             </a:r>
             <a:r>
-              <a:rPr kumimoji="0" lang="en-US" altLang="en-US" sz="2400" b="0" i="0" u="none" strike="noStrike" cap="none" normalizeH="0" baseline="0" dirty="0" err="1" smtClean="0">
+              <a:rPr kumimoji="0" lang="en-US" altLang="en-US" sz="2400" b="0" i="0" u="none" strike="noStrike" cap="none" normalizeH="0" baseline="0" dirty="0" err="1">
                 <a:ln>
                   <a:noFill/>
                 </a:ln>
@@ -12699,7 +12497,7 @@
               <a:t>AirPassengers</a:t>
             </a:r>
             <a:r>
-              <a:rPr kumimoji="0" lang="en-US" altLang="en-US" sz="2400" b="0" i="0" u="none" strike="noStrike" cap="none" normalizeH="0" baseline="0" dirty="0" smtClean="0">
+              <a:rPr kumimoji="0" lang="en-US" altLang="en-US" sz="2400" b="0" i="0" u="none" strike="noStrike" cap="none" normalizeH="0" baseline="0" dirty="0">
                 <a:ln>
                   <a:noFill/>
                 </a:ln>
@@ -12731,7 +12529,7 @@
               <a:tabLst/>
             </a:pPr>
             <a:r>
-              <a:rPr kumimoji="0" lang="en-US" altLang="en-US" sz="2400" b="0" i="0" u="none" strike="noStrike" cap="none" normalizeH="0" baseline="0" dirty="0" smtClean="0">
+              <a:rPr kumimoji="0" lang="en-US" altLang="en-US" sz="2400" b="0" i="0" u="none" strike="noStrike" cap="none" normalizeH="0" baseline="0" dirty="0">
                 <a:ln>
                   <a:noFill/>
                 </a:ln>
@@ -12986,14 +12784,7 @@
                 <a:latin typeface="Times New Roman" panose="02020603050405020304" pitchFamily="18" charset="0"/>
                 <a:cs typeface="Times New Roman" panose="02020603050405020304" pitchFamily="18" charset="0"/>
               </a:rPr>
-              <a:t>, such as disease outbreaks, infection rates, and other health indicators</a:t>
-            </a:r>
-            <a:r>
-              <a:rPr lang="en-US" sz="2400" dirty="0" smtClean="0">
-                <a:latin typeface="Times New Roman" panose="02020603050405020304" pitchFamily="18" charset="0"/>
-                <a:cs typeface="Times New Roman" panose="02020603050405020304" pitchFamily="18" charset="0"/>
-              </a:rPr>
-              <a:t>.</a:t>
+              <a:t>, such as disease outbreaks, infection rates, and other health indicators.</a:t>
             </a:r>
           </a:p>
           <a:p>
@@ -13003,18 +12794,11 @@
               </a:lnSpc>
             </a:pPr>
             <a:r>
-              <a:rPr lang="en-US" sz="2400" dirty="0" smtClean="0">
-                <a:latin typeface="Times New Roman" panose="02020603050405020304" pitchFamily="18" charset="0"/>
-                <a:cs typeface="Times New Roman" panose="02020603050405020304" pitchFamily="18" charset="0"/>
-              </a:rPr>
-              <a:t>Exponential </a:t>
-            </a:r>
-            <a:r>
               <a:rPr lang="en-US" sz="2400" dirty="0">
                 <a:latin typeface="Times New Roman" panose="02020603050405020304" pitchFamily="18" charset="0"/>
                 <a:cs typeface="Times New Roman" panose="02020603050405020304" pitchFamily="18" charset="0"/>
               </a:rPr>
-              <a:t>smoothing helps in making short-term forecasts based on past data, smoothing out short-term fluctuations and highlighting longer-term trends.</a:t>
+              <a:t>Exponential smoothing helps in making short-term forecasts based on past data, smoothing out short-term fluctuations and highlighting longer-term trends.</a:t>
             </a:r>
           </a:p>
         </p:txBody>
@@ -13068,11 +12852,7 @@
           <a:p>
             <a:r>
               <a:rPr lang="en-US" b="1" dirty="0"/>
-              <a:t>Applications of Exponential Smoothing in </a:t>
-            </a:r>
-            <a:r>
-              <a:rPr lang="en-US" b="1" dirty="0" smtClean="0"/>
-              <a:t>Bio-surveillance</a:t>
+              <a:t>Applications of Exponential Smoothing in Bio-surveillance</a:t>
             </a:r>
             <a:endParaRPr lang="en-US" dirty="0"/>
           </a:p>
@@ -13106,18 +12886,11 @@
               </a:lnSpc>
             </a:pPr>
             <a:r>
-              <a:rPr lang="en-US" b="1" dirty="0" smtClean="0">
-                <a:latin typeface="Times New Roman" panose="02020603050405020304" pitchFamily="18" charset="0"/>
-                <a:cs typeface="Times New Roman" panose="02020603050405020304" pitchFamily="18" charset="0"/>
-              </a:rPr>
-              <a:t>Disease </a:t>
-            </a:r>
-            <a:r>
               <a:rPr lang="en-US" b="1" dirty="0">
                 <a:latin typeface="Times New Roman" panose="02020603050405020304" pitchFamily="18" charset="0"/>
                 <a:cs typeface="Times New Roman" panose="02020603050405020304" pitchFamily="18" charset="0"/>
               </a:rPr>
-              <a:t>Outbreak Forecasting</a:t>
+              <a:t>Disease Outbreak Forecasting</a:t>
             </a:r>
             <a:endParaRPr lang="en-US" dirty="0">
               <a:latin typeface="Times New Roman" panose="02020603050405020304" pitchFamily="18" charset="0"/>
@@ -13467,14 +13240,7 @@
                 <a:latin typeface="Times New Roman" panose="02020603050405020304" pitchFamily="18" charset="0"/>
                 <a:cs typeface="Times New Roman" panose="02020603050405020304" pitchFamily="18" charset="0"/>
               </a:rPr>
-              <a:t>St−1</a:t>
-            </a:r>
-            <a:r>
-              <a:rPr lang="en-US" sz="2400" dirty="0" smtClean="0">
-                <a:latin typeface="Times New Roman" panose="02020603050405020304" pitchFamily="18" charset="0"/>
-                <a:cs typeface="Times New Roman" panose="02020603050405020304" pitchFamily="18" charset="0"/>
-              </a:rPr>
-              <a:t>​</a:t>
+              <a:t>St−1​</a:t>
             </a:r>
           </a:p>
           <a:p>
@@ -13485,18 +13251,11 @@
               <a:buNone/>
             </a:pPr>
             <a:r>
-              <a:rPr lang="en-US" sz="2400" dirty="0" smtClean="0">
-                <a:latin typeface="Times New Roman" panose="02020603050405020304" pitchFamily="18" charset="0"/>
-                <a:cs typeface="Times New Roman" panose="02020603050405020304" pitchFamily="18" charset="0"/>
-              </a:rPr>
-              <a:t>where</a:t>
-            </a:r>
-            <a:r>
               <a:rPr lang="en-US" sz="2400" dirty="0">
                 <a:latin typeface="Times New Roman" panose="02020603050405020304" pitchFamily="18" charset="0"/>
                 <a:cs typeface="Times New Roman" panose="02020603050405020304" pitchFamily="18" charset="0"/>
               </a:rPr>
-              <a:t>:</a:t>
+              <a:t>where:</a:t>
             </a:r>
           </a:p>
           <a:p>
@@ -13507,30 +13266,12 @@
               <a:buNone/>
             </a:pPr>
             <a:r>
-              <a:rPr lang="en-US" sz="2400" dirty="0" smtClean="0">
-                <a:latin typeface="Times New Roman" panose="02020603050405020304" pitchFamily="18" charset="0"/>
-                <a:cs typeface="Times New Roman" panose="02020603050405020304" pitchFamily="18" charset="0"/>
-              </a:rPr>
-              <a:t>St</a:t>
-            </a:r>
-            <a:r>
               <a:rPr lang="en-US" sz="2400" dirty="0">
                 <a:latin typeface="Times New Roman" panose="02020603050405020304" pitchFamily="18" charset="0"/>
                 <a:cs typeface="Times New Roman" panose="02020603050405020304" pitchFamily="18" charset="0"/>
               </a:rPr>
-              <a:t>​ = Smoothed value at time </a:t>
-            </a:r>
-            <a:r>
-              <a:rPr lang="en-US" sz="2400" dirty="0" smtClean="0">
-                <a:latin typeface="Times New Roman" panose="02020603050405020304" pitchFamily="18" charset="0"/>
-                <a:cs typeface="Times New Roman" panose="02020603050405020304" pitchFamily="18" charset="0"/>
-              </a:rPr>
-              <a:t>t</a:t>
-            </a:r>
-            <a:endParaRPr lang="en-US" sz="2400" dirty="0">
-              <a:latin typeface="Times New Roman" panose="02020603050405020304" pitchFamily="18" charset="0"/>
-              <a:cs typeface="Times New Roman" panose="02020603050405020304" pitchFamily="18" charset="0"/>
-            </a:endParaRPr>
+              <a:t>St​ = Smoothed value at time t</a:t>
+            </a:r>
           </a:p>
           <a:p>
             <a:pPr marL="0" indent="0">
@@ -13540,7 +13281,7 @@
               <a:buNone/>
             </a:pPr>
             <a:r>
-              <a:rPr lang="en-US" sz="2400" dirty="0" err="1" smtClean="0">
+              <a:rPr lang="en-US" sz="2400" dirty="0" err="1">
                 <a:latin typeface="Times New Roman" panose="02020603050405020304" pitchFamily="18" charset="0"/>
                 <a:cs typeface="Times New Roman" panose="02020603050405020304" pitchFamily="18" charset="0"/>
               </a:rPr>
@@ -13551,21 +13292,7 @@
                 <a:latin typeface="Times New Roman" panose="02020603050405020304" pitchFamily="18" charset="0"/>
                 <a:cs typeface="Times New Roman" panose="02020603050405020304" pitchFamily="18" charset="0"/>
               </a:rPr>
-              <a:t>​ = Actual value at time </a:t>
-            </a:r>
-            <a:r>
-              <a:rPr lang="en-US" sz="2400" dirty="0" smtClean="0">
-                <a:latin typeface="Times New Roman" panose="02020603050405020304" pitchFamily="18" charset="0"/>
-                <a:cs typeface="Times New Roman" panose="02020603050405020304" pitchFamily="18" charset="0"/>
-              </a:rPr>
-              <a:t>t </a:t>
-            </a:r>
-            <a:r>
-              <a:rPr lang="en-US" sz="2400" dirty="0">
-                <a:latin typeface="Times New Roman" panose="02020603050405020304" pitchFamily="18" charset="0"/>
-                <a:cs typeface="Times New Roman" panose="02020603050405020304" pitchFamily="18" charset="0"/>
-              </a:rPr>
-              <a:t>(e.g., number of cases)</a:t>
+              <a:t>​ = Actual value at time t (e.g., number of cases)</a:t>
             </a:r>
           </a:p>
           <a:p>
@@ -13576,18 +13303,11 @@
               <a:buNone/>
             </a:pPr>
             <a:r>
-              <a:rPr lang="en-US" sz="2400" dirty="0" smtClean="0">
-                <a:latin typeface="Times New Roman" panose="02020603050405020304" pitchFamily="18" charset="0"/>
-                <a:cs typeface="Times New Roman" panose="02020603050405020304" pitchFamily="18" charset="0"/>
-              </a:rPr>
-              <a:t>St</a:t>
-            </a:r>
-            <a:r>
               <a:rPr lang="en-US" sz="2400" dirty="0">
                 <a:latin typeface="Times New Roman" panose="02020603050405020304" pitchFamily="18" charset="0"/>
                 <a:cs typeface="Times New Roman" panose="02020603050405020304" pitchFamily="18" charset="0"/>
               </a:rPr>
-              <a:t>−1​ = Smoothed value at the previous time period</a:t>
+              <a:t>St−1​ = Smoothed value at the previous time period</a:t>
             </a:r>
           </a:p>
           <a:p>
@@ -13598,18 +13318,11 @@
               <a:buNone/>
             </a:pPr>
             <a:r>
-              <a:rPr lang="el-GR" sz="2400" dirty="0" smtClean="0">
-                <a:latin typeface="Times New Roman" panose="02020603050405020304" pitchFamily="18" charset="0"/>
-                <a:cs typeface="Times New Roman" panose="02020603050405020304" pitchFamily="18" charset="0"/>
-              </a:rPr>
-              <a:t>α </a:t>
-            </a:r>
-            <a:r>
               <a:rPr lang="el-GR" sz="2400" dirty="0">
                 <a:latin typeface="Times New Roman" panose="02020603050405020304" pitchFamily="18" charset="0"/>
                 <a:cs typeface="Times New Roman" panose="02020603050405020304" pitchFamily="18" charset="0"/>
               </a:rPr>
-              <a:t>= </a:t>
+              <a:t>α = </a:t>
             </a:r>
             <a:r>
               <a:rPr lang="en-US" sz="2400" dirty="0">
@@ -13619,27 +13332,13 @@
               <a:t>Smoothing parameter (0 &lt; </a:t>
             </a:r>
             <a:r>
-              <a:rPr lang="el-GR" sz="2400" dirty="0" smtClean="0">
-                <a:latin typeface="Times New Roman" panose="02020603050405020304" pitchFamily="18" charset="0"/>
-                <a:cs typeface="Times New Roman" panose="02020603050405020304" pitchFamily="18" charset="0"/>
-              </a:rPr>
-              <a:t>α </a:t>
-            </a:r>
-            <a:r>
               <a:rPr lang="el-GR" sz="2400" dirty="0">
                 <a:latin typeface="Times New Roman" panose="02020603050405020304" pitchFamily="18" charset="0"/>
                 <a:cs typeface="Times New Roman" panose="02020603050405020304" pitchFamily="18" charset="0"/>
               </a:rPr>
-              <a:t>&lt; 1</a:t>
-            </a:r>
-            <a:r>
-              <a:rPr lang="el-GR" sz="2400" dirty="0" smtClean="0">
-                <a:latin typeface="Times New Roman" panose="02020603050405020304" pitchFamily="18" charset="0"/>
-                <a:cs typeface="Times New Roman" panose="02020603050405020304" pitchFamily="18" charset="0"/>
-              </a:rPr>
-              <a:t>)</a:t>
-            </a:r>
-            <a:endParaRPr lang="en-US" sz="2400" dirty="0" smtClean="0">
+              <a:t>α &lt; 1)</a:t>
+            </a:r>
+            <a:endParaRPr lang="en-US" sz="2400" dirty="0">
               <a:latin typeface="Times New Roman" panose="02020603050405020304" pitchFamily="18" charset="0"/>
               <a:cs typeface="Times New Roman" panose="02020603050405020304" pitchFamily="18" charset="0"/>
             </a:endParaRPr>
@@ -13672,34 +13371,34 @@
               </a:lnSpc>
             </a:pPr>
             <a:r>
-              <a:rPr lang="en-US" sz="2400" dirty="0" err="1" smtClean="0">
+              <a:rPr lang="en-US" sz="2400" dirty="0" err="1">
                 <a:latin typeface="Times New Roman" panose="02020603050405020304" pitchFamily="18" charset="0"/>
                 <a:cs typeface="Times New Roman" panose="02020603050405020304" pitchFamily="18" charset="0"/>
               </a:rPr>
               <a:t>y</a:t>
             </a:r>
             <a:r>
-              <a:rPr lang="en-US" sz="2400" baseline="30000" dirty="0" err="1" smtClean="0">
+              <a:rPr lang="en-US" sz="2400" baseline="30000" dirty="0" err="1">
                 <a:latin typeface="Times New Roman" panose="02020603050405020304" pitchFamily="18" charset="0"/>
                 <a:cs typeface="Times New Roman" panose="02020603050405020304" pitchFamily="18" charset="0"/>
               </a:rPr>
               <a:t>^t</a:t>
             </a:r>
             <a:r>
-              <a:rPr lang="en-US" sz="2400" dirty="0" err="1" smtClean="0">
+              <a:rPr lang="en-US" sz="2400" dirty="0" err="1">
                 <a:latin typeface="Times New Roman" panose="02020603050405020304" pitchFamily="18" charset="0"/>
                 <a:cs typeface="Times New Roman" panose="02020603050405020304" pitchFamily="18" charset="0"/>
               </a:rPr>
               <a:t>+k</a:t>
             </a:r>
             <a:r>
-              <a:rPr lang="en-US" sz="2400" dirty="0" smtClean="0">
+              <a:rPr lang="en-US" sz="2400" dirty="0">
                 <a:latin typeface="Times New Roman" panose="02020603050405020304" pitchFamily="18" charset="0"/>
                 <a:cs typeface="Times New Roman" panose="02020603050405020304" pitchFamily="18" charset="0"/>
               </a:rPr>
               <a:t>=St</a:t>
             </a:r>
-            <a:endParaRPr lang="el-GR" sz="2400" dirty="0" smtClean="0">
+            <a:endParaRPr lang="el-GR" sz="2400" dirty="0">
               <a:latin typeface="Times New Roman" panose="02020603050405020304" pitchFamily="18" charset="0"/>
               <a:cs typeface="Times New Roman" panose="02020603050405020304" pitchFamily="18" charset="0"/>
             </a:endParaRPr>
@@ -13765,11 +13464,7 @@
           <a:p>
             <a:r>
               <a:rPr lang="en-US" b="1" dirty="0"/>
-              <a:t>Considerations for </a:t>
-            </a:r>
-            <a:r>
-              <a:rPr lang="en-US" b="1" dirty="0" smtClean="0"/>
-              <a:t>Bio-surveillance</a:t>
+              <a:t>Considerations for Bio-surveillance</a:t>
             </a:r>
             <a:endParaRPr lang="en-US" dirty="0"/>
           </a:p>
@@ -13793,7 +13488,7 @@
           <a:lstStyle/>
           <a:p>
             <a:r>
-              <a:rPr lang="en-US" b="1" dirty="0" smtClean="0"/>
+              <a:rPr lang="en-US" b="1" dirty="0"/>
               <a:t>Seasonality</a:t>
             </a:r>
             <a:r>
@@ -13902,19 +13597,7 @@
           <a:p>
             <a:r>
               <a:rPr lang="en-US" dirty="0"/>
-              <a:t>Example: Forecasting Weekly Flu </a:t>
-            </a:r>
-            <a:r>
-              <a:rPr lang="en-US" dirty="0" smtClean="0"/>
-              <a:t>Cases -Assume </a:t>
-            </a:r>
-            <a:r>
-              <a:rPr lang="en-US" dirty="0"/>
-              <a:t>we have a dataset of weekly flu cases and we want to forecast future cases using exponential smoothing</a:t>
-            </a:r>
-            <a:r>
-              <a:rPr lang="en-US" dirty="0" smtClean="0"/>
-              <a:t>.</a:t>
+              <a:t>Example: Forecasting Weekly Flu Cases -Assume we have a dataset of weekly flu cases and we want to forecast future cases using exponential smoothing.</a:t>
             </a:r>
           </a:p>
           <a:p>
@@ -13924,11 +13607,7 @@
             </a:pPr>
             <a:r>
               <a:rPr lang="en-US" dirty="0"/>
-              <a:t>Generating synthetic weekly flu case data</a:t>
-            </a:r>
-            <a:r>
-              <a:rPr lang="en-US" dirty="0" smtClean="0"/>
-              <a:t>.</a:t>
+              <a:t>Generating synthetic weekly flu case data.</a:t>
             </a:r>
           </a:p>
           <a:p>
@@ -13937,16 +13616,8 @@
               <a:buAutoNum type="arabicPeriod"/>
             </a:pPr>
             <a:r>
-              <a:rPr lang="en-US" dirty="0" smtClean="0"/>
-              <a:t>Applying </a:t>
-            </a:r>
-            <a:r>
-              <a:rPr lang="en-US" dirty="0"/>
-              <a:t>different exponential smoothing methods</a:t>
-            </a:r>
-            <a:r>
-              <a:rPr lang="en-US" dirty="0" smtClean="0"/>
-              <a:t>.</a:t>
+              <a:rPr lang="en-US" dirty="0"/>
+              <a:t>Applying different exponential smoothing methods.</a:t>
             </a:r>
           </a:p>
           <a:p>
@@ -13955,14 +13626,9 @@
               <a:buAutoNum type="arabicPeriod"/>
             </a:pPr>
             <a:r>
-              <a:rPr lang="en-US" dirty="0" smtClean="0"/>
-              <a:t>Plotting </a:t>
-            </a:r>
-            <a:r>
-              <a:rPr lang="en-US" dirty="0"/>
-              <a:t>the forecasts.</a:t>
-            </a:r>
-            <a:endParaRPr lang="en-US" dirty="0" smtClean="0"/>
+              <a:rPr lang="en-US" dirty="0"/>
+              <a:t>Plotting the forecasts.</a:t>
+            </a:r>
           </a:p>
         </p:txBody>
       </p:sp>
@@ -14039,11 +13705,7 @@
             </a:r>
             <a:r>
               <a:rPr lang="en-US" b="1" dirty="0"/>
-              <a:t>Install and Load Necessary </a:t>
-            </a:r>
-            <a:r>
-              <a:rPr lang="en-US" b="1" dirty="0" smtClean="0"/>
-              <a:t>Packages</a:t>
+              <a:t>Install and Load Necessary Packages</a:t>
             </a:r>
           </a:p>
           <a:p>
@@ -14445,13 +14107,8 @@
           <a:p>
             <a:r>
               <a:rPr lang="en-US" dirty="0"/>
-              <a:t>4. Apply Holt’s Linear Trend </a:t>
-            </a:r>
-            <a:r>
-              <a:rPr lang="en-US" dirty="0" smtClean="0"/>
-              <a:t>Method</a:t>
-            </a:r>
-            <a:endParaRPr lang="en-US" dirty="0"/>
+              <a:t>4. Apply Holt’s Linear Trend Method</a:t>
+            </a:r>
           </a:p>
         </p:txBody>
       </p:sp>
@@ -14847,7 +14504,7 @@
               <a:tabLst/>
             </a:pPr>
             <a:r>
-              <a:rPr kumimoji="0" lang="en-US" altLang="en-US" sz="2400" b="1" i="0" u="none" strike="noStrike" cap="none" normalizeH="0" baseline="0" dirty="0" smtClean="0">
+              <a:rPr kumimoji="0" lang="en-US" altLang="en-US" sz="2400" b="1" i="0" u="none" strike="noStrike" cap="none" normalizeH="0" baseline="0" dirty="0">
                 <a:ln>
                   <a:noFill/>
                 </a:ln>
@@ -14859,7 +14516,7 @@
               </a:rPr>
               <a:t>Apply Simple Exponential Smoothing</a:t>
             </a:r>
-            <a:endParaRPr kumimoji="0" lang="en-US" altLang="en-US" sz="2400" b="0" i="0" u="none" strike="noStrike" cap="none" normalizeH="0" baseline="0" dirty="0" smtClean="0">
+            <a:endParaRPr kumimoji="0" lang="en-US" altLang="en-US" sz="2400" b="0" i="0" u="none" strike="noStrike" cap="none" normalizeH="0" baseline="0" dirty="0">
               <a:ln>
                 <a:noFill/>
               </a:ln>
@@ -14888,7 +14545,7 @@
               <a:tabLst/>
             </a:pPr>
             <a:r>
-              <a:rPr kumimoji="0" lang="en-US" altLang="en-US" sz="2400" b="0" i="0" u="none" strike="noStrike" cap="none" normalizeH="0" baseline="0" dirty="0" smtClean="0">
+              <a:rPr kumimoji="0" lang="en-US" altLang="en-US" sz="2400" b="0" i="0" u="none" strike="noStrike" cap="none" normalizeH="0" baseline="0" dirty="0">
                 <a:ln>
                   <a:noFill/>
                 </a:ln>
@@ -14901,7 +14558,7 @@
               <a:t>Use the </a:t>
             </a:r>
             <a:r>
-              <a:rPr kumimoji="0" lang="en-US" altLang="en-US" sz="2400" b="0" i="0" u="none" strike="noStrike" cap="none" normalizeH="0" baseline="0" dirty="0" err="1" smtClean="0">
+              <a:rPr kumimoji="0" lang="en-US" altLang="en-US" sz="2400" b="0" i="0" u="none" strike="noStrike" cap="none" normalizeH="0" baseline="0" dirty="0" err="1">
                 <a:ln>
                   <a:noFill/>
                 </a:ln>
@@ -14914,7 +14571,7 @@
               <a:t>HoltWinters</a:t>
             </a:r>
             <a:r>
-              <a:rPr kumimoji="0" lang="en-US" altLang="en-US" sz="2400" b="0" i="0" u="none" strike="noStrike" cap="none" normalizeH="0" baseline="0" dirty="0" smtClean="0">
+              <a:rPr kumimoji="0" lang="en-US" altLang="en-US" sz="2400" b="0" i="0" u="none" strike="noStrike" cap="none" normalizeH="0" baseline="0" dirty="0">
                 <a:ln>
                   <a:noFill/>
                 </a:ln>
@@ -14926,7 +14583,7 @@
               <a:t> function with </a:t>
             </a:r>
             <a:r>
-              <a:rPr kumimoji="0" lang="en-US" altLang="en-US" sz="2400" b="0" i="0" u="none" strike="noStrike" cap="none" normalizeH="0" baseline="0" dirty="0" smtClean="0">
+              <a:rPr kumimoji="0" lang="en-US" altLang="en-US" sz="2400" b="0" i="0" u="none" strike="noStrike" cap="none" normalizeH="0" baseline="0" dirty="0">
                 <a:ln>
                   <a:noFill/>
                 </a:ln>
@@ -14939,7 +14596,7 @@
               <a:t>beta</a:t>
             </a:r>
             <a:r>
-              <a:rPr kumimoji="0" lang="en-US" altLang="en-US" sz="2400" b="0" i="0" u="none" strike="noStrike" cap="none" normalizeH="0" baseline="0" dirty="0" smtClean="0">
+              <a:rPr kumimoji="0" lang="en-US" altLang="en-US" sz="2400" b="0" i="0" u="none" strike="noStrike" cap="none" normalizeH="0" baseline="0" dirty="0">
                 <a:ln>
                   <a:noFill/>
                 </a:ln>
@@ -14951,7 +14608,7 @@
               <a:t> and </a:t>
             </a:r>
             <a:r>
-              <a:rPr kumimoji="0" lang="en-US" altLang="en-US" sz="2400" b="0" i="0" u="none" strike="noStrike" cap="none" normalizeH="0" baseline="0" dirty="0" smtClean="0">
+              <a:rPr kumimoji="0" lang="en-US" altLang="en-US" sz="2400" b="0" i="0" u="none" strike="noStrike" cap="none" normalizeH="0" baseline="0" dirty="0">
                 <a:ln>
                   <a:noFill/>
                 </a:ln>
@@ -14964,7 +14621,7 @@
               <a:t>gamma</a:t>
             </a:r>
             <a:r>
-              <a:rPr kumimoji="0" lang="en-US" altLang="en-US" sz="2400" b="0" i="0" u="none" strike="noStrike" cap="none" normalizeH="0" baseline="0" dirty="0" smtClean="0">
+              <a:rPr kumimoji="0" lang="en-US" altLang="en-US" sz="2400" b="0" i="0" u="none" strike="noStrike" cap="none" normalizeH="0" baseline="0" dirty="0">
                 <a:ln>
                   <a:noFill/>
                 </a:ln>
@@ -14976,7 +14633,7 @@
               <a:t> set to </a:t>
             </a:r>
             <a:r>
-              <a:rPr kumimoji="0" lang="en-US" altLang="en-US" sz="2400" b="0" i="0" u="none" strike="noStrike" cap="none" normalizeH="0" baseline="0" dirty="0" smtClean="0">
+              <a:rPr kumimoji="0" lang="en-US" altLang="en-US" sz="2400" b="0" i="0" u="none" strike="noStrike" cap="none" normalizeH="0" baseline="0" dirty="0">
                 <a:ln>
                   <a:noFill/>
                 </a:ln>
@@ -14989,7 +14646,7 @@
               <a:t>FALSE</a:t>
             </a:r>
             <a:r>
-              <a:rPr kumimoji="0" lang="en-US" altLang="en-US" sz="2400" b="0" i="0" u="none" strike="noStrike" cap="none" normalizeH="0" baseline="0" dirty="0" smtClean="0">
+              <a:rPr kumimoji="0" lang="en-US" altLang="en-US" sz="2400" b="0" i="0" u="none" strike="noStrike" cap="none" normalizeH="0" baseline="0" dirty="0">
                 <a:ln>
                   <a:noFill/>
                 </a:ln>
@@ -15000,7 +14657,7 @@
               </a:rPr>
               <a:t>:</a:t>
             </a:r>
-            <a:endParaRPr kumimoji="0" lang="en-US" altLang="en-US" sz="2400" b="0" i="0" u="none" strike="noStrike" cap="none" normalizeH="0" baseline="0" dirty="0" smtClean="0">
+            <a:endParaRPr kumimoji="0" lang="en-US" altLang="en-US" sz="2400" b="0" i="0" u="none" strike="noStrike" cap="none" normalizeH="0" baseline="0" dirty="0">
               <a:ln>
                 <a:noFill/>
               </a:ln>
@@ -15029,7 +14686,7 @@
               <a:tabLst/>
             </a:pPr>
             <a:r>
-              <a:rPr kumimoji="0" lang="en-US" altLang="en-US" sz="2400" b="0" i="0" u="none" strike="noStrike" cap="none" normalizeH="0" baseline="0" dirty="0" smtClean="0">
+              <a:rPr kumimoji="0" lang="en-US" altLang="en-US" sz="2400" b="0" i="0" u="none" strike="noStrike" cap="none" normalizeH="0" baseline="0" dirty="0">
                 <a:ln>
                   <a:noFill/>
                 </a:ln>
@@ -15042,7 +14699,7 @@
               <a:t># Apply Simple Exponential Smoothing </a:t>
             </a:r>
             <a:r>
-              <a:rPr kumimoji="0" lang="en-US" altLang="en-US" sz="2400" b="0" i="0" u="none" strike="noStrike" cap="none" normalizeH="0" baseline="0" dirty="0" err="1" smtClean="0">
+              <a:rPr kumimoji="0" lang="en-US" altLang="en-US" sz="2400" b="0" i="0" u="none" strike="noStrike" cap="none" normalizeH="0" baseline="0" dirty="0" err="1">
                 <a:ln>
                   <a:noFill/>
                 </a:ln>
@@ -15055,7 +14712,7 @@
               <a:t>ses_model</a:t>
             </a:r>
             <a:r>
-              <a:rPr kumimoji="0" lang="en-US" altLang="en-US" sz="2400" b="0" i="0" u="none" strike="noStrike" cap="none" normalizeH="0" baseline="0" dirty="0" smtClean="0">
+              <a:rPr kumimoji="0" lang="en-US" altLang="en-US" sz="2400" b="0" i="0" u="none" strike="noStrike" cap="none" normalizeH="0" baseline="0" dirty="0">
                 <a:ln>
                   <a:noFill/>
                 </a:ln>
@@ -15068,7 +14725,7 @@
               <a:t> &lt;- </a:t>
             </a:r>
             <a:r>
-              <a:rPr kumimoji="0" lang="en-US" altLang="en-US" sz="2400" b="0" i="0" u="none" strike="noStrike" cap="none" normalizeH="0" baseline="0" dirty="0" err="1" smtClean="0">
+              <a:rPr kumimoji="0" lang="en-US" altLang="en-US" sz="2400" b="0" i="0" u="none" strike="noStrike" cap="none" normalizeH="0" baseline="0" dirty="0" err="1">
                 <a:ln>
                   <a:noFill/>
                 </a:ln>
@@ -15081,7 +14738,7 @@
               <a:t>HoltWinters</a:t>
             </a:r>
             <a:r>
-              <a:rPr kumimoji="0" lang="en-US" altLang="en-US" sz="2400" b="0" i="0" u="none" strike="noStrike" cap="none" normalizeH="0" baseline="0" dirty="0" smtClean="0">
+              <a:rPr kumimoji="0" lang="en-US" altLang="en-US" sz="2400" b="0" i="0" u="none" strike="noStrike" cap="none" normalizeH="0" baseline="0" dirty="0">
                 <a:ln>
                   <a:noFill/>
                 </a:ln>
@@ -15094,7 +14751,7 @@
               <a:t>(</a:t>
             </a:r>
             <a:r>
-              <a:rPr kumimoji="0" lang="en-US" altLang="en-US" sz="2400" b="0" i="0" u="none" strike="noStrike" cap="none" normalizeH="0" baseline="0" dirty="0" err="1" smtClean="0">
+              <a:rPr kumimoji="0" lang="en-US" altLang="en-US" sz="2400" b="0" i="0" u="none" strike="noStrike" cap="none" normalizeH="0" baseline="0" dirty="0" err="1">
                 <a:ln>
                   <a:noFill/>
                 </a:ln>
@@ -15107,7 +14764,7 @@
               <a:t>ap_data</a:t>
             </a:r>
             <a:r>
-              <a:rPr kumimoji="0" lang="en-US" altLang="en-US" sz="2400" b="0" i="0" u="none" strike="noStrike" cap="none" normalizeH="0" baseline="0" dirty="0" smtClean="0">
+              <a:rPr kumimoji="0" lang="en-US" altLang="en-US" sz="2400" b="0" i="0" u="none" strike="noStrike" cap="none" normalizeH="0" baseline="0" dirty="0">
                 <a:ln>
                   <a:noFill/>
                 </a:ln>
@@ -15120,7 +14777,7 @@
               <a:t>, beta = FALSE, gamma = FALSE) # Print the model summary print(</a:t>
             </a:r>
             <a:r>
-              <a:rPr kumimoji="0" lang="en-US" altLang="en-US" sz="2400" b="0" i="0" u="none" strike="noStrike" cap="none" normalizeH="0" baseline="0" dirty="0" err="1" smtClean="0">
+              <a:rPr kumimoji="0" lang="en-US" altLang="en-US" sz="2400" b="0" i="0" u="none" strike="noStrike" cap="none" normalizeH="0" baseline="0" dirty="0" err="1">
                 <a:ln>
                   <a:noFill/>
                 </a:ln>
@@ -15133,7 +14790,7 @@
               <a:t>ses_model</a:t>
             </a:r>
             <a:r>
-              <a:rPr kumimoji="0" lang="en-US" altLang="en-US" sz="2400" b="0" i="0" u="none" strike="noStrike" cap="none" normalizeH="0" baseline="0" dirty="0" smtClean="0">
+              <a:rPr kumimoji="0" lang="en-US" altLang="en-US" sz="2400" b="0" i="0" u="none" strike="noStrike" cap="none" normalizeH="0" baseline="0" dirty="0">
                 <a:ln>
                   <a:noFill/>
                 </a:ln>
@@ -15145,7 +14802,7 @@
               </a:rPr>
               <a:t>) </a:t>
             </a:r>
-            <a:endParaRPr kumimoji="0" lang="en-US" altLang="en-US" sz="2400" b="0" i="0" u="none" strike="noStrike" cap="none" normalizeH="0" baseline="0" dirty="0" smtClean="0">
+            <a:endParaRPr kumimoji="0" lang="en-US" altLang="en-US" sz="2400" b="0" i="0" u="none" strike="noStrike" cap="none" normalizeH="0" baseline="0" dirty="0">
               <a:ln>
                 <a:noFill/>
               </a:ln>
@@ -15173,7 +14830,7 @@
               <a:tabLst/>
             </a:pPr>
             <a:r>
-              <a:rPr kumimoji="0" lang="en-US" altLang="en-US" sz="2400" b="1" i="0" u="none" strike="noStrike" cap="none" normalizeH="0" baseline="0" dirty="0" smtClean="0">
+              <a:rPr kumimoji="0" lang="en-US" altLang="en-US" sz="2400" b="1" i="0" u="none" strike="noStrike" cap="none" normalizeH="0" baseline="0" dirty="0">
                 <a:ln>
                   <a:noFill/>
                 </a:ln>
@@ -15185,7 +14842,7 @@
               </a:rPr>
               <a:t>Forecast Future Values</a:t>
             </a:r>
-            <a:endParaRPr kumimoji="0" lang="en-US" altLang="en-US" sz="2400" b="0" i="0" u="none" strike="noStrike" cap="none" normalizeH="0" baseline="0" dirty="0" smtClean="0">
+            <a:endParaRPr kumimoji="0" lang="en-US" altLang="en-US" sz="2400" b="0" i="0" u="none" strike="noStrike" cap="none" normalizeH="0" baseline="0" dirty="0">
               <a:ln>
                 <a:noFill/>
               </a:ln>
@@ -15214,7 +14871,7 @@
               <a:tabLst/>
             </a:pPr>
             <a:r>
-              <a:rPr kumimoji="0" lang="en-US" altLang="en-US" sz="2400" b="0" i="0" u="none" strike="noStrike" cap="none" normalizeH="0" baseline="0" dirty="0" smtClean="0">
+              <a:rPr kumimoji="0" lang="en-US" altLang="en-US" sz="2400" b="0" i="0" u="none" strike="noStrike" cap="none" normalizeH="0" baseline="0" dirty="0">
                 <a:ln>
                   <a:noFill/>
                 </a:ln>
@@ -15227,7 +14884,7 @@
               <a:t>To forecast future values, use the </a:t>
             </a:r>
             <a:r>
-              <a:rPr kumimoji="0" lang="en-US" altLang="en-US" sz="2400" b="0" i="0" u="none" strike="noStrike" cap="none" normalizeH="0" baseline="0" dirty="0" smtClean="0">
+              <a:rPr kumimoji="0" lang="en-US" altLang="en-US" sz="2400" b="0" i="0" u="none" strike="noStrike" cap="none" normalizeH="0" baseline="0" dirty="0">
                 <a:ln>
                   <a:noFill/>
                 </a:ln>
@@ -15240,7 +14897,7 @@
               <a:t>forecast</a:t>
             </a:r>
             <a:r>
-              <a:rPr kumimoji="0" lang="en-US" altLang="en-US" sz="2400" b="0" i="0" u="none" strike="noStrike" cap="none" normalizeH="0" baseline="0" dirty="0" smtClean="0">
+              <a:rPr kumimoji="0" lang="en-US" altLang="en-US" sz="2400" b="0" i="0" u="none" strike="noStrike" cap="none" normalizeH="0" baseline="0" dirty="0">
                 <a:ln>
                   <a:noFill/>
                 </a:ln>
@@ -15252,7 +14909,7 @@
               <a:t> function from the </a:t>
             </a:r>
             <a:r>
-              <a:rPr kumimoji="0" lang="en-US" altLang="en-US" sz="2400" b="0" i="0" u="none" strike="noStrike" cap="none" normalizeH="0" baseline="0" dirty="0" smtClean="0">
+              <a:rPr kumimoji="0" lang="en-US" altLang="en-US" sz="2400" b="0" i="0" u="none" strike="noStrike" cap="none" normalizeH="0" baseline="0" dirty="0">
                 <a:ln>
                   <a:noFill/>
                 </a:ln>
@@ -15265,7 +14922,7 @@
               <a:t>forecast</a:t>
             </a:r>
             <a:r>
-              <a:rPr kumimoji="0" lang="en-US" altLang="en-US" sz="2400" b="0" i="0" u="none" strike="noStrike" cap="none" normalizeH="0" baseline="0" dirty="0" smtClean="0">
+              <a:rPr kumimoji="0" lang="en-US" altLang="en-US" sz="2400" b="0" i="0" u="none" strike="noStrike" cap="none" normalizeH="0" baseline="0" dirty="0">
                 <a:ln>
                   <a:noFill/>
                 </a:ln>
@@ -15276,7 +14933,7 @@
               </a:rPr>
               <a:t> package:</a:t>
             </a:r>
-            <a:endParaRPr kumimoji="0" lang="en-US" altLang="en-US" sz="2400" b="0" i="0" u="none" strike="noStrike" cap="none" normalizeH="0" baseline="0" dirty="0" smtClean="0">
+            <a:endParaRPr kumimoji="0" lang="en-US" altLang="en-US" sz="2400" b="0" i="0" u="none" strike="noStrike" cap="none" normalizeH="0" baseline="0" dirty="0">
               <a:ln>
                 <a:noFill/>
               </a:ln>
@@ -15305,7 +14962,7 @@
               <a:tabLst/>
             </a:pPr>
             <a:r>
-              <a:rPr kumimoji="0" lang="en-US" altLang="en-US" sz="2400" b="0" i="0" u="none" strike="noStrike" cap="none" normalizeH="0" baseline="0" dirty="0" smtClean="0">
+              <a:rPr kumimoji="0" lang="en-US" altLang="en-US" sz="2400" b="0" i="0" u="none" strike="noStrike" cap="none" normalizeH="0" baseline="0" dirty="0">
                 <a:ln>
                   <a:noFill/>
                 </a:ln>
@@ -15318,7 +14975,7 @@
               <a:t># Forecast the next 12 months </a:t>
             </a:r>
             <a:r>
-              <a:rPr kumimoji="0" lang="en-US" altLang="en-US" sz="2400" b="0" i="0" u="none" strike="noStrike" cap="none" normalizeH="0" baseline="0" dirty="0" err="1" smtClean="0">
+              <a:rPr kumimoji="0" lang="en-US" altLang="en-US" sz="2400" b="0" i="0" u="none" strike="noStrike" cap="none" normalizeH="0" baseline="0" dirty="0" err="1">
                 <a:ln>
                   <a:noFill/>
                 </a:ln>
@@ -15331,7 +14988,7 @@
               <a:t>forecast_ses</a:t>
             </a:r>
             <a:r>
-              <a:rPr kumimoji="0" lang="en-US" altLang="en-US" sz="2400" b="0" i="0" u="none" strike="noStrike" cap="none" normalizeH="0" baseline="0" dirty="0" smtClean="0">
+              <a:rPr kumimoji="0" lang="en-US" altLang="en-US" sz="2400" b="0" i="0" u="none" strike="noStrike" cap="none" normalizeH="0" baseline="0" dirty="0">
                 <a:ln>
                   <a:noFill/>
                 </a:ln>
@@ -15344,7 +15001,7 @@
               <a:t> &lt;- forecast(</a:t>
             </a:r>
             <a:r>
-              <a:rPr kumimoji="0" lang="en-US" altLang="en-US" sz="2400" b="0" i="0" u="none" strike="noStrike" cap="none" normalizeH="0" baseline="0" dirty="0" err="1" smtClean="0">
+              <a:rPr kumimoji="0" lang="en-US" altLang="en-US" sz="2400" b="0" i="0" u="none" strike="noStrike" cap="none" normalizeH="0" baseline="0" dirty="0" err="1">
                 <a:ln>
                   <a:noFill/>
                 </a:ln>
@@ -15357,7 +15014,7 @@
               <a:t>ses_model</a:t>
             </a:r>
             <a:r>
-              <a:rPr kumimoji="0" lang="en-US" altLang="en-US" sz="2400" b="0" i="0" u="none" strike="noStrike" cap="none" normalizeH="0" baseline="0" dirty="0" smtClean="0">
+              <a:rPr kumimoji="0" lang="en-US" altLang="en-US" sz="2400" b="0" i="0" u="none" strike="noStrike" cap="none" normalizeH="0" baseline="0" dirty="0">
                 <a:ln>
                   <a:noFill/>
                 </a:ln>
@@ -15370,7 +15027,7 @@
               <a:t>, h = 12) # Plot the forecast plot(</a:t>
             </a:r>
             <a:r>
-              <a:rPr kumimoji="0" lang="en-US" altLang="en-US" sz="2400" b="0" i="0" u="none" strike="noStrike" cap="none" normalizeH="0" baseline="0" dirty="0" err="1" smtClean="0">
+              <a:rPr kumimoji="0" lang="en-US" altLang="en-US" sz="2400" b="0" i="0" u="none" strike="noStrike" cap="none" normalizeH="0" baseline="0" dirty="0" err="1">
                 <a:ln>
                   <a:noFill/>
                 </a:ln>
@@ -15383,7 +15040,7 @@
               <a:t>forecast_ses</a:t>
             </a:r>
             <a:r>
-              <a:rPr kumimoji="0" lang="en-US" altLang="en-US" sz="2400" b="0" i="0" u="none" strike="noStrike" cap="none" normalizeH="0" baseline="0" dirty="0" smtClean="0">
+              <a:rPr kumimoji="0" lang="en-US" altLang="en-US" sz="2400" b="0" i="0" u="none" strike="noStrike" cap="none" normalizeH="0" baseline="0" dirty="0">
                 <a:ln>
                   <a:noFill/>
                 </a:ln>
@@ -15395,7 +15052,7 @@
               </a:rPr>
               <a:t>)</a:t>
             </a:r>
-            <a:endParaRPr kumimoji="0" lang="en-US" altLang="en-US" sz="2400" b="0" i="0" u="none" strike="noStrike" cap="none" normalizeH="0" baseline="0" dirty="0" smtClean="0">
+            <a:endParaRPr kumimoji="0" lang="en-US" altLang="en-US" sz="2400" b="0" i="0" u="none" strike="noStrike" cap="none" normalizeH="0" baseline="0" dirty="0">
               <a:ln>
                 <a:noFill/>
               </a:ln>
@@ -15422,7 +15079,7 @@
               <a:buNone/>
               <a:tabLst/>
             </a:pPr>
-            <a:endParaRPr kumimoji="0" lang="en-US" altLang="en-US" sz="2400" b="0" i="0" u="none" strike="noStrike" cap="none" normalizeH="0" baseline="0" dirty="0" smtClean="0">
+            <a:endParaRPr kumimoji="0" lang="en-US" altLang="en-US" sz="2400" b="0" i="0" u="none" strike="noStrike" cap="none" normalizeH="0" baseline="0" dirty="0">
               <a:ln>
                 <a:noFill/>
               </a:ln>
@@ -15776,13 +15433,8 @@
           <a:p>
             <a:r>
               <a:rPr lang="en-US" dirty="0"/>
-              <a:t>EXPONENTIAL SMOOTHERS AND ARIMA MODELS </a:t>
-            </a:r>
-            <a:r>
-              <a:rPr lang="en-US" dirty="0" smtClean="0"/>
-              <a:t>Selection</a:t>
-            </a:r>
-            <a:endParaRPr lang="en-US" dirty="0"/>
+              <a:t>EXPONENTIAL SMOOTHERS AND ARIMA MODELS Selection</a:t>
+            </a:r>
           </a:p>
         </p:txBody>
       </p:sp>
@@ -16639,7 +16291,7 @@
               <a:tabLst/>
             </a:pPr>
             <a:r>
-              <a:rPr kumimoji="0" lang="en-US" altLang="en-US" b="1" i="0" u="none" strike="noStrike" cap="none" normalizeH="0" baseline="0" dirty="0" smtClean="0">
+              <a:rPr kumimoji="0" lang="en-US" altLang="en-US" b="1" i="0" u="none" strike="noStrike" cap="none" normalizeH="0" baseline="0" dirty="0">
                 <a:ln>
                   <a:noFill/>
                 </a:ln>
@@ -16652,7 +16304,7 @@
               <a:t>Seasonal Component</a:t>
             </a:r>
             <a:r>
-              <a:rPr kumimoji="0" lang="en-US" altLang="en-US" b="0" i="0" u="none" strike="noStrike" cap="none" normalizeH="0" baseline="0" dirty="0" smtClean="0">
+              <a:rPr kumimoji="0" lang="en-US" altLang="en-US" b="0" i="0" u="none" strike="noStrike" cap="none" normalizeH="0" baseline="0" dirty="0">
                 <a:ln>
                   <a:noFill/>
                 </a:ln>
@@ -16683,7 +16335,7 @@
               <a:tabLst/>
             </a:pPr>
             <a:r>
-              <a:rPr kumimoji="0" lang="en-US" altLang="en-US" b="0" i="0" u="none" strike="noStrike" cap="none" normalizeH="0" baseline="0" dirty="0" smtClean="0">
+              <a:rPr kumimoji="0" lang="en-US" altLang="en-US" b="0" i="0" u="none" strike="noStrike" cap="none" normalizeH="0" baseline="0" dirty="0">
                 <a:ln>
                   <a:noFill/>
                 </a:ln>
@@ -16714,7 +16366,7 @@
               <a:tabLst/>
             </a:pPr>
             <a:r>
-              <a:rPr kumimoji="0" lang="en-US" altLang="en-US" b="1" i="0" u="none" strike="noStrike" cap="none" normalizeH="0" baseline="0" dirty="0" smtClean="0">
+              <a:rPr kumimoji="0" lang="en-US" altLang="en-US" b="1" i="0" u="none" strike="noStrike" cap="none" normalizeH="0" baseline="0" dirty="0">
                 <a:ln>
                   <a:noFill/>
                 </a:ln>
@@ -16727,7 +16379,7 @@
               <a:t>Parameter Estimation and Validation</a:t>
             </a:r>
             <a:r>
-              <a:rPr kumimoji="0" lang="en-US" altLang="en-US" b="0" i="0" u="none" strike="noStrike" cap="none" normalizeH="0" baseline="0" dirty="0" smtClean="0">
+              <a:rPr kumimoji="0" lang="en-US" altLang="en-US" b="0" i="0" u="none" strike="noStrike" cap="none" normalizeH="0" baseline="0" dirty="0">
                 <a:ln>
                   <a:noFill/>
                 </a:ln>
@@ -16758,7 +16410,7 @@
               <a:tabLst/>
             </a:pPr>
             <a:r>
-              <a:rPr kumimoji="0" lang="en-US" altLang="en-US" b="0" i="0" u="none" strike="noStrike" cap="none" normalizeH="0" baseline="0" dirty="0" smtClean="0">
+              <a:rPr kumimoji="0" lang="en-US" altLang="en-US" b="0" i="0" u="none" strike="noStrike" cap="none" normalizeH="0" baseline="0" dirty="0">
                 <a:ln>
                   <a:noFill/>
                 </a:ln>
@@ -16789,7 +16441,7 @@
               <a:tabLst/>
             </a:pPr>
             <a:r>
-              <a:rPr kumimoji="0" lang="en-US" altLang="en-US" b="0" i="0" u="none" strike="noStrike" cap="none" normalizeH="0" baseline="0" dirty="0" smtClean="0">
+              <a:rPr kumimoji="0" lang="en-US" altLang="en-US" b="0" i="0" u="none" strike="noStrike" cap="none" normalizeH="0" baseline="0" dirty="0">
                 <a:ln>
                   <a:noFill/>
                 </a:ln>
@@ -16802,7 +16454,7 @@
               <a:t>Validate the model using criteria like </a:t>
             </a:r>
             <a:r>
-              <a:rPr kumimoji="0" lang="en-US" altLang="en-US" b="0" i="0" u="none" strike="noStrike" cap="none" normalizeH="0" baseline="0" dirty="0" err="1" smtClean="0">
+              <a:rPr kumimoji="0" lang="en-US" altLang="en-US" b="0" i="0" u="none" strike="noStrike" cap="none" normalizeH="0" baseline="0" dirty="0" err="1">
                 <a:ln>
                   <a:noFill/>
                 </a:ln>
@@ -16815,7 +16467,7 @@
               <a:t>Akaike</a:t>
             </a:r>
             <a:r>
-              <a:rPr kumimoji="0" lang="en-US" altLang="en-US" b="0" i="0" u="none" strike="noStrike" cap="none" normalizeH="0" baseline="0" dirty="0" smtClean="0">
+              <a:rPr kumimoji="0" lang="en-US" altLang="en-US" b="0" i="0" u="none" strike="noStrike" cap="none" normalizeH="0" baseline="0" dirty="0">
                 <a:ln>
                   <a:noFill/>
                 </a:ln>
@@ -16845,7 +16497,7 @@
               <a:buNone/>
               <a:tabLst/>
             </a:pPr>
-            <a:endParaRPr kumimoji="0" lang="en-US" altLang="en-US" b="0" i="0" u="none" strike="noStrike" cap="none" normalizeH="0" baseline="0" dirty="0" smtClean="0">
+            <a:endParaRPr kumimoji="0" lang="en-US" altLang="en-US" b="0" i="0" u="none" strike="noStrike" cap="none" normalizeH="0" baseline="0" dirty="0">
               <a:ln>
                 <a:noFill/>
               </a:ln>
@@ -16985,7 +16637,7 @@
               <a:tabLst/>
             </a:pPr>
             <a:r>
-              <a:rPr kumimoji="0" lang="en-US" altLang="en-US" sz="2000" b="1" i="0" u="none" strike="noStrike" cap="none" normalizeH="0" baseline="0" dirty="0" smtClean="0">
+              <a:rPr kumimoji="0" lang="en-US" altLang="en-US" sz="2000" b="1" i="0" u="none" strike="noStrike" cap="none" normalizeH="0" baseline="0" dirty="0">
                 <a:ln>
                   <a:noFill/>
                 </a:ln>
@@ -17016,7 +16668,7 @@
               <a:tabLst/>
             </a:pPr>
             <a:r>
-              <a:rPr kumimoji="0" lang="en-US" altLang="en-US" sz="1800" b="1" i="0" u="none" strike="noStrike" cap="none" normalizeH="0" baseline="0" dirty="0" smtClean="0">
+              <a:rPr kumimoji="0" lang="en-US" altLang="en-US" sz="1800" b="1" i="0" u="none" strike="noStrike" cap="none" normalizeH="0" baseline="0" dirty="0">
                 <a:ln>
                   <a:noFill/>
                 </a:ln>
@@ -17029,7 +16681,7 @@
               <a:t>Start Simple</a:t>
             </a:r>
             <a:r>
-              <a:rPr kumimoji="0" lang="en-US" altLang="en-US" sz="3200" b="0" i="0" u="none" strike="noStrike" cap="none" normalizeH="0" baseline="0" dirty="0" smtClean="0">
+              <a:rPr kumimoji="0" lang="en-US" altLang="en-US" sz="3200" b="0" i="0" u="none" strike="noStrike" cap="none" normalizeH="0" baseline="0" dirty="0">
                 <a:ln>
                   <a:noFill/>
                 </a:ln>
@@ -17060,7 +16712,7 @@
               <a:tabLst/>
             </a:pPr>
             <a:r>
-              <a:rPr kumimoji="0" lang="en-US" altLang="en-US" sz="3200" b="1" i="0" u="none" strike="noStrike" cap="none" normalizeH="0" baseline="0" dirty="0" smtClean="0">
+              <a:rPr kumimoji="0" lang="en-US" altLang="en-US" sz="3200" b="1" i="0" u="none" strike="noStrike" cap="none" normalizeH="0" baseline="0" dirty="0">
                 <a:ln>
                   <a:noFill/>
                 </a:ln>
@@ -17073,7 +16725,7 @@
               <a:t>Compare Models</a:t>
             </a:r>
             <a:r>
-              <a:rPr kumimoji="0" lang="en-US" altLang="en-US" sz="3200" b="0" i="0" u="none" strike="noStrike" cap="none" normalizeH="0" baseline="0" dirty="0" smtClean="0">
+              <a:rPr kumimoji="0" lang="en-US" altLang="en-US" sz="3200" b="0" i="0" u="none" strike="noStrike" cap="none" normalizeH="0" baseline="0" dirty="0">
                 <a:ln>
                   <a:noFill/>
                 </a:ln>
@@ -17104,7 +16756,7 @@
               <a:tabLst/>
             </a:pPr>
             <a:r>
-              <a:rPr kumimoji="0" lang="en-US" altLang="en-US" sz="3200" b="1" i="0" u="none" strike="noStrike" cap="none" normalizeH="0" baseline="0" dirty="0" smtClean="0">
+              <a:rPr kumimoji="0" lang="en-US" altLang="en-US" sz="3200" b="1" i="0" u="none" strike="noStrike" cap="none" normalizeH="0" baseline="0" dirty="0">
                 <a:ln>
                   <a:noFill/>
                 </a:ln>
@@ -17117,7 +16769,7 @@
               <a:t>Visualize</a:t>
             </a:r>
             <a:r>
-              <a:rPr kumimoji="0" lang="en-US" altLang="en-US" sz="3200" b="0" i="0" u="none" strike="noStrike" cap="none" normalizeH="0" baseline="0" dirty="0" smtClean="0">
+              <a:rPr kumimoji="0" lang="en-US" altLang="en-US" sz="3200" b="0" i="0" u="none" strike="noStrike" cap="none" normalizeH="0" baseline="0" dirty="0">
                 <a:ln>
                   <a:noFill/>
                 </a:ln>
@@ -17148,7 +16800,7 @@
               <a:tabLst/>
             </a:pPr>
             <a:r>
-              <a:rPr kumimoji="0" lang="en-US" altLang="en-US" sz="3200" b="1" i="0" u="none" strike="noStrike" cap="none" normalizeH="0" baseline="0" dirty="0" smtClean="0">
+              <a:rPr kumimoji="0" lang="en-US" altLang="en-US" sz="3200" b="1" i="0" u="none" strike="noStrike" cap="none" normalizeH="0" baseline="0" dirty="0">
                 <a:ln>
                   <a:noFill/>
                 </a:ln>
@@ -17161,7 +16813,7 @@
               <a:t>Automation</a:t>
             </a:r>
             <a:r>
-              <a:rPr kumimoji="0" lang="en-US" altLang="en-US" sz="3200" b="0" i="0" u="none" strike="noStrike" cap="none" normalizeH="0" baseline="0" dirty="0" smtClean="0">
+              <a:rPr kumimoji="0" lang="en-US" altLang="en-US" sz="3200" b="0" i="0" u="none" strike="noStrike" cap="none" normalizeH="0" baseline="0" dirty="0">
                 <a:ln>
                   <a:noFill/>
                 </a:ln>
@@ -17174,7 +16826,7 @@
               <a:t>: Consider automated tools like the </a:t>
             </a:r>
             <a:r>
-              <a:rPr kumimoji="0" lang="en-US" altLang="en-US" sz="1400" b="0" i="0" u="none" strike="noStrike" cap="none" normalizeH="0" baseline="0" dirty="0" err="1" smtClean="0">
+              <a:rPr kumimoji="0" lang="en-US" altLang="en-US" sz="1400" b="0" i="0" u="none" strike="noStrike" cap="none" normalizeH="0" baseline="0" dirty="0" err="1">
                 <a:ln>
                   <a:noFill/>
                 </a:ln>
@@ -17187,7 +16839,7 @@
               <a:t>auto.arima</a:t>
             </a:r>
             <a:r>
-              <a:rPr kumimoji="0" lang="en-US" altLang="en-US" sz="1800" b="0" i="0" u="none" strike="noStrike" cap="none" normalizeH="0" baseline="0" dirty="0" smtClean="0">
+              <a:rPr kumimoji="0" lang="en-US" altLang="en-US" sz="1800" b="0" i="0" u="none" strike="noStrike" cap="none" normalizeH="0" baseline="0" dirty="0">
                 <a:ln>
                   <a:noFill/>
                 </a:ln>
@@ -17199,7 +16851,7 @@
               <a:t> function in R or Python’s </a:t>
             </a:r>
             <a:r>
-              <a:rPr kumimoji="0" lang="en-US" altLang="en-US" sz="1400" b="0" i="0" u="none" strike="noStrike" cap="none" normalizeH="0" baseline="0" dirty="0" err="1" smtClean="0">
+              <a:rPr kumimoji="0" lang="en-US" altLang="en-US" sz="1400" b="0" i="0" u="none" strike="noStrike" cap="none" normalizeH="0" baseline="0" dirty="0" err="1">
                 <a:ln>
                   <a:noFill/>
                 </a:ln>
@@ -17212,7 +16864,7 @@
               <a:t>pmdarima</a:t>
             </a:r>
             <a:r>
-              <a:rPr kumimoji="0" lang="en-US" altLang="en-US" sz="1800" b="0" i="0" u="none" strike="noStrike" cap="none" normalizeH="0" baseline="0" dirty="0" smtClean="0">
+              <a:rPr kumimoji="0" lang="en-US" altLang="en-US" sz="1800" b="0" i="0" u="none" strike="noStrike" cap="none" normalizeH="0" baseline="0" dirty="0">
                 <a:ln>
                   <a:noFill/>
                 </a:ln>
@@ -17223,7 +16875,7 @@
               </a:rPr>
               <a:t> package, which can help in selecting and tuning ARIMA models.</a:t>
             </a:r>
-            <a:endParaRPr kumimoji="0" lang="en-US" altLang="en-US" sz="3200" b="0" i="0" u="none" strike="noStrike" cap="none" normalizeH="0" baseline="0" dirty="0" smtClean="0">
+            <a:endParaRPr kumimoji="0" lang="en-US" altLang="en-US" sz="3200" b="0" i="0" u="none" strike="noStrike" cap="none" normalizeH="0" baseline="0" dirty="0">
               <a:ln>
                 <a:noFill/>
               </a:ln>
@@ -17251,7 +16903,7 @@
               <a:buNone/>
               <a:tabLst/>
             </a:pPr>
-            <a:endParaRPr kumimoji="0" lang="en-US" altLang="en-US" sz="3200" b="0" i="0" u="none" strike="noStrike" cap="none" normalizeH="0" baseline="0" dirty="0" smtClean="0">
+            <a:endParaRPr kumimoji="0" lang="en-US" altLang="en-US" sz="3200" b="0" i="0" u="none" strike="noStrike" cap="none" normalizeH="0" baseline="0" dirty="0">
               <a:ln>
                 <a:noFill/>
               </a:ln>
@@ -17310,10 +16962,9 @@
           <a:lstStyle/>
           <a:p>
             <a:r>
-              <a:rPr lang="en-US" dirty="0" smtClean="0"/>
+              <a:rPr lang="en-US" dirty="0"/>
               <a:t>Using the forecast Package Directly</a:t>
             </a:r>
-            <a:endParaRPr lang="en-US" dirty="0"/>
           </a:p>
         </p:txBody>
       </p:sp>
@@ -17340,94 +16991,94 @@
           <a:lstStyle/>
           <a:p>
             <a:r>
-              <a:rPr lang="en-US" sz="2400" dirty="0" smtClean="0"/>
+              <a:rPr lang="en-US" sz="2400" dirty="0"/>
               <a:t>Example</a:t>
             </a:r>
           </a:p>
           <a:p>
             <a:r>
-              <a:rPr lang="en-US" sz="2400" dirty="0" smtClean="0"/>
+              <a:rPr lang="en-US" sz="2400" dirty="0"/>
               <a:t># Load the forecast package</a:t>
             </a:r>
           </a:p>
           <a:p>
             <a:r>
-              <a:rPr lang="en-US" sz="2400" dirty="0" smtClean="0"/>
+              <a:rPr lang="en-US" sz="2400" dirty="0"/>
               <a:t>library(forecast)</a:t>
             </a:r>
           </a:p>
           <a:p>
             <a:r>
-              <a:rPr lang="en-US" sz="2400" dirty="0" smtClean="0"/>
+              <a:rPr lang="en-US" sz="2400" dirty="0"/>
               <a:t># Load the </a:t>
             </a:r>
             <a:r>
-              <a:rPr lang="en-US" sz="2400" dirty="0" err="1" smtClean="0"/>
+              <a:rPr lang="en-US" sz="2400" dirty="0" err="1"/>
               <a:t>AirPassengers</a:t>
             </a:r>
             <a:r>
-              <a:rPr lang="en-US" sz="2400" dirty="0" smtClean="0"/>
+              <a:rPr lang="en-US" sz="2400" dirty="0"/>
               <a:t> dataset</a:t>
             </a:r>
           </a:p>
           <a:p>
             <a:r>
-              <a:rPr lang="en-US" sz="2400" dirty="0" smtClean="0"/>
+              <a:rPr lang="en-US" sz="2400" dirty="0"/>
               <a:t>data("</a:t>
             </a:r>
             <a:r>
-              <a:rPr lang="en-US" sz="2400" dirty="0" err="1" smtClean="0"/>
+              <a:rPr lang="en-US" sz="2400" dirty="0" err="1"/>
               <a:t>AirPassengers</a:t>
             </a:r>
             <a:r>
-              <a:rPr lang="en-US" sz="2400" dirty="0" smtClean="0"/>
+              <a:rPr lang="en-US" sz="2400" dirty="0"/>
               <a:t>")</a:t>
             </a:r>
           </a:p>
           <a:p>
             <a:r>
-              <a:rPr lang="en-US" sz="2400" dirty="0" err="1" smtClean="0"/>
+              <a:rPr lang="en-US" sz="2400" dirty="0" err="1"/>
               <a:t>ap_data</a:t>
             </a:r>
             <a:r>
-              <a:rPr lang="en-US" sz="2400" dirty="0" smtClean="0"/>
+              <a:rPr lang="en-US" sz="2400" dirty="0"/>
               <a:t> &lt;- </a:t>
             </a:r>
             <a:r>
-              <a:rPr lang="en-US" sz="2400" dirty="0" err="1" smtClean="0"/>
+              <a:rPr lang="en-US" sz="2400" dirty="0" err="1"/>
               <a:t>AirPassengers</a:t>
             </a:r>
-            <a:endParaRPr lang="en-US" sz="2400" dirty="0" smtClean="0"/>
-          </a:p>
-          <a:p>
-            <a:r>
-              <a:rPr lang="en-US" sz="2400" dirty="0" smtClean="0"/>
+            <a:endParaRPr lang="en-US" sz="2400" dirty="0"/>
+          </a:p>
+          <a:p>
+            <a:r>
+              <a:rPr lang="en-US" sz="2400" dirty="0"/>
               <a:t># Apply Simple Exponential Smoothing using the forecast package</a:t>
             </a:r>
           </a:p>
           <a:p>
             <a:r>
-              <a:rPr lang="en-US" sz="2400" dirty="0" err="1" smtClean="0"/>
+              <a:rPr lang="en-US" sz="2400" dirty="0" err="1"/>
               <a:t>ses_model</a:t>
             </a:r>
             <a:r>
-              <a:rPr lang="en-US" sz="2400" dirty="0" smtClean="0"/>
+              <a:rPr lang="en-US" sz="2400" dirty="0"/>
               <a:t> &lt;- </a:t>
             </a:r>
             <a:r>
-              <a:rPr lang="en-US" sz="2400" dirty="0" err="1" smtClean="0"/>
+              <a:rPr lang="en-US" sz="2400" dirty="0" err="1"/>
               <a:t>ses</a:t>
             </a:r>
             <a:r>
-              <a:rPr lang="en-US" sz="2400" dirty="0" smtClean="0"/>
+              <a:rPr lang="en-US" sz="2400" dirty="0"/>
               <a:t>(</a:t>
             </a:r>
             <a:r>
-              <a:rPr lang="en-US" sz="2400" dirty="0" err="1" smtClean="0"/>
+              <a:rPr lang="en-US" sz="2400" dirty="0" err="1"/>
               <a:t>ap_data</a:t>
             </a:r>
             <a:r>
-              <a:rPr lang="en-US" sz="2400" dirty="0" smtClean="0"/>
+              <a:rPr lang="en-US" sz="2400" dirty="0"/>
               <a:t>, h = 12)</a:t>
             </a:r>
           </a:p>
@@ -17620,41 +17271,41 @@
           </a:lstStyle>
           <a:p>
             <a:r>
-              <a:rPr lang="en-US" sz="2400" dirty="0" smtClean="0"/>
+              <a:rPr lang="en-US" sz="2400" dirty="0"/>
               <a:t># Print the model summary</a:t>
             </a:r>
           </a:p>
           <a:p>
             <a:r>
-              <a:rPr lang="en-US" sz="2400" dirty="0" smtClean="0"/>
+              <a:rPr lang="en-US" sz="2400" dirty="0"/>
               <a:t>print(</a:t>
             </a:r>
             <a:r>
-              <a:rPr lang="en-US" sz="2400" dirty="0" err="1" smtClean="0"/>
+              <a:rPr lang="en-US" sz="2400" dirty="0" err="1"/>
               <a:t>ses_model</a:t>
             </a:r>
             <a:r>
-              <a:rPr lang="en-US" sz="2400" dirty="0" smtClean="0"/>
+              <a:rPr lang="en-US" sz="2400" dirty="0"/>
               <a:t>)</a:t>
             </a:r>
           </a:p>
           <a:p>
             <a:r>
-              <a:rPr lang="en-US" sz="2400" dirty="0" smtClean="0"/>
+              <a:rPr lang="en-US" sz="2400" dirty="0"/>
               <a:t># Plot the forecast</a:t>
             </a:r>
           </a:p>
           <a:p>
             <a:r>
-              <a:rPr lang="en-US" sz="2400" dirty="0" smtClean="0"/>
+              <a:rPr lang="en-US" sz="2400" dirty="0"/>
               <a:t>plot(</a:t>
             </a:r>
             <a:r>
-              <a:rPr lang="en-US" sz="2400" dirty="0" err="1" smtClean="0"/>
+              <a:rPr lang="en-US" sz="2400" dirty="0" err="1"/>
               <a:t>ses_model</a:t>
             </a:r>
             <a:r>
-              <a:rPr lang="en-US" sz="2400" dirty="0" smtClean="0"/>
+              <a:rPr lang="en-US" sz="2400" dirty="0"/>
               <a:t>)</a:t>
             </a:r>
           </a:p>
@@ -17709,10 +17360,9 @@
           <a:lstStyle/>
           <a:p>
             <a:r>
-              <a:rPr lang="en-US" dirty="0" smtClean="0"/>
+              <a:rPr lang="en-US" dirty="0"/>
               <a:t>R Commands</a:t>
             </a:r>
-            <a:endParaRPr lang="en-US" dirty="0"/>
           </a:p>
         </p:txBody>
       </p:sp>
@@ -17745,16 +17395,8 @@
           </a:p>
           <a:p>
             <a:r>
-              <a:rPr lang="en-US" sz="1800" dirty="0" smtClean="0"/>
-              <a:t>Using </a:t>
-            </a:r>
-            <a:r>
               <a:rPr lang="en-US" sz="1800" dirty="0"/>
-              <a:t>the forecast package</a:t>
-            </a:r>
-            <a:r>
-              <a:rPr lang="en-US" sz="1800" dirty="0" smtClean="0"/>
-              <a:t>:</a:t>
+              <a:t>Using the forecast package:</a:t>
             </a:r>
           </a:p>
           <a:p>
@@ -17768,36 +17410,23 @@
             </a:r>
             <a:r>
               <a:rPr lang="en-US" sz="1800" dirty="0"/>
-              <a:t>("forecast")library(forecast</a:t>
-            </a:r>
-            <a:r>
-              <a:rPr lang="en-US" sz="1800" dirty="0" smtClean="0"/>
-              <a:t>)</a:t>
-            </a:r>
-          </a:p>
-          <a:p>
-            <a:r>
-              <a:rPr lang="en-US" sz="1800" dirty="0" smtClean="0"/>
-              <a:t># </a:t>
-            </a:r>
+              <a:t>("forecast")library(forecast)</a:t>
+            </a:r>
+          </a:p>
+          <a:p>
             <a:r>
               <a:rPr lang="en-US" sz="1800" dirty="0"/>
-              <a:t>Example time series </a:t>
-            </a:r>
-            <a:endParaRPr lang="en-US" sz="1800" dirty="0" smtClean="0"/>
-          </a:p>
-          <a:p>
-            <a:r>
-              <a:rPr lang="en-US" sz="1800" dirty="0" err="1" smtClean="0"/>
+              <a:t># Example time series </a:t>
+            </a:r>
+          </a:p>
+          <a:p>
+            <a:r>
+              <a:rPr lang="en-US" sz="1800" dirty="0" err="1"/>
               <a:t>datats_data</a:t>
             </a:r>
             <a:r>
-              <a:rPr lang="en-US" sz="1800" dirty="0" smtClean="0"/>
-              <a:t> </a:t>
-            </a:r>
-            <a:r>
               <a:rPr lang="en-US" sz="1800" dirty="0"/>
-              <a:t>&lt;- </a:t>
+              <a:t> &lt;- </a:t>
             </a:r>
             <a:r>
               <a:rPr lang="en-US" sz="1800" dirty="0" err="1"/>
@@ -17805,35 +17434,19 @@
             </a:r>
             <a:r>
               <a:rPr lang="en-US" sz="1800" dirty="0"/>
-              <a:t>(c(120, 130, 140, 150, 160, 170, 180), frequency = 1</a:t>
-            </a:r>
-            <a:r>
-              <a:rPr lang="en-US" sz="1800" dirty="0" smtClean="0"/>
-              <a:t>)</a:t>
-            </a:r>
-          </a:p>
-          <a:p>
-            <a:r>
-              <a:rPr lang="en-US" sz="1800" dirty="0" smtClean="0"/>
-              <a:t># </a:t>
-            </a:r>
+              <a:t>(c(120, 130, 140, 150, 160, 170, 180), frequency = 1)</a:t>
+            </a:r>
+          </a:p>
+          <a:p>
             <a:r>
               <a:rPr lang="en-US" sz="1800" dirty="0"/>
-              <a:t>Apply Simple Exponential </a:t>
-            </a:r>
-            <a:r>
-              <a:rPr lang="en-US" sz="1800" dirty="0" smtClean="0"/>
-              <a:t>Smoothing</a:t>
-            </a:r>
-          </a:p>
-          <a:p>
-            <a:r>
-              <a:rPr lang="en-US" sz="1800" dirty="0" smtClean="0"/>
-              <a:t>fit </a:t>
-            </a:r>
+              <a:t># Apply Simple Exponential Smoothing</a:t>
+            </a:r>
+          </a:p>
+          <a:p>
             <a:r>
               <a:rPr lang="en-US" sz="1800" dirty="0"/>
-              <a:t>&lt;- </a:t>
+              <a:t>fit &lt;- </a:t>
             </a:r>
             <a:r>
               <a:rPr lang="en-US" sz="1800" dirty="0" err="1"/>
@@ -17851,81 +17464,56 @@
               <a:rPr lang="en-US" sz="1800" dirty="0"/>
               <a:t>, model = "ANN")  </a:t>
             </a:r>
-            <a:endParaRPr lang="en-US" sz="1800" dirty="0" smtClean="0"/>
-          </a:p>
-          <a:p>
-            <a:r>
-              <a:rPr lang="en-US" sz="1800" dirty="0" smtClean="0"/>
-              <a:t># </a:t>
-            </a:r>
+          </a:p>
+          <a:p>
             <a:r>
               <a:rPr lang="en-US" sz="1800" dirty="0"/>
-              <a:t>"ANN" indicates additive errors, no trend, no </a:t>
-            </a:r>
-            <a:r>
-              <a:rPr lang="en-US" sz="1800" dirty="0" smtClean="0"/>
-              <a:t>seasonality</a:t>
-            </a:r>
-          </a:p>
-          <a:p>
-            <a:r>
-              <a:rPr lang="en-US" sz="1800" dirty="0" smtClean="0"/>
+              <a:t># "ANN" indicates additive errors, no trend, no seasonality</a:t>
+            </a:r>
+          </a:p>
+          <a:p>
+            <a:r>
+              <a:rPr lang="en-US" sz="1800" dirty="0"/>
               <a:t>summary(fit)</a:t>
             </a:r>
           </a:p>
           <a:p>
             <a:r>
-              <a:rPr lang="en-US" sz="1800" dirty="0" smtClean="0"/>
-              <a:t># </a:t>
-            </a:r>
-            <a:r>
               <a:rPr lang="en-US" sz="1800" dirty="0"/>
-              <a:t>Forecast the next 5 </a:t>
-            </a:r>
-            <a:r>
-              <a:rPr lang="en-US" sz="1800" dirty="0" smtClean="0"/>
-              <a:t>periods</a:t>
-            </a:r>
-          </a:p>
-          <a:p>
-            <a:r>
-              <a:rPr lang="en-US" sz="1800" dirty="0" err="1" smtClean="0"/>
+              <a:t># Forecast the next 5 periods</a:t>
+            </a:r>
+          </a:p>
+          <a:p>
+            <a:r>
+              <a:rPr lang="en-US" sz="1800" dirty="0" err="1"/>
               <a:t>forecast_values</a:t>
             </a:r>
             <a:r>
-              <a:rPr lang="en-US" sz="1800" dirty="0" smtClean="0"/>
-              <a:t> </a:t>
-            </a:r>
-            <a:r>
               <a:rPr lang="en-US" sz="1800" dirty="0"/>
-              <a:t>&lt;- forecast(fit, h = 5</a:t>
-            </a:r>
-            <a:r>
-              <a:rPr lang="en-US" sz="1800" dirty="0" smtClean="0"/>
+              <a:t> &lt;- forecast(fit, h = 5)</a:t>
+            </a:r>
+          </a:p>
+          <a:p>
+            <a:r>
+              <a:rPr lang="en-US" sz="1800" dirty="0"/>
+              <a:t>print(</a:t>
+            </a:r>
+            <a:r>
+              <a:rPr lang="en-US" sz="1800" dirty="0" err="1"/>
+              <a:t>forecast_values</a:t>
+            </a:r>
+            <a:r>
+              <a:rPr lang="en-US" sz="1800" dirty="0"/>
               <a:t>)</a:t>
             </a:r>
           </a:p>
           <a:p>
             <a:r>
-              <a:rPr lang="en-US" sz="1800" dirty="0" smtClean="0"/>
-              <a:t>print(</a:t>
-            </a:r>
-            <a:r>
-              <a:rPr lang="en-US" sz="1800" dirty="0" err="1" smtClean="0"/>
-              <a:t>forecast_values</a:t>
-            </a:r>
-            <a:r>
-              <a:rPr lang="en-US" sz="1800" dirty="0" smtClean="0"/>
-              <a:t>)</a:t>
-            </a:r>
-          </a:p>
-          <a:p>
-            <a:r>
-              <a:rPr lang="en-US" sz="1800" dirty="0" smtClean="0"/>
+              <a:rPr lang="en-US" sz="1800" dirty="0"/>
               <a:t>plot(</a:t>
             </a:r>
             <a:r>
-              <a:rPr lang="en-US" sz="1800" dirty="0" err="1" smtClean="0"/>
+              <a:rPr lang="en-US" sz="1800" dirty="0" err="1"/>
               <a:t>forecast_values</a:t>
             </a:r>
             <a:r>
@@ -17984,15 +17572,7 @@
           <a:p>
             <a:r>
               <a:rPr lang="en-US" dirty="0"/>
-              <a:t>2. Holt’s Linear Trend </a:t>
-            </a:r>
-            <a:r>
-              <a:rPr lang="en-US" dirty="0" smtClean="0"/>
-              <a:t>Model</a:t>
-            </a:r>
-            <a:r>
-              <a:rPr lang="en-US" dirty="0"/>
-              <a:t/>
+              <a:t>2. Holt’s Linear Trend Model</a:t>
             </a:r>
             <a:br>
               <a:rPr lang="en-US" dirty="0"/>
@@ -18029,20 +17609,15 @@
               <a:rPr lang="en-US" sz="2800" dirty="0"/>
               <a:t># Example time series data </a:t>
             </a:r>
-            <a:endParaRPr lang="en-US" sz="2800" dirty="0" smtClean="0"/>
-          </a:p>
-          <a:p>
-            <a:r>
-              <a:rPr lang="en-US" sz="2800" dirty="0" err="1" smtClean="0"/>
+          </a:p>
+          <a:p>
+            <a:r>
+              <a:rPr lang="en-US" sz="2800" dirty="0" err="1"/>
               <a:t>ts_data</a:t>
             </a:r>
             <a:r>
-              <a:rPr lang="en-US" sz="2800" dirty="0" smtClean="0"/>
-              <a:t> </a:t>
-            </a:r>
-            <a:r>
               <a:rPr lang="en-US" sz="2800" dirty="0"/>
-              <a:t>&lt;- </a:t>
+              <a:t> &lt;- </a:t>
             </a:r>
             <a:r>
               <a:rPr lang="en-US" sz="2800" dirty="0" err="1"/>
@@ -18052,27 +17627,17 @@
               <a:rPr lang="en-US" sz="2800" dirty="0"/>
               <a:t>(c(120, 130, 140, 150, 160, 170, 180), frequency = 1) </a:t>
             </a:r>
-            <a:endParaRPr lang="en-US" sz="2800" dirty="0" smtClean="0"/>
-          </a:p>
-          <a:p>
-            <a:r>
-              <a:rPr lang="en-US" sz="2800" dirty="0" smtClean="0"/>
-              <a:t># </a:t>
-            </a:r>
+          </a:p>
+          <a:p>
             <a:r>
               <a:rPr lang="en-US" sz="2800" dirty="0"/>
-              <a:t>Apply Holt's Linear Trend Model </a:t>
-            </a:r>
-            <a:endParaRPr lang="en-US" sz="2800" dirty="0" smtClean="0"/>
-          </a:p>
-          <a:p>
-            <a:r>
-              <a:rPr lang="en-US" sz="2800" dirty="0" smtClean="0"/>
-              <a:t>fit </a:t>
-            </a:r>
+              <a:t># Apply Holt's Linear Trend Model </a:t>
+            </a:r>
+          </a:p>
+          <a:p>
             <a:r>
               <a:rPr lang="en-US" sz="2800" dirty="0"/>
-              <a:t>&lt;- </a:t>
+              <a:t>fit &lt;- </a:t>
             </a:r>
             <a:r>
               <a:rPr lang="en-US" sz="2800" dirty="0" err="1"/>
@@ -18090,67 +17655,50 @@
               <a:rPr lang="en-US" sz="2800" dirty="0"/>
               <a:t>, model = "AAN") </a:t>
             </a:r>
-            <a:endParaRPr lang="en-US" sz="2800" dirty="0" smtClean="0"/>
-          </a:p>
-          <a:p>
-            <a:r>
-              <a:rPr lang="en-US" sz="2800" dirty="0" smtClean="0"/>
-              <a:t># </a:t>
-            </a:r>
+          </a:p>
+          <a:p>
             <a:r>
               <a:rPr lang="en-US" sz="2800" dirty="0"/>
-              <a:t>"AAN" indicates additive errors, additive trend, no seasonality summary(fit) </a:t>
-            </a:r>
-            <a:endParaRPr lang="en-US" sz="2800" dirty="0" smtClean="0"/>
-          </a:p>
-          <a:p>
-            <a:r>
-              <a:rPr lang="en-US" sz="2800" dirty="0" smtClean="0"/>
-              <a:t># </a:t>
-            </a:r>
+              <a:t># "AAN" indicates additive errors, additive trend, no seasonality summary(fit) </a:t>
+            </a:r>
+          </a:p>
+          <a:p>
             <a:r>
               <a:rPr lang="en-US" sz="2800" dirty="0"/>
-              <a:t>Forecast the next 5 periods </a:t>
-            </a:r>
-            <a:endParaRPr lang="en-US" sz="2800" dirty="0" smtClean="0"/>
-          </a:p>
-          <a:p>
-            <a:r>
-              <a:rPr lang="en-US" sz="2800" dirty="0" err="1" smtClean="0"/>
+              <a:t># Forecast the next 5 periods </a:t>
+            </a:r>
+          </a:p>
+          <a:p>
+            <a:r>
+              <a:rPr lang="en-US" sz="2800" dirty="0" err="1"/>
               <a:t>forecast_values</a:t>
             </a:r>
             <a:r>
-              <a:rPr lang="en-US" sz="2800" dirty="0" smtClean="0"/>
-              <a:t> </a:t>
-            </a:r>
-            <a:r>
               <a:rPr lang="en-US" sz="2800" dirty="0"/>
-              <a:t>&lt;- forecast(fit, h = 5) </a:t>
-            </a:r>
-            <a:endParaRPr lang="en-US" sz="2800" dirty="0" smtClean="0"/>
-          </a:p>
-          <a:p>
-            <a:r>
-              <a:rPr lang="en-US" sz="2800" dirty="0" smtClean="0"/>
+              <a:t> &lt;- forecast(fit, h = 5) </a:t>
+            </a:r>
+          </a:p>
+          <a:p>
+            <a:r>
+              <a:rPr lang="en-US" sz="2800" dirty="0"/>
               <a:t>print(</a:t>
             </a:r>
             <a:r>
-              <a:rPr lang="en-US" sz="2800" dirty="0" err="1" smtClean="0"/>
+              <a:rPr lang="en-US" sz="2800" dirty="0" err="1"/>
               <a:t>forecast_values</a:t>
             </a:r>
             <a:r>
               <a:rPr lang="en-US" sz="2800" dirty="0"/>
               <a:t>) </a:t>
             </a:r>
-            <a:endParaRPr lang="en-US" sz="2800" dirty="0" smtClean="0"/>
-          </a:p>
-          <a:p>
-            <a:r>
-              <a:rPr lang="en-US" sz="2800" dirty="0" smtClean="0"/>
+          </a:p>
+          <a:p>
+            <a:r>
+              <a:rPr lang="en-US" sz="2800" dirty="0"/>
               <a:t>plot(</a:t>
             </a:r>
             <a:r>
-              <a:rPr lang="en-US" sz="2800" dirty="0" err="1" smtClean="0"/>
+              <a:rPr lang="en-US" sz="2800" dirty="0" err="1"/>
               <a:t>forecast_values</a:t>
             </a:r>
             <a:r>
@@ -18216,11 +17764,7 @@
             </a:br>
             <a:r>
               <a:rPr lang="en-US" b="1" dirty="0"/>
-              <a:t>Additive Seasonality</a:t>
-            </a:r>
-            <a:r>
-              <a:rPr lang="en-US" b="1" dirty="0" smtClean="0"/>
-              <a:t>:</a:t>
+              <a:t>Additive Seasonality:</a:t>
             </a:r>
             <a:endParaRPr lang="en-US" dirty="0"/>
           </a:p>
@@ -18249,25 +17793,17 @@
           <a:p>
             <a:r>
               <a:rPr lang="en-US" sz="2400" dirty="0"/>
-              <a:t># Example time series data with </a:t>
-            </a:r>
-            <a:r>
-              <a:rPr lang="en-US" sz="2400" dirty="0" smtClean="0"/>
-              <a:t>seasonality</a:t>
-            </a:r>
-          </a:p>
-          <a:p>
-            <a:r>
-              <a:rPr lang="en-US" sz="2400" dirty="0" err="1" smtClean="0"/>
+              <a:t># Example time series data with seasonality</a:t>
+            </a:r>
+          </a:p>
+          <a:p>
+            <a:r>
+              <a:rPr lang="en-US" sz="2400" dirty="0" err="1"/>
               <a:t>ts_data</a:t>
             </a:r>
             <a:r>
-              <a:rPr lang="en-US" sz="2400" dirty="0" smtClean="0"/>
-              <a:t> </a:t>
-            </a:r>
-            <a:r>
               <a:rPr lang="en-US" sz="2400" dirty="0"/>
-              <a:t>&lt;- </a:t>
+              <a:t> &lt;- </a:t>
             </a:r>
             <a:r>
               <a:rPr lang="en-US" sz="2400" dirty="0" err="1"/>
@@ -18275,35 +17811,19 @@
             </a:r>
             <a:r>
               <a:rPr lang="en-US" sz="2400" dirty="0"/>
-              <a:t>(c(120, 130, 140, 150, 160, 170, 180, 190, 200, 210, 220, 230,                  240, 250, 260, 270, 280, 290, 300, 310, 320, 330, 340, 350),                frequency = 12</a:t>
-            </a:r>
-            <a:r>
-              <a:rPr lang="en-US" sz="2400" dirty="0" smtClean="0"/>
-              <a:t>)</a:t>
-            </a:r>
-          </a:p>
-          <a:p>
-            <a:r>
-              <a:rPr lang="en-US" sz="2400" dirty="0" smtClean="0"/>
-              <a:t># </a:t>
-            </a:r>
+              <a:t>(c(120, 130, 140, 150, 160, 170, 180, 190, 200, 210, 220, 230,                  240, 250, 260, 270, 280, 290, 300, 310, 320, 330, 340, 350),                frequency = 12)</a:t>
+            </a:r>
+          </a:p>
+          <a:p>
             <a:r>
               <a:rPr lang="en-US" sz="2400" dirty="0"/>
-              <a:t>Apply Holt-Winters Seasonal Model with additive </a:t>
-            </a:r>
-            <a:r>
-              <a:rPr lang="en-US" sz="2400" dirty="0" smtClean="0"/>
-              <a:t>seasonality</a:t>
-            </a:r>
-          </a:p>
-          <a:p>
-            <a:r>
-              <a:rPr lang="en-US" sz="2400" dirty="0" smtClean="0"/>
-              <a:t>fit </a:t>
-            </a:r>
+              <a:t># Apply Holt-Winters Seasonal Model with additive seasonality</a:t>
+            </a:r>
+          </a:p>
+          <a:p>
             <a:r>
               <a:rPr lang="en-US" sz="2400" dirty="0"/>
-              <a:t>&lt;- </a:t>
+              <a:t>fit &lt;- </a:t>
             </a:r>
             <a:r>
               <a:rPr lang="en-US" sz="2400" dirty="0" err="1"/>
@@ -18321,81 +17841,56 @@
               <a:rPr lang="en-US" sz="2400" dirty="0"/>
               <a:t>, model = "AAA")  </a:t>
             </a:r>
-            <a:endParaRPr lang="en-US" sz="2400" dirty="0" smtClean="0"/>
-          </a:p>
-          <a:p>
-            <a:r>
-              <a:rPr lang="en-US" sz="2400" dirty="0" smtClean="0"/>
-              <a:t># </a:t>
-            </a:r>
+          </a:p>
+          <a:p>
             <a:r>
               <a:rPr lang="en-US" sz="2400" dirty="0"/>
-              <a:t>"AAA" indicates additive errors, additive trend, additive </a:t>
-            </a:r>
-            <a:r>
-              <a:rPr lang="en-US" sz="2400" dirty="0" smtClean="0"/>
-              <a:t>seasonality</a:t>
-            </a:r>
-          </a:p>
-          <a:p>
-            <a:r>
-              <a:rPr lang="en-US" sz="2400" dirty="0" smtClean="0"/>
+              <a:t># "AAA" indicates additive errors, additive trend, additive seasonality</a:t>
+            </a:r>
+          </a:p>
+          <a:p>
+            <a:r>
+              <a:rPr lang="en-US" sz="2400" dirty="0"/>
               <a:t>summary(fit)</a:t>
             </a:r>
           </a:p>
           <a:p>
             <a:r>
-              <a:rPr lang="en-US" sz="2400" dirty="0" smtClean="0"/>
-              <a:t># </a:t>
-            </a:r>
-            <a:r>
               <a:rPr lang="en-US" sz="2400" dirty="0"/>
-              <a:t>Forecast the next 12 </a:t>
-            </a:r>
-            <a:r>
-              <a:rPr lang="en-US" sz="2400" dirty="0" smtClean="0"/>
-              <a:t>periods</a:t>
-            </a:r>
-          </a:p>
-          <a:p>
-            <a:r>
-              <a:rPr lang="en-US" sz="2400" dirty="0" err="1" smtClean="0"/>
+              <a:t># Forecast the next 12 periods</a:t>
+            </a:r>
+          </a:p>
+          <a:p>
+            <a:r>
+              <a:rPr lang="en-US" sz="2400" dirty="0" err="1"/>
               <a:t>forecast_values</a:t>
             </a:r>
             <a:r>
-              <a:rPr lang="en-US" sz="2400" dirty="0" smtClean="0"/>
-              <a:t> </a:t>
-            </a:r>
-            <a:r>
               <a:rPr lang="en-US" sz="2400" dirty="0"/>
-              <a:t>&lt;- forecast(fit, h = 12</a:t>
-            </a:r>
-            <a:r>
-              <a:rPr lang="en-US" sz="2400" dirty="0" smtClean="0"/>
+              <a:t> &lt;- forecast(fit, h = 12)</a:t>
+            </a:r>
+          </a:p>
+          <a:p>
+            <a:r>
+              <a:rPr lang="en-US" sz="2400" dirty="0"/>
+              <a:t>print(</a:t>
+            </a:r>
+            <a:r>
+              <a:rPr lang="en-US" sz="2400" dirty="0" err="1"/>
+              <a:t>forecast_values</a:t>
+            </a:r>
+            <a:r>
+              <a:rPr lang="en-US" sz="2400" dirty="0"/>
               <a:t>)</a:t>
             </a:r>
           </a:p>
           <a:p>
             <a:r>
-              <a:rPr lang="en-US" sz="2400" dirty="0" smtClean="0"/>
-              <a:t>print(</a:t>
-            </a:r>
-            <a:r>
-              <a:rPr lang="en-US" sz="2400" dirty="0" err="1" smtClean="0"/>
-              <a:t>forecast_values</a:t>
-            </a:r>
-            <a:r>
-              <a:rPr lang="en-US" sz="2400" dirty="0" smtClean="0"/>
-              <a:t>)</a:t>
-            </a:r>
-          </a:p>
-          <a:p>
-            <a:r>
-              <a:rPr lang="en-US" sz="2400" dirty="0" smtClean="0"/>
+              <a:rPr lang="en-US" sz="2400" dirty="0"/>
               <a:t>plot(</a:t>
             </a:r>
             <a:r>
-              <a:rPr lang="en-US" sz="2400" dirty="0" err="1" smtClean="0"/>
+              <a:rPr lang="en-US" sz="2400" dirty="0" err="1"/>
               <a:t>forecast_values</a:t>
             </a:r>
             <a:r>
@@ -18480,21 +17975,13 @@
           <a:p>
             <a:r>
               <a:rPr lang="en-US" sz="2400" dirty="0"/>
-              <a:t># Apply Holt-Winters Seasonal Model with multiplicative </a:t>
-            </a:r>
-            <a:r>
-              <a:rPr lang="en-US" sz="2400" dirty="0" smtClean="0"/>
-              <a:t>seasonality</a:t>
-            </a:r>
-          </a:p>
-          <a:p>
-            <a:r>
-              <a:rPr lang="en-US" sz="2400" dirty="0" smtClean="0"/>
-              <a:t>fit </a:t>
-            </a:r>
+              <a:t># Apply Holt-Winters Seasonal Model with multiplicative seasonality</a:t>
+            </a:r>
+          </a:p>
+          <a:p>
             <a:r>
               <a:rPr lang="en-US" sz="2400" dirty="0"/>
-              <a:t>&lt;- </a:t>
+              <a:t>fit &lt;- </a:t>
             </a:r>
             <a:r>
               <a:rPr lang="en-US" sz="2400" dirty="0" err="1"/>
@@ -18512,81 +17999,56 @@
               <a:rPr lang="en-US" sz="2400" dirty="0"/>
               <a:t>, model = "MAM")  </a:t>
             </a:r>
-            <a:endParaRPr lang="en-US" sz="2400" dirty="0" smtClean="0"/>
-          </a:p>
-          <a:p>
-            <a:r>
-              <a:rPr lang="en-US" sz="2400" dirty="0" smtClean="0"/>
-              <a:t># </a:t>
-            </a:r>
+          </a:p>
+          <a:p>
             <a:r>
               <a:rPr lang="en-US" sz="2400" dirty="0"/>
-              <a:t>"MAM" indicates multiplicative errors, additive trend, multiplicative </a:t>
-            </a:r>
-            <a:r>
-              <a:rPr lang="en-US" sz="2400" dirty="0" smtClean="0"/>
-              <a:t>seasonality</a:t>
-            </a:r>
-          </a:p>
-          <a:p>
-            <a:r>
-              <a:rPr lang="en-US" sz="2400" dirty="0" smtClean="0"/>
+              <a:t># "MAM" indicates multiplicative errors, additive trend, multiplicative seasonality</a:t>
+            </a:r>
+          </a:p>
+          <a:p>
+            <a:r>
+              <a:rPr lang="en-US" sz="2400" dirty="0"/>
               <a:t>summary(fit)</a:t>
             </a:r>
           </a:p>
           <a:p>
             <a:r>
-              <a:rPr lang="en-US" sz="2400" dirty="0" smtClean="0"/>
-              <a:t># </a:t>
-            </a:r>
-            <a:r>
               <a:rPr lang="en-US" sz="2400" dirty="0"/>
-              <a:t>Forecast the next 12 </a:t>
-            </a:r>
-            <a:r>
-              <a:rPr lang="en-US" sz="2400" dirty="0" smtClean="0"/>
-              <a:t>periods</a:t>
-            </a:r>
-          </a:p>
-          <a:p>
-            <a:r>
-              <a:rPr lang="en-US" sz="2400" dirty="0" err="1" smtClean="0"/>
+              <a:t># Forecast the next 12 periods</a:t>
+            </a:r>
+          </a:p>
+          <a:p>
+            <a:r>
+              <a:rPr lang="en-US" sz="2400" dirty="0" err="1"/>
               <a:t>forecast_values</a:t>
             </a:r>
             <a:r>
-              <a:rPr lang="en-US" sz="2400" dirty="0" smtClean="0"/>
-              <a:t> </a:t>
-            </a:r>
-            <a:r>
               <a:rPr lang="en-US" sz="2400" dirty="0"/>
-              <a:t>&lt;- forecast(fit, h = 12</a:t>
-            </a:r>
-            <a:r>
-              <a:rPr lang="en-US" sz="2400" dirty="0" smtClean="0"/>
+              <a:t> &lt;- forecast(fit, h = 12)</a:t>
+            </a:r>
+          </a:p>
+          <a:p>
+            <a:r>
+              <a:rPr lang="en-US" sz="2400" dirty="0"/>
+              <a:t>print(</a:t>
+            </a:r>
+            <a:r>
+              <a:rPr lang="en-US" sz="2400" dirty="0" err="1"/>
+              <a:t>forecast_values</a:t>
+            </a:r>
+            <a:r>
+              <a:rPr lang="en-US" sz="2400" dirty="0"/>
               <a:t>)</a:t>
             </a:r>
           </a:p>
           <a:p>
             <a:r>
-              <a:rPr lang="en-US" sz="2400" dirty="0" smtClean="0"/>
-              <a:t>print(</a:t>
-            </a:r>
-            <a:r>
-              <a:rPr lang="en-US" sz="2400" dirty="0" err="1" smtClean="0"/>
-              <a:t>forecast_values</a:t>
-            </a:r>
-            <a:r>
-              <a:rPr lang="en-US" sz="2400" dirty="0" smtClean="0"/>
-              <a:t>)</a:t>
-            </a:r>
-          </a:p>
-          <a:p>
-            <a:r>
-              <a:rPr lang="en-US" sz="2400" dirty="0" smtClean="0"/>
+              <a:rPr lang="en-US" sz="2400" dirty="0"/>
               <a:t>plot(</a:t>
             </a:r>
             <a:r>
-              <a:rPr lang="en-US" sz="2400" dirty="0" err="1" smtClean="0"/>
+              <a:rPr lang="en-US" sz="2400" dirty="0" err="1"/>
               <a:t>forecast_values</a:t>
             </a:r>
             <a:r>
@@ -18651,12 +18113,8 @@
               <a:rPr lang="en-US" dirty="0"/>
             </a:br>
             <a:r>
-              <a:rPr lang="en-US" dirty="0" smtClean="0"/>
-              <a:t>Simple </a:t>
-            </a:r>
-            <a:r>
-              <a:rPr lang="en-US" dirty="0"/>
-              <a:t>Exponential Smoothing:</a:t>
+              <a:rPr lang="en-US" dirty="0"/>
+              <a:t>Simple Exponential Smoothing:</a:t>
             </a:r>
           </a:p>
         </p:txBody>
@@ -18684,59 +18142,39 @@
           <a:p>
             <a:r>
               <a:rPr lang="en-US" sz="2400" dirty="0"/>
-              <a:t># Install and load the smooth package if you haven't </a:t>
-            </a:r>
-            <a:r>
-              <a:rPr lang="en-US" sz="2400" dirty="0" smtClean="0"/>
-              <a:t>already</a:t>
-            </a:r>
-          </a:p>
-          <a:p>
-            <a:r>
-              <a:rPr lang="en-US" sz="2400" dirty="0" err="1" smtClean="0"/>
+              <a:t># Install and load the smooth package if you haven't already</a:t>
+            </a:r>
+          </a:p>
+          <a:p>
+            <a:r>
+              <a:rPr lang="en-US" sz="2400" dirty="0" err="1"/>
               <a:t>install.packages</a:t>
             </a:r>
             <a:r>
               <a:rPr lang="en-US" sz="2400" dirty="0"/>
-              <a:t>("smooth</a:t>
-            </a:r>
-            <a:r>
-              <a:rPr lang="en-US" sz="2400" dirty="0" smtClean="0"/>
-              <a:t>")</a:t>
-            </a:r>
-          </a:p>
-          <a:p>
-            <a:r>
-              <a:rPr lang="en-US" sz="2400" dirty="0" smtClean="0"/>
+              <a:t>("smooth")</a:t>
+            </a:r>
+          </a:p>
+          <a:p>
+            <a:r>
+              <a:rPr lang="en-US" sz="2400" dirty="0"/>
               <a:t>library(smooth)</a:t>
             </a:r>
           </a:p>
           <a:p>
             <a:r>
-              <a:rPr lang="en-US" sz="2400" dirty="0" smtClean="0"/>
-              <a:t># </a:t>
-            </a:r>
-            <a:r>
               <a:rPr lang="en-US" sz="2400" dirty="0"/>
-              <a:t>Example time series </a:t>
-            </a:r>
-            <a:r>
-              <a:rPr lang="en-US" sz="2400" dirty="0" smtClean="0"/>
-              <a:t>data</a:t>
-            </a:r>
-          </a:p>
-          <a:p>
-            <a:r>
-              <a:rPr lang="en-US" sz="2400" dirty="0" err="1" smtClean="0"/>
+              <a:t># Example time series data</a:t>
+            </a:r>
+          </a:p>
+          <a:p>
+            <a:r>
+              <a:rPr lang="en-US" sz="2400" dirty="0" err="1"/>
               <a:t>ts_data</a:t>
             </a:r>
             <a:r>
-              <a:rPr lang="en-US" sz="2400" dirty="0" smtClean="0"/>
-              <a:t> </a:t>
-            </a:r>
-            <a:r>
               <a:rPr lang="en-US" sz="2400" dirty="0"/>
-              <a:t>&lt;- </a:t>
+              <a:t> &lt;- </a:t>
             </a:r>
             <a:r>
               <a:rPr lang="en-US" sz="2400" dirty="0" err="1"/>
@@ -18744,35 +18182,19 @@
             </a:r>
             <a:r>
               <a:rPr lang="en-US" sz="2400" dirty="0"/>
-              <a:t>(c(120, 130, 140, 150, 160, 170, 180), frequency = 1</a:t>
-            </a:r>
-            <a:r>
-              <a:rPr lang="en-US" sz="2400" dirty="0" smtClean="0"/>
-              <a:t>)</a:t>
-            </a:r>
-          </a:p>
-          <a:p>
-            <a:r>
-              <a:rPr lang="en-US" sz="2400" dirty="0" smtClean="0"/>
-              <a:t># </a:t>
-            </a:r>
+              <a:t>(c(120, 130, 140, 150, 160, 170, 180), frequency = 1)</a:t>
+            </a:r>
+          </a:p>
+          <a:p>
             <a:r>
               <a:rPr lang="en-US" sz="2400" dirty="0"/>
-              <a:t>Apply Simple Exponential </a:t>
-            </a:r>
-            <a:r>
-              <a:rPr lang="en-US" sz="2400" dirty="0" smtClean="0"/>
-              <a:t>Smoothing</a:t>
-            </a:r>
-          </a:p>
-          <a:p>
-            <a:r>
-              <a:rPr lang="en-US" sz="2400" dirty="0" smtClean="0"/>
-              <a:t>fit </a:t>
-            </a:r>
+              <a:t># Apply Simple Exponential Smoothing</a:t>
+            </a:r>
+          </a:p>
+          <a:p>
             <a:r>
               <a:rPr lang="en-US" sz="2400" dirty="0"/>
-              <a:t>&lt;- </a:t>
+              <a:t>fit &lt;- </a:t>
             </a:r>
             <a:r>
               <a:rPr lang="en-US" sz="2400" dirty="0" err="1"/>
@@ -18790,81 +18212,56 @@
               <a:rPr lang="en-US" sz="2400" dirty="0"/>
               <a:t>, model = "ANN")  </a:t>
             </a:r>
-            <a:endParaRPr lang="en-US" sz="2400" dirty="0" smtClean="0"/>
-          </a:p>
-          <a:p>
-            <a:r>
-              <a:rPr lang="en-US" sz="2400" dirty="0" smtClean="0"/>
-              <a:t># </a:t>
-            </a:r>
+          </a:p>
+          <a:p>
             <a:r>
               <a:rPr lang="en-US" sz="2400" dirty="0"/>
-              <a:t>"ANN" indicates additive errors, no trend, no </a:t>
-            </a:r>
-            <a:r>
-              <a:rPr lang="en-US" sz="2400" dirty="0" smtClean="0"/>
-              <a:t>seasonality</a:t>
-            </a:r>
-          </a:p>
-          <a:p>
-            <a:r>
-              <a:rPr lang="en-US" sz="2400" dirty="0" smtClean="0"/>
+              <a:t># "ANN" indicates additive errors, no trend, no seasonality</a:t>
+            </a:r>
+          </a:p>
+          <a:p>
+            <a:r>
+              <a:rPr lang="en-US" sz="2400" dirty="0"/>
               <a:t>summary(fit)</a:t>
             </a:r>
           </a:p>
           <a:p>
             <a:r>
-              <a:rPr lang="en-US" sz="2400" dirty="0" smtClean="0"/>
-              <a:t># </a:t>
-            </a:r>
-            <a:r>
               <a:rPr lang="en-US" sz="2400" dirty="0"/>
-              <a:t>Forecast the next 5 </a:t>
-            </a:r>
-            <a:r>
-              <a:rPr lang="en-US" sz="2400" dirty="0" smtClean="0"/>
-              <a:t>periods</a:t>
-            </a:r>
-          </a:p>
-          <a:p>
-            <a:r>
-              <a:rPr lang="en-US" sz="2400" dirty="0" err="1" smtClean="0"/>
+              <a:t># Forecast the next 5 periods</a:t>
+            </a:r>
+          </a:p>
+          <a:p>
+            <a:r>
+              <a:rPr lang="en-US" sz="2400" dirty="0" err="1"/>
               <a:t>forecast_values</a:t>
             </a:r>
             <a:r>
-              <a:rPr lang="en-US" sz="2400" dirty="0" smtClean="0"/>
-              <a:t> </a:t>
-            </a:r>
-            <a:r>
               <a:rPr lang="en-US" sz="2400" dirty="0"/>
-              <a:t>&lt;- forecast(fit, h = 5</a:t>
-            </a:r>
-            <a:r>
-              <a:rPr lang="en-US" sz="2400" dirty="0" smtClean="0"/>
+              <a:t> &lt;- forecast(fit, h = 5)</a:t>
+            </a:r>
+          </a:p>
+          <a:p>
+            <a:r>
+              <a:rPr lang="en-US" sz="2400" dirty="0"/>
+              <a:t>print(</a:t>
+            </a:r>
+            <a:r>
+              <a:rPr lang="en-US" sz="2400" dirty="0" err="1"/>
+              <a:t>forecast_values</a:t>
+            </a:r>
+            <a:r>
+              <a:rPr lang="en-US" sz="2400" dirty="0"/>
               <a:t>)</a:t>
             </a:r>
           </a:p>
           <a:p>
             <a:r>
-              <a:rPr lang="en-US" sz="2400" dirty="0" smtClean="0"/>
-              <a:t>print(</a:t>
-            </a:r>
-            <a:r>
-              <a:rPr lang="en-US" sz="2400" dirty="0" err="1" smtClean="0"/>
-              <a:t>forecast_values</a:t>
-            </a:r>
-            <a:r>
-              <a:rPr lang="en-US" sz="2400" dirty="0" smtClean="0"/>
-              <a:t>)</a:t>
-            </a:r>
-          </a:p>
-          <a:p>
-            <a:r>
-              <a:rPr lang="en-US" sz="2400" dirty="0" smtClean="0"/>
+              <a:rPr lang="en-US" sz="2400" dirty="0"/>
               <a:t>plot(</a:t>
             </a:r>
             <a:r>
-              <a:rPr lang="en-US" sz="2400" dirty="0" err="1" smtClean="0"/>
+              <a:rPr lang="en-US" sz="2400" dirty="0" err="1"/>
               <a:t>forecast_values</a:t>
             </a:r>
             <a:r>
@@ -18949,21 +18346,13 @@
           <a:p>
             <a:r>
               <a:rPr lang="en-US" sz="2400" dirty="0"/>
-              <a:t># Apply Holt's Linear Trend </a:t>
-            </a:r>
-            <a:r>
-              <a:rPr lang="en-US" sz="2400" dirty="0" smtClean="0"/>
-              <a:t>Model</a:t>
-            </a:r>
-          </a:p>
-          <a:p>
-            <a:r>
-              <a:rPr lang="en-US" sz="2400" dirty="0" smtClean="0"/>
-              <a:t>fit </a:t>
-            </a:r>
+              <a:t># Apply Holt's Linear Trend Model</a:t>
+            </a:r>
+          </a:p>
+          <a:p>
             <a:r>
               <a:rPr lang="en-US" sz="2400" dirty="0"/>
-              <a:t>&lt;- </a:t>
+              <a:t>fit &lt;- </a:t>
             </a:r>
             <a:r>
               <a:rPr lang="en-US" sz="2400" dirty="0" err="1"/>
@@ -18981,81 +18370,56 @@
               <a:rPr lang="en-US" sz="2400" dirty="0"/>
               <a:t>, model = "AAN") </a:t>
             </a:r>
-            <a:endParaRPr lang="en-US" sz="2400" dirty="0" smtClean="0"/>
-          </a:p>
-          <a:p>
-            <a:r>
-              <a:rPr lang="en-US" sz="2400" dirty="0" smtClean="0"/>
-              <a:t># </a:t>
-            </a:r>
+          </a:p>
+          <a:p>
             <a:r>
               <a:rPr lang="en-US" sz="2400" dirty="0"/>
-              <a:t>"AAN" indicates additive errors, additive trend, no </a:t>
-            </a:r>
-            <a:r>
-              <a:rPr lang="en-US" sz="2400" dirty="0" smtClean="0"/>
-              <a:t>seasonality</a:t>
-            </a:r>
-          </a:p>
-          <a:p>
-            <a:r>
-              <a:rPr lang="en-US" sz="2400" dirty="0" smtClean="0"/>
+              <a:t># "AAN" indicates additive errors, additive trend, no seasonality</a:t>
+            </a:r>
+          </a:p>
+          <a:p>
+            <a:r>
+              <a:rPr lang="en-US" sz="2400" dirty="0"/>
               <a:t>summary(fit)</a:t>
             </a:r>
           </a:p>
           <a:p>
             <a:r>
-              <a:rPr lang="en-US" sz="2400" dirty="0" smtClean="0"/>
-              <a:t># </a:t>
-            </a:r>
-            <a:r>
               <a:rPr lang="en-US" sz="2400" dirty="0"/>
-              <a:t>Forecast the next 5 </a:t>
-            </a:r>
-            <a:r>
-              <a:rPr lang="en-US" sz="2400" dirty="0" smtClean="0"/>
-              <a:t>periods</a:t>
-            </a:r>
-          </a:p>
-          <a:p>
-            <a:r>
-              <a:rPr lang="en-US" sz="2400" dirty="0" err="1" smtClean="0"/>
+              <a:t># Forecast the next 5 periods</a:t>
+            </a:r>
+          </a:p>
+          <a:p>
+            <a:r>
+              <a:rPr lang="en-US" sz="2400" dirty="0" err="1"/>
               <a:t>forecast_values</a:t>
             </a:r>
             <a:r>
-              <a:rPr lang="en-US" sz="2400" dirty="0" smtClean="0"/>
-              <a:t> </a:t>
-            </a:r>
-            <a:r>
               <a:rPr lang="en-US" sz="2400" dirty="0"/>
-              <a:t>&lt;- forecast(fit, h = 5</a:t>
-            </a:r>
-            <a:r>
-              <a:rPr lang="en-US" sz="2400" dirty="0" smtClean="0"/>
+              <a:t> &lt;- forecast(fit, h = 5)</a:t>
+            </a:r>
+          </a:p>
+          <a:p>
+            <a:r>
+              <a:rPr lang="en-US" sz="2400" dirty="0"/>
+              <a:t>print(</a:t>
+            </a:r>
+            <a:r>
+              <a:rPr lang="en-US" sz="2400" dirty="0" err="1"/>
+              <a:t>forecast_values</a:t>
+            </a:r>
+            <a:r>
+              <a:rPr lang="en-US" sz="2400" dirty="0"/>
               <a:t>)</a:t>
             </a:r>
           </a:p>
           <a:p>
             <a:r>
-              <a:rPr lang="en-US" sz="2400" dirty="0" smtClean="0"/>
-              <a:t>print(</a:t>
-            </a:r>
-            <a:r>
-              <a:rPr lang="en-US" sz="2400" dirty="0" err="1" smtClean="0"/>
-              <a:t>forecast_values</a:t>
-            </a:r>
-            <a:r>
-              <a:rPr lang="en-US" sz="2400" dirty="0" smtClean="0"/>
-              <a:t>)</a:t>
-            </a:r>
-          </a:p>
-          <a:p>
-            <a:r>
-              <a:rPr lang="en-US" sz="2400" dirty="0" smtClean="0"/>
+              <a:rPr lang="en-US" sz="2400" dirty="0"/>
               <a:t>plot(</a:t>
             </a:r>
             <a:r>
-              <a:rPr lang="en-US" sz="2400" dirty="0" err="1" smtClean="0"/>
+              <a:rPr lang="en-US" sz="2400" dirty="0" err="1"/>
               <a:t>forecast_values</a:t>
             </a:r>
             <a:r>
@@ -19140,25 +18504,17 @@
           <a:p>
             <a:r>
               <a:rPr lang="en-US" sz="2400" dirty="0"/>
-              <a:t># Example time series data with </a:t>
-            </a:r>
-            <a:r>
-              <a:rPr lang="en-US" sz="2400" dirty="0" smtClean="0"/>
-              <a:t>seasonality</a:t>
-            </a:r>
-          </a:p>
-          <a:p>
-            <a:r>
-              <a:rPr lang="en-US" sz="2400" dirty="0" err="1" smtClean="0"/>
+              <a:t># Example time series data with seasonality</a:t>
+            </a:r>
+          </a:p>
+          <a:p>
+            <a:r>
+              <a:rPr lang="en-US" sz="2400" dirty="0" err="1"/>
               <a:t>ts_data</a:t>
             </a:r>
             <a:r>
-              <a:rPr lang="en-US" sz="2400" dirty="0" smtClean="0"/>
-              <a:t> </a:t>
-            </a:r>
-            <a:r>
               <a:rPr lang="en-US" sz="2400" dirty="0"/>
-              <a:t>&lt;- </a:t>
+              <a:t> &lt;- </a:t>
             </a:r>
             <a:r>
               <a:rPr lang="en-US" sz="2400" dirty="0" err="1"/>
@@ -19166,35 +18522,19 @@
             </a:r>
             <a:r>
               <a:rPr lang="en-US" sz="2400" dirty="0"/>
-              <a:t>(c(120, 130, 140, 150, 160, 170, 180, 190, 200, 210, 220, 230,                  240, 250, 260, 270, 280, 290, 300, 310, 320, 330, 340, 350),                frequency = 12</a:t>
-            </a:r>
-            <a:r>
-              <a:rPr lang="en-US" sz="2400" dirty="0" smtClean="0"/>
-              <a:t>)</a:t>
-            </a:r>
-          </a:p>
-          <a:p>
-            <a:r>
-              <a:rPr lang="en-US" sz="2400" dirty="0" smtClean="0"/>
-              <a:t># </a:t>
-            </a:r>
+              <a:t>(c(120, 130, 140, 150, 160, 170, 180, 190, 200, 210, 220, 230,                  240, 250, 260, 270, 280, 290, 300, 310, 320, 330, 340, 350),                frequency = 12)</a:t>
+            </a:r>
+          </a:p>
+          <a:p>
             <a:r>
               <a:rPr lang="en-US" sz="2400" dirty="0"/>
-              <a:t>Apply Holt-Winters Seasonal Model with additive </a:t>
-            </a:r>
-            <a:r>
-              <a:rPr lang="en-US" sz="2400" dirty="0" smtClean="0"/>
-              <a:t>seasonality</a:t>
-            </a:r>
-          </a:p>
-          <a:p>
-            <a:r>
-              <a:rPr lang="en-US" sz="2400" dirty="0" smtClean="0"/>
-              <a:t>fit </a:t>
-            </a:r>
+              <a:t># Apply Holt-Winters Seasonal Model with additive seasonality</a:t>
+            </a:r>
+          </a:p>
+          <a:p>
             <a:r>
               <a:rPr lang="en-US" sz="2400" dirty="0"/>
-              <a:t>&lt;- </a:t>
+              <a:t>fit &lt;- </a:t>
             </a:r>
             <a:r>
               <a:rPr lang="en-US" sz="2400" dirty="0" err="1"/>
@@ -19212,81 +18552,56 @@
               <a:rPr lang="en-US" sz="2400" dirty="0"/>
               <a:t>, model = "AAA")  </a:t>
             </a:r>
-            <a:endParaRPr lang="en-US" sz="2400" dirty="0" smtClean="0"/>
-          </a:p>
-          <a:p>
-            <a:r>
-              <a:rPr lang="en-US" sz="2400" dirty="0" smtClean="0"/>
-              <a:t># </a:t>
-            </a:r>
+          </a:p>
+          <a:p>
             <a:r>
               <a:rPr lang="en-US" sz="2400" dirty="0"/>
-              <a:t>"AAA" indicates additive errors, additive trend, additive </a:t>
-            </a:r>
-            <a:r>
-              <a:rPr lang="en-US" sz="2400" dirty="0" smtClean="0"/>
-              <a:t>seasonality</a:t>
-            </a:r>
-          </a:p>
-          <a:p>
-            <a:r>
-              <a:rPr lang="en-US" sz="2400" dirty="0" smtClean="0"/>
+              <a:t># "AAA" indicates additive errors, additive trend, additive seasonality</a:t>
+            </a:r>
+          </a:p>
+          <a:p>
+            <a:r>
+              <a:rPr lang="en-US" sz="2400" dirty="0"/>
               <a:t>summary(fit)</a:t>
             </a:r>
           </a:p>
           <a:p>
             <a:r>
-              <a:rPr lang="en-US" sz="2400" dirty="0" smtClean="0"/>
-              <a:t># </a:t>
-            </a:r>
-            <a:r>
               <a:rPr lang="en-US" sz="2400" dirty="0"/>
-              <a:t>Forecast the next 12 </a:t>
-            </a:r>
-            <a:r>
-              <a:rPr lang="en-US" sz="2400" dirty="0" smtClean="0"/>
-              <a:t>periods</a:t>
-            </a:r>
-          </a:p>
-          <a:p>
-            <a:r>
-              <a:rPr lang="en-US" sz="2400" dirty="0" err="1" smtClean="0"/>
+              <a:t># Forecast the next 12 periods</a:t>
+            </a:r>
+          </a:p>
+          <a:p>
+            <a:r>
+              <a:rPr lang="en-US" sz="2400" dirty="0" err="1"/>
               <a:t>forecast_values</a:t>
             </a:r>
             <a:r>
-              <a:rPr lang="en-US" sz="2400" dirty="0" smtClean="0"/>
-              <a:t> </a:t>
-            </a:r>
-            <a:r>
               <a:rPr lang="en-US" sz="2400" dirty="0"/>
-              <a:t>&lt;- forecast(fit, h = 12</a:t>
-            </a:r>
-            <a:r>
-              <a:rPr lang="en-US" sz="2400" dirty="0" smtClean="0"/>
+              <a:t> &lt;- forecast(fit, h = 12)</a:t>
+            </a:r>
+          </a:p>
+          <a:p>
+            <a:r>
+              <a:rPr lang="en-US" sz="2400" dirty="0"/>
+              <a:t>print(</a:t>
+            </a:r>
+            <a:r>
+              <a:rPr lang="en-US" sz="2400" dirty="0" err="1"/>
+              <a:t>forecast_values</a:t>
+            </a:r>
+            <a:r>
+              <a:rPr lang="en-US" sz="2400" dirty="0"/>
               <a:t>)</a:t>
             </a:r>
           </a:p>
           <a:p>
             <a:r>
-              <a:rPr lang="en-US" sz="2400" dirty="0" smtClean="0"/>
-              <a:t>print(</a:t>
-            </a:r>
-            <a:r>
-              <a:rPr lang="en-US" sz="2400" dirty="0" err="1" smtClean="0"/>
-              <a:t>forecast_values</a:t>
-            </a:r>
-            <a:r>
-              <a:rPr lang="en-US" sz="2400" dirty="0" smtClean="0"/>
-              <a:t>)</a:t>
-            </a:r>
-          </a:p>
-          <a:p>
-            <a:r>
-              <a:rPr lang="en-US" sz="2400" dirty="0" smtClean="0"/>
+              <a:rPr lang="en-US" sz="2400" dirty="0"/>
               <a:t>plot(</a:t>
             </a:r>
             <a:r>
-              <a:rPr lang="en-US" sz="2400" dirty="0" err="1" smtClean="0"/>
+              <a:rPr lang="en-US" sz="2400" dirty="0" err="1"/>
               <a:t>forecast_values</a:t>
             </a:r>
             <a:r>
@@ -19343,13 +18658,8 @@
           <a:p>
             <a:r>
               <a:rPr lang="en-US" dirty="0"/>
-              <a:t>Summary of Key </a:t>
-            </a:r>
-            <a:r>
-              <a:rPr lang="en-US" dirty="0" smtClean="0"/>
-              <a:t>Functions</a:t>
-            </a:r>
-            <a:endParaRPr lang="en-US" dirty="0"/>
+              <a:t>Summary of Key Functions</a:t>
+            </a:r>
           </a:p>
         </p:txBody>
       </p:sp>
@@ -19369,7 +18679,7 @@
           <a:lstStyle/>
           <a:p>
             <a:r>
-              <a:rPr lang="en-US" dirty="0" err="1" smtClean="0"/>
+              <a:rPr lang="en-US" dirty="0" err="1"/>
               <a:t>ets</a:t>
             </a:r>
             <a:r>
@@ -19379,17 +18689,13 @@
           </a:p>
           <a:p>
             <a:r>
-              <a:rPr lang="en-US" dirty="0" smtClean="0"/>
-              <a:t>forecast</a:t>
-            </a:r>
-            <a:r>
-              <a:rPr lang="en-US" dirty="0"/>
-              <a:t>() from the forecast package: Produce forecasts from a fitted model.</a:t>
-            </a:r>
-          </a:p>
-          <a:p>
-            <a:r>
-              <a:rPr lang="en-US" dirty="0" err="1" smtClean="0"/>
+              <a:rPr lang="en-US" dirty="0"/>
+              <a:t>forecast() from the forecast package: Produce forecasts from a fitted model.</a:t>
+            </a:r>
+          </a:p>
+          <a:p>
+            <a:r>
+              <a:rPr lang="en-US" dirty="0" err="1"/>
               <a:t>es</a:t>
             </a:r>
             <a:r>
@@ -19399,12 +18705,8 @@
           </a:p>
           <a:p>
             <a:r>
-              <a:rPr lang="en-US" dirty="0" smtClean="0"/>
-              <a:t>plot</a:t>
-            </a:r>
-            <a:r>
-              <a:rPr lang="en-US" dirty="0"/>
-              <a:t>(): Visualize time series and forecasts.</a:t>
+              <a:rPr lang="en-US" dirty="0"/>
+              <a:t>plot(): Visualize time series and forecasts.</a:t>
             </a:r>
           </a:p>
         </p:txBody>
@@ -19455,7 +18757,7 @@
           <a:lstStyle/>
           <a:p>
             <a:r>
-              <a:rPr lang="en-US" b="1" dirty="0" smtClean="0"/>
+              <a:rPr lang="en-US" b="1" dirty="0"/>
               <a:t>2. Holt’s linear exponential smoothing</a:t>
             </a:r>
             <a:endParaRPr lang="en-US" dirty="0"/>
@@ -19485,12 +18787,8 @@
           <a:lstStyle/>
           <a:p>
             <a:r>
-              <a:rPr lang="en-US" dirty="0" smtClean="0"/>
-              <a:t>Holt’s </a:t>
-            </a:r>
-            <a:r>
-              <a:rPr lang="en-US" dirty="0"/>
-              <a:t>linear exponential smoothing</a:t>
+              <a:rPr lang="en-US" dirty="0"/>
+              <a:t>Holt’s linear exponential smoothing</a:t>
             </a:r>
             <a:r>
               <a:rPr lang="en-US" dirty="0">
@@ -19500,20 +18798,11 @@
               </a:rPr>
               <a:t>, also known as double exponential smoothing, is used to forecast time series data that has a linear trend but no seasonal pattern. </a:t>
             </a:r>
-            <a:endParaRPr lang="en-US" dirty="0" smtClean="0">
-              <a:solidFill>
-                <a:srgbClr val="00B050"/>
-              </a:solidFill>
-            </a:endParaRPr>
-          </a:p>
-          <a:p>
-            <a:r>
-              <a:rPr lang="en-US" dirty="0" smtClean="0"/>
-              <a:t>This </a:t>
-            </a:r>
-            <a:r>
-              <a:rPr lang="en-US" dirty="0"/>
-              <a:t>method uses two smoothing parameters: </a:t>
+          </a:p>
+          <a:p>
+            <a:r>
+              <a:rPr lang="en-US" dirty="0"/>
+              <a:t>This method uses two smoothing parameters: </a:t>
             </a:r>
             <a:r>
               <a:rPr lang="en-US" b="1" dirty="0">

--- a/PPT/Unit 3/Unit 3.pptx
+++ b/PPT/Unit 3/Unit 3.pptx
@@ -283,7 +283,7 @@
           <a:p>
             <a:fld id="{F4E0FBAC-73CE-44CE-8F81-DD345E67C6A7}" type="datetimeFigureOut">
               <a:rPr lang="en-US" smtClean="0"/>
-              <a:t>10/7/2024</a:t>
+              <a:t>10/21/2024</a:t>
             </a:fld>
             <a:endParaRPr lang="en-US"/>
           </a:p>
@@ -1360,7 +1360,7 @@
           <a:p>
             <a:fld id="{E2EBB68C-3430-4C54-9437-0EE408101B6E}" type="datetimeFigureOut">
               <a:rPr lang="en-US" smtClean="0"/>
-              <a:t>10/7/2024</a:t>
+              <a:t>10/21/2024</a:t>
             </a:fld>
             <a:endParaRPr lang="en-US"/>
           </a:p>
@@ -1528,7 +1528,7 @@
           <a:p>
             <a:fld id="{E2EBB68C-3430-4C54-9437-0EE408101B6E}" type="datetimeFigureOut">
               <a:rPr lang="en-US" smtClean="0"/>
-              <a:t>10/7/2024</a:t>
+              <a:t>10/21/2024</a:t>
             </a:fld>
             <a:endParaRPr lang="en-US"/>
           </a:p>
@@ -1706,7 +1706,7 @@
           <a:p>
             <a:fld id="{E2EBB68C-3430-4C54-9437-0EE408101B6E}" type="datetimeFigureOut">
               <a:rPr lang="en-US" smtClean="0"/>
-              <a:t>10/7/2024</a:t>
+              <a:t>10/21/2024</a:t>
             </a:fld>
             <a:endParaRPr lang="en-US"/>
           </a:p>
@@ -1874,7 +1874,7 @@
           <a:p>
             <a:fld id="{E2EBB68C-3430-4C54-9437-0EE408101B6E}" type="datetimeFigureOut">
               <a:rPr lang="en-US" smtClean="0"/>
-              <a:t>10/7/2024</a:t>
+              <a:t>10/21/2024</a:t>
             </a:fld>
             <a:endParaRPr lang="en-US"/>
           </a:p>
@@ -2119,7 +2119,7 @@
           <a:p>
             <a:fld id="{E2EBB68C-3430-4C54-9437-0EE408101B6E}" type="datetimeFigureOut">
               <a:rPr lang="en-US" smtClean="0"/>
-              <a:t>10/7/2024</a:t>
+              <a:t>10/21/2024</a:t>
             </a:fld>
             <a:endParaRPr lang="en-US"/>
           </a:p>
@@ -2348,7 +2348,7 @@
           <a:p>
             <a:fld id="{E2EBB68C-3430-4C54-9437-0EE408101B6E}" type="datetimeFigureOut">
               <a:rPr lang="en-US" smtClean="0"/>
-              <a:t>10/7/2024</a:t>
+              <a:t>10/21/2024</a:t>
             </a:fld>
             <a:endParaRPr lang="en-US"/>
           </a:p>
@@ -2712,7 +2712,7 @@
           <a:p>
             <a:fld id="{E2EBB68C-3430-4C54-9437-0EE408101B6E}" type="datetimeFigureOut">
               <a:rPr lang="en-US" smtClean="0"/>
-              <a:t>10/7/2024</a:t>
+              <a:t>10/21/2024</a:t>
             </a:fld>
             <a:endParaRPr lang="en-US"/>
           </a:p>
@@ -2829,7 +2829,7 @@
           <a:p>
             <a:fld id="{E2EBB68C-3430-4C54-9437-0EE408101B6E}" type="datetimeFigureOut">
               <a:rPr lang="en-US" smtClean="0"/>
-              <a:t>10/7/2024</a:t>
+              <a:t>10/21/2024</a:t>
             </a:fld>
             <a:endParaRPr lang="en-US"/>
           </a:p>
@@ -2924,7 +2924,7 @@
           <a:p>
             <a:fld id="{E2EBB68C-3430-4C54-9437-0EE408101B6E}" type="datetimeFigureOut">
               <a:rPr lang="en-US" smtClean="0"/>
-              <a:t>10/7/2024</a:t>
+              <a:t>10/21/2024</a:t>
             </a:fld>
             <a:endParaRPr lang="en-US"/>
           </a:p>
@@ -3199,7 +3199,7 @@
           <a:p>
             <a:fld id="{E2EBB68C-3430-4C54-9437-0EE408101B6E}" type="datetimeFigureOut">
               <a:rPr lang="en-US" smtClean="0"/>
-              <a:t>10/7/2024</a:t>
+              <a:t>10/21/2024</a:t>
             </a:fld>
             <a:endParaRPr lang="en-US"/>
           </a:p>
@@ -3451,7 +3451,7 @@
           <a:p>
             <a:fld id="{E2EBB68C-3430-4C54-9437-0EE408101B6E}" type="datetimeFigureOut">
               <a:rPr lang="en-US" smtClean="0"/>
-              <a:t>10/7/2024</a:t>
+              <a:t>10/21/2024</a:t>
             </a:fld>
             <a:endParaRPr lang="en-US"/>
           </a:p>
@@ -3662,7 +3662,7 @@
           <a:p>
             <a:fld id="{E2EBB68C-3430-4C54-9437-0EE408101B6E}" type="datetimeFigureOut">
               <a:rPr lang="en-US" smtClean="0"/>
-              <a:t>10/7/2024</a:t>
+              <a:t>10/21/2024</a:t>
             </a:fld>
             <a:endParaRPr lang="en-US"/>
           </a:p>
